--- a/report/requirement/32位MIPS综合实验项目需求分析.pptx
+++ b/report/requirement/32位MIPS综合实验项目需求分析.pptx
@@ -242,7 +242,7 @@
             <a:fld id="{CE74A6EE-E360-4005-A696-0C73C91B5E4F}" type="datetimeFigureOut">
               <a:rPr lang="en-US" smtClean="0"/>
               <a:pPr/>
-              <a:t>10/21/2015</a:t>
+              <a:t>10/22/2015</a:t>
             </a:fld>
             <a:endParaRPr lang="en-US"/>
           </a:p>
@@ -411,7 +411,7 @@
     </p:spTree>
     <p:extLst>
       <p:ext uri="{BB962C8B-B14F-4D97-AF65-F5344CB8AC3E}">
-        <p14:creationId xmlns:p14="http://schemas.microsoft.com/office/powerpoint/2010/main" xmlns="" val="3559005428"/>
+        <p14:creationId xmlns="" xmlns:p14="http://schemas.microsoft.com/office/powerpoint/2010/main" val="3559005428"/>
       </p:ext>
     </p:extLst>
   </p:cSld>
@@ -693,7 +693,7 @@
             <a:fld id="{AD33D0BB-003F-42B4-BF7A-CD36EAA9C443}" type="datetimeFigureOut">
               <a:rPr lang="en-US" smtClean="0"/>
               <a:pPr/>
-              <a:t>10/21/2015</a:t>
+              <a:t>10/22/2015</a:t>
             </a:fld>
             <a:endParaRPr lang="en-US"/>
           </a:p>
@@ -745,7 +745,7 @@
     </p:spTree>
     <p:extLst>
       <p:ext uri="{BB962C8B-B14F-4D97-AF65-F5344CB8AC3E}">
-        <p14:creationId xmlns:p14="http://schemas.microsoft.com/office/powerpoint/2010/main" xmlns="" val="3169997224"/>
+        <p14:creationId xmlns="" xmlns:p14="http://schemas.microsoft.com/office/powerpoint/2010/main" val="3169997224"/>
       </p:ext>
     </p:extLst>
   </p:cSld>
@@ -872,7 +872,7 @@
             <a:fld id="{AD33D0BB-003F-42B4-BF7A-CD36EAA9C443}" type="datetimeFigureOut">
               <a:rPr lang="en-US" smtClean="0"/>
               <a:pPr/>
-              <a:t>10/21/2015</a:t>
+              <a:t>10/22/2015</a:t>
             </a:fld>
             <a:endParaRPr lang="en-US"/>
           </a:p>
@@ -924,7 +924,7 @@
     </p:spTree>
     <p:extLst>
       <p:ext uri="{BB962C8B-B14F-4D97-AF65-F5344CB8AC3E}">
-        <p14:creationId xmlns:p14="http://schemas.microsoft.com/office/powerpoint/2010/main" xmlns="" val="3121300034"/>
+        <p14:creationId xmlns="" xmlns:p14="http://schemas.microsoft.com/office/powerpoint/2010/main" val="3121300034"/>
       </p:ext>
     </p:extLst>
   </p:cSld>
@@ -1054,7 +1054,7 @@
             <a:fld id="{AD33D0BB-003F-42B4-BF7A-CD36EAA9C443}" type="datetimeFigureOut">
               <a:rPr lang="en-US" smtClean="0"/>
               <a:pPr/>
-              <a:t>10/21/2015</a:t>
+              <a:t>10/22/2015</a:t>
             </a:fld>
             <a:endParaRPr lang="en-US"/>
           </a:p>
@@ -1106,7 +1106,7 @@
     </p:spTree>
     <p:extLst>
       <p:ext uri="{BB962C8B-B14F-4D97-AF65-F5344CB8AC3E}">
-        <p14:creationId xmlns:p14="http://schemas.microsoft.com/office/powerpoint/2010/main" xmlns="" val="2500313587"/>
+        <p14:creationId xmlns="" xmlns:p14="http://schemas.microsoft.com/office/powerpoint/2010/main" val="2500313587"/>
       </p:ext>
     </p:extLst>
   </p:cSld>
@@ -1365,7 +1365,7 @@
             <a:fld id="{AD33D0BB-003F-42B4-BF7A-CD36EAA9C443}" type="datetimeFigureOut">
               <a:rPr lang="en-US" smtClean="0"/>
               <a:pPr/>
-              <a:t>10/21/2015</a:t>
+              <a:t>10/22/2015</a:t>
             </a:fld>
             <a:endParaRPr lang="en-US"/>
           </a:p>
@@ -1595,7 +1595,7 @@
             <a:fld id="{AD33D0BB-003F-42B4-BF7A-CD36EAA9C443}" type="datetimeFigureOut">
               <a:rPr lang="en-US" smtClean="0"/>
               <a:pPr/>
-              <a:t>10/21/2015</a:t>
+              <a:t>10/22/2015</a:t>
             </a:fld>
             <a:endParaRPr lang="en-US"/>
           </a:p>
@@ -1955,7 +1955,7 @@
             <a:fld id="{AD33D0BB-003F-42B4-BF7A-CD36EAA9C443}" type="datetimeFigureOut">
               <a:rPr lang="en-US" smtClean="0"/>
               <a:pPr/>
-              <a:t>10/21/2015</a:t>
+              <a:t>10/22/2015</a:t>
             </a:fld>
             <a:endParaRPr lang="en-US"/>
           </a:p>
@@ -2244,7 +2244,7 @@
             <a:fld id="{AD33D0BB-003F-42B4-BF7A-CD36EAA9C443}" type="datetimeFigureOut">
               <a:rPr lang="en-US" smtClean="0"/>
               <a:pPr/>
-              <a:t>10/21/2015</a:t>
+              <a:t>10/22/2015</a:t>
             </a:fld>
             <a:endParaRPr lang="en-US"/>
           </a:p>
@@ -2668,7 +2668,7 @@
             <a:fld id="{AD33D0BB-003F-42B4-BF7A-CD36EAA9C443}" type="datetimeFigureOut">
               <a:rPr lang="en-US" smtClean="0"/>
               <a:pPr/>
-              <a:t>10/21/2015</a:t>
+              <a:t>10/22/2015</a:t>
             </a:fld>
             <a:endParaRPr lang="en-US"/>
           </a:p>
@@ -2785,7 +2785,7 @@
             <a:fld id="{AD33D0BB-003F-42B4-BF7A-CD36EAA9C443}" type="datetimeFigureOut">
               <a:rPr lang="en-US" smtClean="0"/>
               <a:pPr/>
-              <a:t>10/21/2015</a:t>
+              <a:t>10/22/2015</a:t>
             </a:fld>
             <a:endParaRPr lang="en-US"/>
           </a:p>
@@ -2877,7 +2877,7 @@
             <a:fld id="{AD33D0BB-003F-42B4-BF7A-CD36EAA9C443}" type="datetimeFigureOut">
               <a:rPr lang="en-US" smtClean="0"/>
               <a:pPr/>
-              <a:t>10/21/2015</a:t>
+              <a:t>10/22/2015</a:t>
             </a:fld>
             <a:endParaRPr lang="en-US"/>
           </a:p>
@@ -3157,7 +3157,7 @@
             <a:fld id="{AD33D0BB-003F-42B4-BF7A-CD36EAA9C443}" type="datetimeFigureOut">
               <a:rPr lang="en-US" smtClean="0"/>
               <a:pPr/>
-              <a:t>10/21/2015</a:t>
+              <a:t>10/22/2015</a:t>
             </a:fld>
             <a:endParaRPr lang="en-US"/>
           </a:p>
@@ -3418,7 +3418,7 @@
             <a:fld id="{AD33D0BB-003F-42B4-BF7A-CD36EAA9C443}" type="datetimeFigureOut">
               <a:rPr lang="en-US" smtClean="0"/>
               <a:pPr/>
-              <a:t>10/21/2015</a:t>
+              <a:t>10/22/2015</a:t>
             </a:fld>
             <a:endParaRPr lang="en-US"/>
           </a:p>
@@ -3470,7 +3470,7 @@
     </p:spTree>
     <p:extLst>
       <p:ext uri="{BB962C8B-B14F-4D97-AF65-F5344CB8AC3E}">
-        <p14:creationId xmlns:p14="http://schemas.microsoft.com/office/powerpoint/2010/main" xmlns="" val="210596"/>
+        <p14:creationId xmlns="" xmlns:p14="http://schemas.microsoft.com/office/powerpoint/2010/main" val="210596"/>
       </p:ext>
     </p:extLst>
   </p:cSld>
@@ -3697,7 +3697,7 @@
             <a:fld id="{AD33D0BB-003F-42B4-BF7A-CD36EAA9C443}" type="datetimeFigureOut">
               <a:rPr lang="en-US" smtClean="0"/>
               <a:pPr/>
-              <a:t>10/21/2015</a:t>
+              <a:t>10/22/2015</a:t>
             </a:fld>
             <a:endParaRPr lang="en-US"/>
           </a:p>
@@ -3982,7 +3982,7 @@
             <a:fld id="{AD33D0BB-003F-42B4-BF7A-CD36EAA9C443}" type="datetimeFigureOut">
               <a:rPr lang="en-US" smtClean="0"/>
               <a:pPr/>
-              <a:t>10/21/2015</a:t>
+              <a:t>10/22/2015</a:t>
             </a:fld>
             <a:endParaRPr lang="en-US"/>
           </a:p>
@@ -4264,7 +4264,7 @@
             <a:fld id="{AD33D0BB-003F-42B4-BF7A-CD36EAA9C443}" type="datetimeFigureOut">
               <a:rPr lang="en-US" smtClean="0"/>
               <a:pPr/>
-              <a:t>10/21/2015</a:t>
+              <a:t>10/22/2015</a:t>
             </a:fld>
             <a:endParaRPr lang="en-US"/>
           </a:p>
@@ -4512,7 +4512,7 @@
             <a:fld id="{AD33D0BB-003F-42B4-BF7A-CD36EAA9C443}" type="datetimeFigureOut">
               <a:rPr lang="en-US" smtClean="0"/>
               <a:pPr/>
-              <a:t>10/21/2015</a:t>
+              <a:t>10/22/2015</a:t>
             </a:fld>
             <a:endParaRPr lang="en-US"/>
           </a:p>
@@ -4564,7 +4564,7 @@
     </p:spTree>
     <p:extLst>
       <p:ext uri="{BB962C8B-B14F-4D97-AF65-F5344CB8AC3E}">
-        <p14:creationId xmlns:p14="http://schemas.microsoft.com/office/powerpoint/2010/main" xmlns="" val="2800241922"/>
+        <p14:creationId xmlns="" xmlns:p14="http://schemas.microsoft.com/office/powerpoint/2010/main" val="2800241922"/>
       </p:ext>
     </p:extLst>
   </p:cSld>
@@ -4802,7 +4802,7 @@
             <a:fld id="{AD33D0BB-003F-42B4-BF7A-CD36EAA9C443}" type="datetimeFigureOut">
               <a:rPr lang="en-US" smtClean="0"/>
               <a:pPr/>
-              <a:t>10/21/2015</a:t>
+              <a:t>10/22/2015</a:t>
             </a:fld>
             <a:endParaRPr lang="en-US"/>
           </a:p>
@@ -4854,7 +4854,7 @@
     </p:spTree>
     <p:extLst>
       <p:ext uri="{BB962C8B-B14F-4D97-AF65-F5344CB8AC3E}">
-        <p14:creationId xmlns:p14="http://schemas.microsoft.com/office/powerpoint/2010/main" xmlns="" val="2269161104"/>
+        <p14:creationId xmlns="" xmlns:p14="http://schemas.microsoft.com/office/powerpoint/2010/main" val="2269161104"/>
       </p:ext>
     </p:extLst>
   </p:cSld>
@@ -5226,7 +5226,7 @@
             <a:fld id="{AD33D0BB-003F-42B4-BF7A-CD36EAA9C443}" type="datetimeFigureOut">
               <a:rPr lang="en-US" smtClean="0"/>
               <a:pPr/>
-              <a:t>10/21/2015</a:t>
+              <a:t>10/22/2015</a:t>
             </a:fld>
             <a:endParaRPr lang="en-US"/>
           </a:p>
@@ -5278,7 +5278,7 @@
     </p:spTree>
     <p:extLst>
       <p:ext uri="{BB962C8B-B14F-4D97-AF65-F5344CB8AC3E}">
-        <p14:creationId xmlns:p14="http://schemas.microsoft.com/office/powerpoint/2010/main" xmlns="" val="3891434271"/>
+        <p14:creationId xmlns="" xmlns:p14="http://schemas.microsoft.com/office/powerpoint/2010/main" val="3891434271"/>
       </p:ext>
     </p:extLst>
   </p:cSld>
@@ -5346,7 +5346,7 @@
             <a:fld id="{AD33D0BB-003F-42B4-BF7A-CD36EAA9C443}" type="datetimeFigureOut">
               <a:rPr lang="en-US" smtClean="0"/>
               <a:pPr/>
-              <a:t>10/21/2015</a:t>
+              <a:t>10/22/2015</a:t>
             </a:fld>
             <a:endParaRPr lang="en-US"/>
           </a:p>
@@ -5398,7 +5398,7 @@
     </p:spTree>
     <p:extLst>
       <p:ext uri="{BB962C8B-B14F-4D97-AF65-F5344CB8AC3E}">
-        <p14:creationId xmlns:p14="http://schemas.microsoft.com/office/powerpoint/2010/main" xmlns="" val="2100951855"/>
+        <p14:creationId xmlns="" xmlns:p14="http://schemas.microsoft.com/office/powerpoint/2010/main" val="2100951855"/>
       </p:ext>
     </p:extLst>
   </p:cSld>
@@ -5443,7 +5443,7 @@
             <a:fld id="{AD33D0BB-003F-42B4-BF7A-CD36EAA9C443}" type="datetimeFigureOut">
               <a:rPr lang="en-US" smtClean="0"/>
               <a:pPr/>
-              <a:t>10/21/2015</a:t>
+              <a:t>10/22/2015</a:t>
             </a:fld>
             <a:endParaRPr lang="en-US"/>
           </a:p>
@@ -5495,7 +5495,7 @@
     </p:spTree>
     <p:extLst>
       <p:ext uri="{BB962C8B-B14F-4D97-AF65-F5344CB8AC3E}">
-        <p14:creationId xmlns:p14="http://schemas.microsoft.com/office/powerpoint/2010/main" xmlns="" val="3233383016"/>
+        <p14:creationId xmlns="" xmlns:p14="http://schemas.microsoft.com/office/powerpoint/2010/main" val="3233383016"/>
       </p:ext>
     </p:extLst>
   </p:cSld>
@@ -5722,7 +5722,7 @@
             <a:fld id="{AD33D0BB-003F-42B4-BF7A-CD36EAA9C443}" type="datetimeFigureOut">
               <a:rPr lang="en-US" smtClean="0"/>
               <a:pPr/>
-              <a:t>10/21/2015</a:t>
+              <a:t>10/22/2015</a:t>
             </a:fld>
             <a:endParaRPr lang="en-US"/>
           </a:p>
@@ -5774,7 +5774,7 @@
     </p:spTree>
     <p:extLst>
       <p:ext uri="{BB962C8B-B14F-4D97-AF65-F5344CB8AC3E}">
-        <p14:creationId xmlns:p14="http://schemas.microsoft.com/office/powerpoint/2010/main" xmlns="" val="3454949002"/>
+        <p14:creationId xmlns="" xmlns:p14="http://schemas.microsoft.com/office/powerpoint/2010/main" val="3454949002"/>
       </p:ext>
     </p:extLst>
   </p:cSld>
@@ -5981,7 +5981,7 @@
             <a:fld id="{AD33D0BB-003F-42B4-BF7A-CD36EAA9C443}" type="datetimeFigureOut">
               <a:rPr lang="en-US" smtClean="0"/>
               <a:pPr/>
-              <a:t>10/21/2015</a:t>
+              <a:t>10/22/2015</a:t>
             </a:fld>
             <a:endParaRPr lang="en-US"/>
           </a:p>
@@ -6033,7 +6033,7 @@
     </p:spTree>
     <p:extLst>
       <p:ext uri="{BB962C8B-B14F-4D97-AF65-F5344CB8AC3E}">
-        <p14:creationId xmlns:p14="http://schemas.microsoft.com/office/powerpoint/2010/main" xmlns="" val="3583789860"/>
+        <p14:creationId xmlns="" xmlns:p14="http://schemas.microsoft.com/office/powerpoint/2010/main" val="3583789860"/>
       </p:ext>
     </p:extLst>
   </p:cSld>
@@ -6196,7 +6196,7 @@
             <a:fld id="{AD33D0BB-003F-42B4-BF7A-CD36EAA9C443}" type="datetimeFigureOut">
               <a:rPr lang="en-US" smtClean="0"/>
               <a:pPr/>
-              <a:t>10/21/2015</a:t>
+              <a:t>10/22/2015</a:t>
             </a:fld>
             <a:endParaRPr lang="en-US"/>
           </a:p>
@@ -6284,7 +6284,7 @@
     </p:spTree>
     <p:extLst>
       <p:ext uri="{BB962C8B-B14F-4D97-AF65-F5344CB8AC3E}">
-        <p14:creationId xmlns:p14="http://schemas.microsoft.com/office/powerpoint/2010/main" xmlns="" val="1138484737"/>
+        <p14:creationId xmlns="" xmlns:p14="http://schemas.microsoft.com/office/powerpoint/2010/main" val="1138484737"/>
       </p:ext>
     </p:extLst>
   </p:cSld>
@@ -6830,7 +6830,7 @@
             <a:fld id="{AD33D0BB-003F-42B4-BF7A-CD36EAA9C443}" type="datetimeFigureOut">
               <a:rPr lang="en-US" smtClean="0"/>
               <a:pPr/>
-              <a:t>10/21/2015</a:t>
+              <a:t>10/22/2015</a:t>
             </a:fld>
             <a:endParaRPr lang="en-US"/>
           </a:p>
@@ -7700,11 +7700,7 @@
             </a:r>
             <a:r>
               <a:rPr lang="en-US" altLang="zh-CN" dirty="0" smtClean="0"/>
-              <a:t>——</a:t>
-            </a:r>
-            <a:r>
-              <a:rPr lang="en-US" altLang="zh-CN" dirty="0" smtClean="0"/>
-              <a:t>CPU</a:t>
+              <a:t>——CPU</a:t>
             </a:r>
             <a:r>
               <a:rPr lang="zh-CN" altLang="en-US" dirty="0" smtClean="0"/>
@@ -8316,11 +8312,7 @@
             </a:r>
             <a:r>
               <a:rPr lang="zh-CN" altLang="en-US" dirty="0" smtClean="0"/>
-              <a:t>及异常处理的管理机制</a:t>
-            </a:r>
-            <a:r>
-              <a:rPr lang="zh-CN" altLang="en-US" dirty="0" smtClean="0"/>
-              <a:t>。</a:t>
+              <a:t>及异常处理的管理机制。</a:t>
             </a:r>
             <a:endParaRPr lang="en-US" altLang="zh-CN" dirty="0" smtClean="0"/>
           </a:p>
@@ -8346,11 +8338,7 @@
             </a:r>
             <a:r>
               <a:rPr lang="zh-CN" altLang="en-US" dirty="0" smtClean="0"/>
-              <a:t>个寄存器</a:t>
-            </a:r>
-            <a:r>
-              <a:rPr lang="zh-CN" altLang="en-US" dirty="0" smtClean="0"/>
-              <a:t>。</a:t>
+              <a:t>个寄存器。</a:t>
             </a:r>
             <a:endParaRPr lang="en-US" altLang="zh-CN" dirty="0" smtClean="0"/>
           </a:p>
@@ -8414,11 +8402,7 @@
             </a:r>
             <a:r>
               <a:rPr lang="en-US" altLang="zh-CN" dirty="0" smtClean="0"/>
-              <a:t>——</a:t>
-            </a:r>
-            <a:r>
-              <a:rPr lang="en-US" altLang="zh-CN" dirty="0" smtClean="0"/>
-              <a:t>CP0</a:t>
+              <a:t>——CP0</a:t>
             </a:r>
             <a:r>
               <a:rPr lang="zh-CN" altLang="en-US" dirty="0" smtClean="0"/>
@@ -8646,13 +8630,8 @@
             </a:r>
             <a:r>
               <a:rPr lang="zh-CN" altLang="en-US" dirty="0" smtClean="0"/>
-              <a:t>入口的索引序号</a:t>
-            </a:r>
-            <a:r>
-              <a:rPr lang="zh-CN" altLang="en-US" dirty="0" smtClean="0"/>
-              <a:t>。</a:t>
-            </a:r>
-            <a:endParaRPr lang="zh-CN" altLang="en-US" dirty="0" smtClean="0"/>
+              <a:t>入口的索引序号。</a:t>
+            </a:r>
           </a:p>
           <a:p>
             <a:r>
@@ -8685,11 +8664,7 @@
             </a:r>
             <a:r>
               <a:rPr lang="zh-CN" altLang="en-US" dirty="0" smtClean="0"/>
-              <a:t>来说，该区域的最小值</a:t>
-            </a:r>
-            <a:r>
-              <a:rPr lang="zh-CN" altLang="en-US" dirty="0" smtClean="0"/>
-              <a:t>为</a:t>
+              <a:t>来说，该区域的最小值为</a:t>
             </a:r>
             <a:r>
               <a:rPr lang="en-US" altLang="zh-CN" dirty="0" smtClean="0"/>
@@ -8707,7 +8682,6 @@
               <a:rPr lang="zh-CN" altLang="en-US" dirty="0" smtClean="0"/>
               <a:t>。</a:t>
             </a:r>
-            <a:endParaRPr lang="zh-CN" altLang="en-US" dirty="0" smtClean="0"/>
           </a:p>
           <a:p>
             <a:r>
@@ -8728,13 +8702,8 @@
             </a:r>
             <a:r>
               <a:rPr lang="zh-CN" altLang="en-US" dirty="0" smtClean="0"/>
-              <a:t>入口数，则该处理器的操作是未定义的</a:t>
-            </a:r>
-            <a:r>
-              <a:rPr lang="zh-CN" altLang="en-US" dirty="0" smtClean="0"/>
-              <a:t>。</a:t>
-            </a:r>
-            <a:endParaRPr lang="zh-CN" altLang="en-US" dirty="0" smtClean="0"/>
+              <a:t>入口数，则该处理器的操作是未定义的。</a:t>
+            </a:r>
           </a:p>
           <a:p>
             <a:r>
@@ -9394,13 +9363,8 @@
             </a:r>
             <a:r>
               <a:rPr lang="zh-CN" altLang="en-US" dirty="0" smtClean="0"/>
-              <a:t>是否可以匹配</a:t>
-            </a:r>
-            <a:r>
-              <a:rPr lang="zh-CN" altLang="en-US" dirty="0" smtClean="0"/>
-              <a:t>。</a:t>
-            </a:r>
-            <a:endParaRPr lang="zh-CN" altLang="en-US" dirty="0" smtClean="0"/>
+              <a:t>是否可以匹配。</a:t>
+            </a:r>
           </a:p>
           <a:p>
             <a:r>
@@ -9453,13 +9417,8 @@
             </a:r>
             <a:r>
               <a:rPr lang="zh-CN" altLang="en-US" dirty="0" smtClean="0"/>
-              <a:t>修改异常时，以及在其它存储管理软件中尤为重要</a:t>
-            </a:r>
-            <a:r>
-              <a:rPr lang="zh-CN" altLang="en-US" dirty="0" smtClean="0"/>
-              <a:t>。</a:t>
-            </a:r>
-            <a:endParaRPr lang="zh-CN" altLang="en-US" dirty="0" smtClean="0"/>
+              <a:t>修改异常时，以及在其它存储管理软件中尤为重要。</a:t>
+            </a:r>
           </a:p>
           <a:p>
             <a:r>
@@ -9847,92 +9806,46 @@
             </a:r>
             <a:r>
               <a:rPr lang="zh-CN" altLang="en-US" dirty="0" smtClean="0"/>
-              <a:t>写寄存器，可以表示处理器的操作模式、中断使能以及诊断状态。该寄存器的区域联合作用，可以创建处理器的工作模式</a:t>
-            </a:r>
-            <a:r>
-              <a:rPr lang="zh-CN" altLang="en-US" dirty="0" smtClean="0"/>
-              <a:t>。</a:t>
-            </a:r>
-            <a:endParaRPr lang="zh-CN" altLang="en-US" dirty="0" smtClean="0"/>
-          </a:p>
-          <a:p>
-            <a:r>
-              <a:rPr lang="zh-CN" altLang="en-US" dirty="0" smtClean="0"/>
-              <a:t>中断使能：当一下所有条件成立时启用中断</a:t>
-            </a:r>
-            <a:r>
-              <a:rPr lang="zh-CN" altLang="en-US" dirty="0" smtClean="0"/>
-              <a:t>：</a:t>
-            </a:r>
-            <a:endParaRPr lang="zh-CN" altLang="en-US" dirty="0" smtClean="0"/>
+              <a:t>写寄存器，可以表示处理器的操作模式、中断使能以及诊断状态。该寄存器的区域联合作用，可以创建处理器的工作模式。</a:t>
+            </a:r>
+          </a:p>
+          <a:p>
+            <a:r>
+              <a:rPr lang="zh-CN" altLang="en-US" dirty="0" smtClean="0"/>
+              <a:t>中断使能：当一下所有条件成立时启用中断：</a:t>
+            </a:r>
           </a:p>
           <a:p>
             <a:pPr lvl="1"/>
             <a:r>
               <a:rPr lang="en-US" altLang="zh-CN" dirty="0" smtClean="0"/>
-              <a:t>Status[0</a:t>
-            </a:r>
-            <a:r>
-              <a:rPr lang="en-US" altLang="zh-CN" dirty="0" smtClean="0"/>
-              <a:t>]:IE = </a:t>
-            </a:r>
-            <a:r>
-              <a:rPr lang="en-US" altLang="zh-CN" dirty="0" smtClean="0"/>
-              <a:t>1</a:t>
-            </a:r>
-            <a:endParaRPr lang="en-US" altLang="zh-CN" dirty="0" smtClean="0"/>
+              <a:t>Status[0]:IE = 1</a:t>
+            </a:r>
           </a:p>
           <a:p>
             <a:pPr lvl="1"/>
             <a:r>
               <a:rPr lang="en-US" altLang="zh-CN" dirty="0" smtClean="0"/>
-              <a:t>Status[0</a:t>
-            </a:r>
-            <a:r>
-              <a:rPr lang="en-US" altLang="zh-CN" dirty="0" smtClean="0"/>
-              <a:t>]:EXL = </a:t>
-            </a:r>
-            <a:r>
-              <a:rPr lang="en-US" altLang="zh-CN" dirty="0" smtClean="0"/>
-              <a:t>0</a:t>
-            </a:r>
-            <a:endParaRPr lang="en-US" altLang="zh-CN" dirty="0" smtClean="0"/>
+              <a:t>Status[0]:EXL = 0</a:t>
+            </a:r>
           </a:p>
           <a:p>
             <a:pPr lvl="1"/>
             <a:r>
               <a:rPr lang="en-US" altLang="zh-CN" dirty="0" smtClean="0"/>
-              <a:t>Status[0</a:t>
-            </a:r>
-            <a:r>
-              <a:rPr lang="en-US" altLang="zh-CN" dirty="0" smtClean="0"/>
-              <a:t>]:ERL = </a:t>
-            </a:r>
-            <a:r>
-              <a:rPr lang="en-US" altLang="zh-CN" dirty="0" smtClean="0"/>
-              <a:t>0</a:t>
-            </a:r>
-            <a:endParaRPr lang="en-US" altLang="zh-CN" dirty="0" smtClean="0"/>
+              <a:t>Status[0]:ERL = 0</a:t>
+            </a:r>
           </a:p>
           <a:p>
             <a:pPr lvl="1"/>
             <a:r>
               <a:rPr lang="zh-CN" altLang="en-US" dirty="0" smtClean="0"/>
-              <a:t>额外</a:t>
-            </a:r>
-            <a:r>
-              <a:rPr lang="zh-CN" altLang="en-US" dirty="0" smtClean="0"/>
-              <a:t>的：</a:t>
-            </a:r>
-            <a:r>
-              <a:rPr lang="en-US" altLang="zh-CN" dirty="0" smtClean="0"/>
-              <a:t>Debug[0]:DM = </a:t>
-            </a:r>
-            <a:r>
-              <a:rPr lang="en-US" altLang="zh-CN" dirty="0" smtClean="0"/>
-              <a:t>0</a:t>
-            </a:r>
-            <a:endParaRPr lang="en-US" altLang="zh-CN" dirty="0" smtClean="0"/>
+              <a:t>额外的：</a:t>
+            </a:r>
+            <a:r>
+              <a:rPr lang="en-US" altLang="zh-CN" dirty="0" smtClean="0"/>
+              <a:t>Debug[0]:DM = 0</a:t>
+            </a:r>
           </a:p>
           <a:p>
             <a:r>
@@ -9961,13 +9874,8 @@
             </a:r>
             <a:r>
               <a:rPr lang="zh-CN" altLang="en-US" dirty="0" smtClean="0"/>
-              <a:t>位可以使能中断</a:t>
-            </a:r>
-            <a:r>
-              <a:rPr lang="zh-CN" altLang="en-US" dirty="0" smtClean="0"/>
-              <a:t>。</a:t>
-            </a:r>
-            <a:endParaRPr lang="zh-CN" altLang="en-US" dirty="0" smtClean="0"/>
+              <a:t>位可以使能中断。</a:t>
+            </a:r>
           </a:p>
           <a:p>
             <a:r>
@@ -10175,13 +10083,8 @@
             </a:r>
             <a:r>
               <a:rPr lang="zh-CN" altLang="en-US" dirty="0" smtClean="0"/>
-              <a:t>）</a:t>
-            </a:r>
-            <a:r>
-              <a:rPr lang="zh-CN" altLang="en-US" dirty="0" smtClean="0"/>
-              <a:t>。</a:t>
-            </a:r>
-            <a:endParaRPr lang="zh-CN" altLang="en-US" dirty="0" smtClean="0"/>
+              <a:t>）。</a:t>
+            </a:r>
           </a:p>
           <a:p>
             <a:r>
@@ -10281,7 +10184,7 @@
         </p:spPr>
         <p:txBody>
           <a:bodyPr>
-            <a:normAutofit fontScale="62500" lnSpcReduction="20000"/>
+            <a:normAutofit fontScale="70000" lnSpcReduction="20000"/>
           </a:bodyPr>
           <a:lstStyle/>
           <a:p>
@@ -10341,13 +10244,8 @@
             </a:r>
             <a:r>
               <a:rPr lang="zh-CN" altLang="en-US" dirty="0" smtClean="0"/>
-              <a:t>号可以被软件用来区分多处理器系统中不同的处理器</a:t>
-            </a:r>
-            <a:r>
-              <a:rPr lang="zh-CN" altLang="en-US" dirty="0" smtClean="0"/>
-              <a:t>。</a:t>
-            </a:r>
-            <a:endParaRPr lang="zh-CN" altLang="en-US" dirty="0" smtClean="0"/>
+              <a:t>号可以被软件用来区分多处理器系统中不同的处理器。</a:t>
+            </a:r>
           </a:p>
           <a:p>
             <a:r>
@@ -10420,13 +10318,8 @@
             </a:r>
             <a:r>
               <a:rPr lang="zh-CN" altLang="en-US" dirty="0" smtClean="0"/>
-              <a:t>调试异常的情况下，异常向量的基地址由固定的缺省值确定</a:t>
-            </a:r>
-            <a:r>
-              <a:rPr lang="zh-CN" altLang="en-US" dirty="0" smtClean="0"/>
-              <a:t>。</a:t>
-            </a:r>
-            <a:endParaRPr lang="zh-CN" altLang="en-US" dirty="0" smtClean="0"/>
+              <a:t>调试异常的情况下，异常向量的基地址由固定的缺省值确定。</a:t>
+            </a:r>
           </a:p>
           <a:p>
             <a:r>
@@ -10447,7 +10340,7 @@
             </a:r>
             <a:r>
               <a:rPr lang="en-US" altLang="zh-CN" dirty="0" smtClean="0"/>
-              <a:t>2\#10</a:t>
+              <a:t>2#10</a:t>
             </a:r>
             <a:r>
               <a:rPr lang="zh-CN" altLang="en-US" dirty="0" smtClean="0"/>
@@ -10523,13 +10416,8 @@
             </a:r>
             <a:r>
               <a:rPr lang="zh-CN" altLang="en-US" dirty="0" smtClean="0"/>
-              <a:t>时，在异常基地址区域写入了一个不同的值，处理器的操作将成为未定义的</a:t>
-            </a:r>
-            <a:r>
-              <a:rPr lang="zh-CN" altLang="en-US" dirty="0" smtClean="0"/>
-              <a:t>。</a:t>
-            </a:r>
-            <a:endParaRPr lang="zh-CN" altLang="en-US" dirty="0" smtClean="0"/>
+              <a:t>时，在异常基地址区域写入了一个不同的值，处理器的操作将成为未定义的。</a:t>
+            </a:r>
           </a:p>
           <a:p>
             <a:r>
@@ -10744,11 +10632,7 @@
           <a:p>
             <a:r>
               <a:rPr lang="zh-CN" altLang="en-US" dirty="0" smtClean="0"/>
-              <a:t>实现步骤</a:t>
-            </a:r>
-            <a:r>
-              <a:rPr lang="zh-CN" altLang="en-US" dirty="0" smtClean="0"/>
-              <a:t>：</a:t>
+              <a:t>实现步骤：</a:t>
             </a:r>
             <a:endParaRPr lang="en-US" altLang="zh-CN" dirty="0" smtClean="0"/>
           </a:p>
@@ -10763,11 +10647,7 @@
             </a:r>
             <a:r>
               <a:rPr lang="zh-CN" altLang="en-US" dirty="0" smtClean="0"/>
-              <a:t>寄存器，可考虑推荐实现的寄存器或自行决定额外寄存器实现</a:t>
-            </a:r>
-            <a:r>
-              <a:rPr lang="zh-CN" altLang="en-US" dirty="0" smtClean="0"/>
-              <a:t>。</a:t>
+              <a:t>寄存器，可考虑推荐实现的寄存器或自行决定额外寄存器实现。</a:t>
             </a:r>
             <a:endParaRPr lang="en-US" altLang="zh-CN" dirty="0" smtClean="0"/>
           </a:p>
@@ -10790,11 +10670,7 @@
             </a:r>
             <a:r>
               <a:rPr lang="zh-CN" altLang="en-US" dirty="0" smtClean="0"/>
-              <a:t>的不同模块完成各寄存器的赋值</a:t>
-            </a:r>
-            <a:r>
-              <a:rPr lang="zh-CN" altLang="en-US" dirty="0" smtClean="0"/>
-              <a:t>。</a:t>
+              <a:t>的不同模块完成各寄存器的赋值。</a:t>
             </a:r>
             <a:endParaRPr lang="en-US" altLang="zh-CN" dirty="0" smtClean="0"/>
           </a:p>
@@ -10814,11 +10690,7 @@
             <a:pPr lvl="1"/>
             <a:r>
               <a:rPr lang="zh-CN" altLang="en-US" dirty="0" smtClean="0"/>
-              <a:t>异常处理</a:t>
-            </a:r>
-            <a:r>
-              <a:rPr lang="zh-CN" altLang="en-US" dirty="0" smtClean="0"/>
-              <a:t>开始时，若为</a:t>
+              <a:t>异常处理开始时，若为</a:t>
             </a:r>
             <a:r>
               <a:rPr lang="en-US" altLang="zh-CN" dirty="0" smtClean="0"/>
@@ -10852,17 +10724,12 @@
               <a:rPr lang="zh-CN" altLang="en-US" dirty="0" smtClean="0"/>
               <a:t>位</a:t>
             </a:r>
-            <a:endParaRPr lang="zh-CN" altLang="en-US" dirty="0" smtClean="0"/>
           </a:p>
           <a:p>
             <a:pPr lvl="1"/>
             <a:r>
               <a:rPr lang="zh-CN" altLang="en-US" dirty="0" smtClean="0"/>
-              <a:t>异常处理</a:t>
-            </a:r>
-            <a:r>
-              <a:rPr lang="zh-CN" altLang="en-US" dirty="0" smtClean="0"/>
-              <a:t>开始时，将</a:t>
+              <a:t>异常处理开始时，将</a:t>
             </a:r>
             <a:r>
               <a:rPr lang="en-US" altLang="zh-CN" dirty="0" smtClean="0"/>
@@ -10900,97 +10767,73 @@
               <a:rPr lang="en-US" altLang="zh-CN" dirty="0" smtClean="0"/>
               <a:t>0</a:t>
             </a:r>
+          </a:p>
+          <a:p>
+            <a:pPr lvl="1"/>
+            <a:r>
+              <a:rPr lang="zh-CN" altLang="en-US" dirty="0" smtClean="0"/>
+              <a:t>异常处理开始时，将</a:t>
+            </a:r>
+            <a:r>
+              <a:rPr lang="en-US" altLang="zh-CN" dirty="0" smtClean="0"/>
+              <a:t>Cause[6:2]</a:t>
+            </a:r>
+            <a:r>
+              <a:rPr lang="zh-CN" altLang="en-US" dirty="0" smtClean="0"/>
+              <a:t>赋值为异常号</a:t>
+            </a:r>
+          </a:p>
+          <a:p>
+            <a:pPr lvl="1"/>
+            <a:r>
+              <a:rPr lang="zh-CN" altLang="en-US" dirty="0" smtClean="0"/>
+              <a:t>异常处理开始时，将</a:t>
+            </a:r>
+            <a:r>
+              <a:rPr lang="en-US" altLang="zh-CN" dirty="0" smtClean="0"/>
+              <a:t>EPC</a:t>
+            </a:r>
+            <a:r>
+              <a:rPr lang="zh-CN" altLang="en-US" dirty="0" smtClean="0"/>
+              <a:t>赋值为</a:t>
+            </a:r>
+            <a:r>
+              <a:rPr lang="en-US" altLang="zh-CN" dirty="0" smtClean="0"/>
+              <a:t>Victim</a:t>
+            </a:r>
+            <a:r>
+              <a:rPr lang="zh-CN" altLang="en-US" dirty="0" smtClean="0"/>
+              <a:t>指令地址</a:t>
+            </a:r>
+          </a:p>
+          <a:p>
+            <a:pPr lvl="1"/>
+            <a:r>
+              <a:rPr lang="zh-CN" altLang="en-US" dirty="0" smtClean="0"/>
+              <a:t>每个周期，</a:t>
+            </a:r>
+            <a:r>
+              <a:rPr lang="en-US" altLang="zh-CN" dirty="0" smtClean="0"/>
+              <a:t>Count</a:t>
+            </a:r>
+            <a:r>
+              <a:rPr lang="zh-CN" altLang="en-US" dirty="0" smtClean="0"/>
+              <a:t>加</a:t>
+            </a:r>
+            <a:r>
+              <a:rPr lang="en-US" altLang="zh-CN" dirty="0" smtClean="0"/>
+              <a:t>1</a:t>
+            </a:r>
+          </a:p>
+          <a:p>
+            <a:pPr lvl="1"/>
+            <a:r>
+              <a:rPr lang="zh-CN" altLang="en-US" dirty="0" smtClean="0"/>
+              <a:t>其他写操作由软件完成</a:t>
+            </a:r>
             <a:endParaRPr lang="en-US" altLang="zh-CN" dirty="0" smtClean="0"/>
           </a:p>
           <a:p>
-            <a:pPr lvl="1"/>
-            <a:r>
-              <a:rPr lang="zh-CN" altLang="en-US" dirty="0" smtClean="0"/>
-              <a:t>异常处理</a:t>
-            </a:r>
-            <a:r>
-              <a:rPr lang="zh-CN" altLang="en-US" dirty="0" smtClean="0"/>
-              <a:t>开始时，将</a:t>
-            </a:r>
-            <a:r>
-              <a:rPr lang="en-US" altLang="zh-CN" dirty="0" smtClean="0"/>
-              <a:t>Cause[6:2]</a:t>
-            </a:r>
-            <a:r>
-              <a:rPr lang="zh-CN" altLang="en-US" dirty="0" smtClean="0"/>
-              <a:t>赋值为异常</a:t>
-            </a:r>
-            <a:r>
-              <a:rPr lang="zh-CN" altLang="en-US" dirty="0" smtClean="0"/>
-              <a:t>号</a:t>
-            </a:r>
-            <a:endParaRPr lang="zh-CN" altLang="en-US" dirty="0" smtClean="0"/>
-          </a:p>
-          <a:p>
-            <a:pPr lvl="1"/>
-            <a:r>
-              <a:rPr lang="zh-CN" altLang="en-US" dirty="0" smtClean="0"/>
-              <a:t>异常处理</a:t>
-            </a:r>
-            <a:r>
-              <a:rPr lang="zh-CN" altLang="en-US" dirty="0" smtClean="0"/>
-              <a:t>开始时，将</a:t>
-            </a:r>
-            <a:r>
-              <a:rPr lang="en-US" altLang="zh-CN" dirty="0" smtClean="0"/>
-              <a:t>EPC</a:t>
-            </a:r>
-            <a:r>
-              <a:rPr lang="zh-CN" altLang="en-US" dirty="0" smtClean="0"/>
-              <a:t>赋值为</a:t>
-            </a:r>
-            <a:r>
-              <a:rPr lang="en-US" altLang="zh-CN" dirty="0" smtClean="0"/>
-              <a:t>Victim</a:t>
-            </a:r>
-            <a:r>
-              <a:rPr lang="zh-CN" altLang="en-US" dirty="0" smtClean="0"/>
-              <a:t>指令地址</a:t>
-            </a:r>
-            <a:endParaRPr lang="zh-CN" altLang="en-US" dirty="0" smtClean="0"/>
-          </a:p>
-          <a:p>
-            <a:pPr lvl="1"/>
-            <a:r>
-              <a:rPr lang="zh-CN" altLang="en-US" dirty="0" smtClean="0"/>
-              <a:t>每个</a:t>
-            </a:r>
-            <a:r>
-              <a:rPr lang="zh-CN" altLang="en-US" dirty="0" smtClean="0"/>
-              <a:t>周期，</a:t>
-            </a:r>
-            <a:r>
-              <a:rPr lang="en-US" altLang="zh-CN" dirty="0" smtClean="0"/>
-              <a:t>Count</a:t>
-            </a:r>
-            <a:r>
-              <a:rPr lang="zh-CN" altLang="en-US" dirty="0" smtClean="0"/>
-              <a:t>加</a:t>
-            </a:r>
-            <a:r>
-              <a:rPr lang="en-US" altLang="zh-CN" dirty="0" smtClean="0"/>
-              <a:t>1</a:t>
-            </a:r>
-            <a:endParaRPr lang="en-US" altLang="zh-CN" dirty="0" smtClean="0"/>
-          </a:p>
-          <a:p>
-            <a:pPr lvl="1"/>
-            <a:r>
-              <a:rPr lang="zh-CN" altLang="en-US" dirty="0" smtClean="0"/>
-              <a:t>其他</a:t>
-            </a:r>
-            <a:r>
-              <a:rPr lang="zh-CN" altLang="en-US" dirty="0" smtClean="0"/>
-              <a:t>写操作由软件完成</a:t>
-            </a:r>
-            <a:endParaRPr lang="en-US" altLang="zh-CN" dirty="0" smtClean="0"/>
-          </a:p>
-          <a:p>
             <a:r>
               <a:rPr lang="zh-CN" altLang="en-US" dirty="0" smtClean="0"/>
               <a:t>实现</a:t>
@@ -11017,11 +10860,7 @@
             </a:r>
             <a:r>
               <a:rPr lang="zh-CN" altLang="en-US" dirty="0" smtClean="0"/>
-              <a:t>寄存器的功能</a:t>
-            </a:r>
-            <a:r>
-              <a:rPr lang="zh-CN" altLang="en-US" dirty="0" smtClean="0"/>
-              <a:t>。</a:t>
+              <a:t>寄存器的功能。</a:t>
             </a:r>
             <a:endParaRPr lang="en-US" altLang="zh-CN" dirty="0" smtClean="0"/>
           </a:p>
@@ -11360,11 +11199,7 @@
             </a:r>
             <a:r>
               <a:rPr lang="zh-CN" altLang="en-US" dirty="0" smtClean="0"/>
-              <a:t>异常处理的一般流程如下</a:t>
-            </a:r>
-            <a:r>
-              <a:rPr lang="zh-CN" altLang="en-US" dirty="0" smtClean="0"/>
-              <a:t>：</a:t>
+              <a:t>异常处理的一般流程如下：</a:t>
             </a:r>
             <a:endParaRPr lang="en-US" altLang="zh-CN" dirty="0" smtClean="0"/>
           </a:p>
@@ -11403,11 +11238,7 @@
             </a:r>
             <a:r>
               <a:rPr lang="zh-CN" altLang="en-US" dirty="0" smtClean="0"/>
-              <a:t>等寄存器的</a:t>
-            </a:r>
-            <a:r>
-              <a:rPr lang="zh-CN" altLang="en-US" dirty="0" smtClean="0"/>
-              <a:t>信息</a:t>
+              <a:t>等寄存器的信息</a:t>
             </a:r>
             <a:endParaRPr lang="en-US" altLang="zh-CN" dirty="0" smtClean="0"/>
           </a:p>
@@ -11427,11 +11258,7 @@
             </a:r>
             <a:r>
               <a:rPr lang="zh-CN" altLang="en-US" dirty="0" smtClean="0"/>
-              <a:t>应当保存的地址；而对于硬件中断，由于是异步产生则可以任意设定一条并未执行完成的指令地址保存，但在进入下一步处理之前，该指令前的指令都应当被执行完</a:t>
-            </a:r>
-            <a:r>
-              <a:rPr lang="zh-CN" altLang="en-US" dirty="0" smtClean="0"/>
-              <a:t>。</a:t>
+              <a:t>应当保存的地址；而对于硬件中断，由于是异步产生则可以任意设定一条并未执行完成的指令地址保存，但在进入下一步处理之前，该指令前的指令都应当被执行完。</a:t>
             </a:r>
             <a:endParaRPr lang="en-US" altLang="zh-CN" dirty="0" smtClean="0"/>
           </a:p>
@@ -11451,11 +11278,7 @@
             </a:r>
             <a:r>
               <a:rPr lang="zh-CN" altLang="en-US" dirty="0" smtClean="0"/>
-              <a:t>异常（重填、失效、修改）时的虚拟地址</a:t>
-            </a:r>
-            <a:r>
-              <a:rPr lang="zh-CN" altLang="en-US" dirty="0" smtClean="0"/>
-              <a:t>。</a:t>
+              <a:t>异常（重填、失效、修改）时的虚拟地址。</a:t>
             </a:r>
             <a:endParaRPr lang="en-US" altLang="zh-CN" dirty="0" smtClean="0"/>
           </a:p>
@@ -11491,11 +11314,7 @@
             </a:r>
             <a:r>
               <a:rPr lang="zh-CN" altLang="en-US" dirty="0" smtClean="0"/>
-              <a:t>模式进行中断处理</a:t>
-            </a:r>
-            <a:r>
-              <a:rPr lang="zh-CN" altLang="en-US" dirty="0" smtClean="0"/>
-              <a:t>。</a:t>
+              <a:t>模式进行中断处理。</a:t>
             </a:r>
             <a:endParaRPr lang="en-US" altLang="zh-CN" dirty="0" smtClean="0"/>
           </a:p>
@@ -11507,11 +11326,7 @@
             </a:r>
             <a:r>
               <a:rPr lang="zh-CN" altLang="en-US" dirty="0" smtClean="0"/>
-              <a:t>：记录下异常号</a:t>
-            </a:r>
-            <a:r>
-              <a:rPr lang="zh-CN" altLang="en-US" dirty="0" smtClean="0"/>
-              <a:t>。</a:t>
+              <a:t>：记录下异常号。</a:t>
             </a:r>
             <a:endParaRPr lang="en-US" altLang="zh-CN" dirty="0" smtClean="0"/>
           </a:p>
@@ -11554,11 +11369,7 @@
             </a:r>
             <a:r>
               <a:rPr lang="zh-CN" altLang="en-US" dirty="0" smtClean="0"/>
-              <a:t>中的异常号跳转到相应的异常处理函数</a:t>
-            </a:r>
-            <a:r>
-              <a:rPr lang="zh-CN" altLang="en-US" dirty="0" smtClean="0"/>
-              <a:t>入口</a:t>
+              <a:t>中的异常号跳转到相应的异常处理函数入口</a:t>
             </a:r>
             <a:endParaRPr lang="en-US" altLang="zh-CN" dirty="0" smtClean="0"/>
           </a:p>
@@ -11708,22 +11519,14 @@
           <a:p>
             <a:r>
               <a:rPr lang="zh-CN" altLang="en-US" dirty="0" smtClean="0"/>
-              <a:t>实现步骤</a:t>
-            </a:r>
-            <a:r>
-              <a:rPr lang="zh-CN" altLang="en-US" dirty="0" smtClean="0"/>
-              <a:t>：</a:t>
+              <a:t>实现步骤：</a:t>
             </a:r>
             <a:endParaRPr lang="en-US" altLang="zh-CN" dirty="0" smtClean="0"/>
           </a:p>
           <a:p>
             <a:r>
               <a:rPr lang="zh-CN" altLang="en-US" dirty="0" smtClean="0"/>
-              <a:t>在可能发生异常的位置实现对异常的记录</a:t>
-            </a:r>
-            <a:r>
-              <a:rPr lang="zh-CN" altLang="en-US" dirty="0" smtClean="0"/>
-              <a:t>。</a:t>
+              <a:t>在可能发生异常的位置实现对异常的记录。</a:t>
             </a:r>
             <a:endParaRPr lang="en-US" altLang="zh-CN" dirty="0" smtClean="0"/>
           </a:p>
@@ -11822,11 +11625,7 @@
           <a:p>
             <a:r>
               <a:rPr lang="zh-CN" altLang="en-US" dirty="0" smtClean="0"/>
-              <a:t>实现对中断的记录</a:t>
-            </a:r>
-            <a:r>
-              <a:rPr lang="zh-CN" altLang="en-US" dirty="0" smtClean="0"/>
-              <a:t>。</a:t>
+              <a:t>实现对中断的记录。</a:t>
             </a:r>
             <a:endParaRPr lang="en-US" altLang="zh-CN" dirty="0" smtClean="0"/>
           </a:p>
@@ -11849,11 +11648,7 @@
           <a:p>
             <a:r>
               <a:rPr lang="zh-CN" altLang="en-US" dirty="0" smtClean="0"/>
-              <a:t>根据异常记录信息判断是否产生异常</a:t>
-            </a:r>
-            <a:r>
-              <a:rPr lang="zh-CN" altLang="en-US" dirty="0" smtClean="0"/>
-              <a:t>。</a:t>
+              <a:t>根据异常记录信息判断是否产生异常。</a:t>
             </a:r>
             <a:endParaRPr lang="en-US" altLang="zh-CN" dirty="0" smtClean="0"/>
           </a:p>
@@ -12034,11 +11829,7 @@
             </a:r>
             <a:r>
               <a:rPr lang="en-US" altLang="zh-CN" dirty="0" smtClean="0"/>
-              <a:t>——</a:t>
-            </a:r>
-            <a:r>
-              <a:rPr lang="en-US" altLang="zh-CN" dirty="0" smtClean="0"/>
-              <a:t>MMU</a:t>
+              <a:t>——MMU</a:t>
             </a:r>
             <a:endParaRPr lang="zh-CN" altLang="en-US" dirty="0"/>
           </a:p>
@@ -12313,11 +12104,7 @@
             </a:r>
             <a:r>
               <a:rPr lang="zh-CN" altLang="en-US" dirty="0" smtClean="0"/>
-              <a:t>是一个寄存器组，用作页表的缓存。根据表大小以及相连度不同而不同。以下是设计方案</a:t>
-            </a:r>
-            <a:r>
-              <a:rPr lang="zh-CN" altLang="en-US" dirty="0" smtClean="0"/>
-              <a:t>：</a:t>
+              <a:t>是一个寄存器组，用作页表的缓存。根据表大小以及相连度不同而不同。以下是设计方案：</a:t>
             </a:r>
             <a:endParaRPr lang="en-US" altLang="zh-CN" dirty="0" smtClean="0"/>
           </a:p>
@@ -12325,15 +12112,7 @@
             <a:pPr lvl="1"/>
             <a:r>
               <a:rPr lang="zh-CN" altLang="en-US" dirty="0" smtClean="0"/>
-              <a:t>对于</a:t>
-            </a:r>
-            <a:r>
-              <a:rPr lang="zh-CN" altLang="en-US" dirty="0" smtClean="0"/>
-              <a:t>一个</a:t>
-            </a:r>
-            <a:r>
-              <a:rPr lang="zh-CN" altLang="en-US" dirty="0" smtClean="0"/>
-              <a:t>拥有</a:t>
+              <a:t>对于一个拥有</a:t>
             </a:r>
             <a:r>
               <a:rPr lang="en-US" altLang="zh-CN" dirty="0" smtClean="0"/>
@@ -12341,11 +12120,7 @@
             </a:r>
             <a:r>
               <a:rPr lang="zh-CN" altLang="en-US" dirty="0" smtClean="0"/>
-              <a:t>个</a:t>
-            </a:r>
-            <a:r>
-              <a:rPr lang="zh-CN" altLang="en-US" dirty="0" smtClean="0"/>
-              <a:t>表项的</a:t>
+              <a:t>个表项的</a:t>
             </a:r>
             <a:r>
               <a:rPr lang="en-US" altLang="zh-CN" dirty="0" smtClean="0"/>
@@ -12361,11 +12136,7 @@
             </a:r>
             <a:r>
               <a:rPr lang="zh-CN" altLang="en-US" dirty="0" smtClean="0"/>
-              <a:t>位长，每次更新时它的信息被存放在如下寄存器中：目录</a:t>
-            </a:r>
-            <a:r>
-              <a:rPr lang="zh-CN" altLang="en-US" dirty="0" smtClean="0"/>
-              <a:t>为</a:t>
+              <a:t>位长，每次更新时它的信息被存放在如下寄存器中：目录为</a:t>
             </a:r>
             <a:r>
               <a:rPr lang="en-US" altLang="zh-CN" dirty="0" smtClean="0"/>
@@ -12373,15 +12144,7 @@
             </a:r>
             <a:r>
               <a:rPr lang="zh-CN" altLang="en-US" dirty="0" smtClean="0"/>
-              <a:t>，</a:t>
-            </a:r>
-            <a:r>
-              <a:rPr lang="zh-CN" altLang="en-US" dirty="0" smtClean="0"/>
-              <a:t>对应的每个表项即每个入口</a:t>
-            </a:r>
-            <a:r>
-              <a:rPr lang="zh-CN" altLang="en-US" dirty="0" smtClean="0"/>
-              <a:t>为</a:t>
+              <a:t>，对应的每个表项即每个入口为</a:t>
             </a:r>
             <a:r>
               <a:rPr lang="en-US" altLang="zh-CN" dirty="0" smtClean="0"/>
@@ -12393,25 +12156,8 @@
             </a:r>
             <a:r>
               <a:rPr lang="en-US" altLang="zh-CN" dirty="0" smtClean="0"/>
-              <a:t>[ 31:13], EntryLo1[ </a:t>
-            </a:r>
-            <a:r>
-              <a:rPr lang="en-US" altLang="zh-CN" dirty="0" smtClean="0"/>
-              <a:t>25:6 </a:t>
-            </a:r>
-            <a:r>
-              <a:rPr lang="en-US" altLang="zh-CN" dirty="0" smtClean="0"/>
-              <a:t>],EntryLo1[ </a:t>
-            </a:r>
-            <a:r>
-              <a:rPr lang="en-US" altLang="zh-CN" dirty="0" smtClean="0"/>
-              <a:t>2:1 </a:t>
-            </a:r>
-            <a:r>
-              <a:rPr lang="en-US" altLang="zh-CN" dirty="0" smtClean="0"/>
-              <a:t>], EntryLo0[ 25:6], EntryLo0[ 2:1] }</a:t>
-            </a:r>
-            <a:endParaRPr lang="en-US" altLang="zh-CN" dirty="0" smtClean="0"/>
+              <a:t>[ 31:13], EntryLo1[ 25:6 ],EntryLo1[ 2:1 ], EntryLo0[ 25:6], EntryLo0[ 2:1] }</a:t>
+            </a:r>
           </a:p>
           <a:p>
             <a:pPr lvl="1"/>
@@ -12648,13 +12394,8 @@
             </a:r>
             <a:r>
               <a:rPr lang="zh-CN" altLang="en-US" dirty="0" smtClean="0"/>
-              <a:t>与其独立开来</a:t>
-            </a:r>
-            <a:r>
-              <a:rPr lang="zh-CN" altLang="en-US" dirty="0" smtClean="0"/>
-              <a:t>。</a:t>
-            </a:r>
-            <a:endParaRPr lang="zh-CN" altLang="en-US" dirty="0" smtClean="0"/>
+              <a:t>与其独立开来。</a:t>
+            </a:r>
           </a:p>
           <a:p>
             <a:pPr lvl="1"/>
@@ -12679,11 +12420,7 @@
           <a:p>
             <a:r>
               <a:rPr lang="zh-CN" altLang="en-US" dirty="0" smtClean="0"/>
-              <a:t>远程文件</a:t>
-            </a:r>
-            <a:r>
-              <a:rPr lang="zh-CN" altLang="en-US" dirty="0" smtClean="0"/>
-              <a:t>执行</a:t>
+              <a:t>远程文件执行</a:t>
             </a:r>
             <a:endParaRPr lang="en-US" altLang="zh-CN" dirty="0" smtClean="0"/>
           </a:p>
@@ -12814,11 +12551,7 @@
           <a:p>
             <a:r>
               <a:rPr lang="en-US" altLang="zh-CN" dirty="0" smtClean="0"/>
-              <a:t>p</a:t>
-            </a:r>
-            <a:r>
-              <a:rPr lang="en-US" altLang="zh-CN" dirty="0" smtClean="0"/>
-              <a:t>s/2</a:t>
+              <a:t>ps/2</a:t>
             </a:r>
             <a:r>
               <a:rPr lang="zh-CN" altLang="en-US" dirty="0" smtClean="0"/>
@@ -12925,13 +12658,8 @@
             </a:r>
             <a:r>
               <a:rPr lang="zh-CN" altLang="en-US" sz="2400" dirty="0" smtClean="0"/>
-              <a:t>机的通信，通过计算机键盘输入数据，向计算机输出数据</a:t>
-            </a:r>
-            <a:r>
-              <a:rPr lang="zh-CN" altLang="en-US" sz="2400" dirty="0" smtClean="0"/>
-              <a:t>。</a:t>
-            </a:r>
-            <a:endParaRPr lang="zh-CN" altLang="en-US" sz="2400" dirty="0" smtClean="0"/>
+              <a:t>机的通信，通过计算机键盘输入数据，向计算机输出数据。</a:t>
+            </a:r>
           </a:p>
           <a:p>
             <a:r>
@@ -12952,11 +12680,7 @@
             </a:r>
             <a:r>
               <a:rPr lang="zh-CN" altLang="en-US" sz="2400" dirty="0" smtClean="0"/>
-              <a:t>端，对串口的控制</a:t>
-            </a:r>
-            <a:r>
-              <a:rPr lang="zh-CN" altLang="en-US" sz="2400" dirty="0" smtClean="0"/>
-              <a:t>通过</a:t>
+              <a:t>端，对串口的控制通过</a:t>
             </a:r>
             <a:r>
               <a:rPr lang="en-US" altLang="zh-CN" sz="2400" dirty="0" err="1" smtClean="0"/>
@@ -13014,13 +12738,8 @@
             </a:r>
             <a:r>
               <a:rPr lang="zh-CN" altLang="en-US" sz="2400" dirty="0" smtClean="0"/>
-              <a:t>时串口数据就绪，可以读出</a:t>
-            </a:r>
-            <a:r>
-              <a:rPr lang="zh-CN" altLang="en-US" sz="2400" dirty="0" smtClean="0"/>
-              <a:t>。</a:t>
-            </a:r>
-            <a:endParaRPr lang="zh-CN" altLang="en-US" sz="2400" dirty="0" smtClean="0"/>
+              <a:t>时串口数据就绪，可以读出。</a:t>
+            </a:r>
           </a:p>
           <a:p>
             <a:r>
@@ -13041,25 +12760,12 @@
             </a:r>
             <a:r>
               <a:rPr lang="en-US" altLang="zh-CN" sz="2400" dirty="0" smtClean="0"/>
-              <a:t>=‘1</a:t>
-            </a:r>
-            <a:r>
-              <a:rPr lang="en-US" altLang="zh-CN" sz="2400" dirty="0" smtClean="0"/>
-              <a:t>’</a:t>
+              <a:t>=‘1’</a:t>
             </a:r>
             <a:r>
               <a:rPr lang="zh-CN" altLang="en-US" sz="2400" dirty="0" smtClean="0"/>
-              <a:t>时，</a:t>
-            </a:r>
-            <a:r>
-              <a:rPr lang="zh-CN" altLang="en-US" sz="2400" dirty="0" smtClean="0"/>
-              <a:t>表示可以向串口写入</a:t>
-            </a:r>
-            <a:r>
-              <a:rPr lang="zh-CN" altLang="en-US" sz="2400" dirty="0" smtClean="0"/>
-              <a:t>。</a:t>
-            </a:r>
-            <a:endParaRPr lang="zh-CN" altLang="en-US" sz="2400" dirty="0" smtClean="0"/>
+              <a:t>时，表示可以向串口写入。</a:t>
+            </a:r>
           </a:p>
           <a:p>
             <a:r>
@@ -13080,13 +12786,8 @@
             </a:r>
             <a:r>
               <a:rPr lang="zh-CN" altLang="en-US" sz="2400" dirty="0" smtClean="0"/>
-              <a:t>且数据线写高阻，可以从数据线得出串口数据</a:t>
-            </a:r>
-            <a:r>
-              <a:rPr lang="zh-CN" altLang="en-US" sz="2400" dirty="0" smtClean="0"/>
-              <a:t>。</a:t>
-            </a:r>
-            <a:endParaRPr lang="zh-CN" altLang="en-US" sz="2400" dirty="0" smtClean="0"/>
+              <a:t>且数据线写高阻，可以从数据线得出串口数据。</a:t>
+            </a:r>
           </a:p>
           <a:p>
             <a:r>
@@ -13107,13 +12808,8 @@
             </a:r>
             <a:r>
               <a:rPr lang="zh-CN" altLang="en-US" sz="2400" dirty="0" smtClean="0"/>
-              <a:t>，可以向串口发出数据</a:t>
-            </a:r>
-            <a:r>
-              <a:rPr lang="zh-CN" altLang="en-US" sz="2400" dirty="0" smtClean="0"/>
-              <a:t>。</a:t>
-            </a:r>
-            <a:endParaRPr lang="zh-CN" altLang="en-US" sz="2400" dirty="0" smtClean="0"/>
+              <a:t>，可以向串口发出数据。</a:t>
+            </a:r>
           </a:p>
           <a:p>
             <a:r>
@@ -13142,13 +12838,8 @@
             </a:r>
             <a:r>
               <a:rPr lang="zh-CN" altLang="en-US" sz="2400" dirty="0" smtClean="0"/>
-              <a:t>指令写入</a:t>
-            </a:r>
-            <a:r>
-              <a:rPr lang="zh-CN" altLang="en-US" sz="2400" dirty="0" smtClean="0"/>
-              <a:t>。</a:t>
-            </a:r>
-            <a:endParaRPr lang="zh-CN" altLang="en-US" sz="2400" dirty="0" smtClean="0"/>
+              <a:t>指令写入。</a:t>
+            </a:r>
           </a:p>
           <a:p>
             <a:r>
@@ -13347,6 +13038,13 @@
   <p:clrMapOvr>
     <a:masterClrMapping/>
   </p:clrMapOvr>
+  <p:timing>
+    <p:tnLst>
+      <p:par>
+        <p:cTn id="1" dur="indefinite" restart="never" nodeType="tmRoot"/>
+      </p:par>
+    </p:tnLst>
+  </p:timing>
 </p:sld>
 </file>
 
@@ -13483,6 +13181,13 @@
   <p:clrMapOvr>
     <a:masterClrMapping/>
   </p:clrMapOvr>
+  <p:timing>
+    <p:tnLst>
+      <p:par>
+        <p:cTn id="1" dur="indefinite" restart="never" nodeType="tmRoot"/>
+      </p:par>
+    </p:tnLst>
+  </p:timing>
 </p:sld>
 </file>
 
@@ -13645,6 +13350,13 @@
   <p:clrMapOvr>
     <a:masterClrMapping/>
   </p:clrMapOvr>
+  <p:timing>
+    <p:tnLst>
+      <p:par>
+        <p:cTn id="1" dur="indefinite" restart="never" nodeType="tmRoot"/>
+      </p:par>
+    </p:tnLst>
+  </p:timing>
 </p:sld>
 </file>
 
@@ -13715,11 +13427,7 @@
           <a:p>
             <a:r>
               <a:rPr lang="zh-CN" altLang="en-US" dirty="0" smtClean="0"/>
-              <a:t>汇编指令的</a:t>
-            </a:r>
-            <a:r>
-              <a:rPr lang="zh-CN" altLang="en-US" dirty="0" smtClean="0"/>
-              <a:t>生成</a:t>
+              <a:t>汇编指令的生成</a:t>
             </a:r>
             <a:endParaRPr lang="en-US" altLang="zh-CN" dirty="0" smtClean="0"/>
           </a:p>
@@ -13730,11 +13438,7 @@
             </a:r>
             <a:r>
               <a:rPr lang="en-US" altLang="zh-CN" dirty="0" smtClean="0"/>
-              <a:t>calling </a:t>
-            </a:r>
-            <a:r>
-              <a:rPr lang="en-US" altLang="zh-CN" dirty="0" smtClean="0"/>
-              <a:t>convention</a:t>
+              <a:t>calling convention</a:t>
             </a:r>
           </a:p>
           <a:p>
@@ -13751,6 +13455,13 @@
   <p:clrMapOvr>
     <a:masterClrMapping/>
   </p:clrMapOvr>
+  <p:timing>
+    <p:tnLst>
+      <p:par>
+        <p:cTn id="1" dur="indefinite" restart="never" nodeType="tmRoot"/>
+      </p:par>
+    </p:tnLst>
+  </p:timing>
 </p:sld>
 </file>
 
@@ -13825,30 +13536,14 @@
           <a:p>
             <a:r>
               <a:rPr lang="zh-CN" altLang="en-US" dirty="0" smtClean="0"/>
-              <a:t>基本功</a:t>
-            </a:r>
-            <a:r>
-              <a:rPr lang="zh-CN" altLang="en-US" dirty="0" smtClean="0"/>
-              <a:t>能：从</a:t>
-            </a:r>
-            <a:r>
-              <a:rPr lang="zh-CN" altLang="en-US" dirty="0" smtClean="0"/>
-              <a:t>内存中提取指令并</a:t>
-            </a:r>
-            <a:r>
-              <a:rPr lang="zh-CN" altLang="en-US" dirty="0" smtClean="0"/>
-              <a:t>执行</a:t>
+              <a:t>基本功能：从内存中提取指令并执行</a:t>
             </a:r>
             <a:endParaRPr lang="en-US" altLang="zh-CN" dirty="0" smtClean="0"/>
           </a:p>
           <a:p>
             <a:r>
               <a:rPr lang="zh-CN" altLang="en-US" dirty="0" smtClean="0"/>
-              <a:t>硬件</a:t>
-            </a:r>
-            <a:r>
-              <a:rPr lang="zh-CN" altLang="en-US" dirty="0" smtClean="0"/>
-              <a:t>运行的权限管理：用户态、内核态</a:t>
+              <a:t>硬件运行的权限管理：用户态、内核态</a:t>
             </a:r>
             <a:endParaRPr lang="en-US" altLang="zh-CN" dirty="0" smtClean="0"/>
           </a:p>
@@ -13856,27 +13551,7 @@
             <a:pPr lvl="1"/>
             <a:r>
               <a:rPr lang="zh-CN" altLang="en-US" dirty="0" smtClean="0"/>
-              <a:t>内核</a:t>
-            </a:r>
-            <a:r>
-              <a:rPr lang="zh-CN" altLang="en-US" dirty="0" smtClean="0"/>
-              <a:t>态可</a:t>
-            </a:r>
-            <a:r>
-              <a:rPr lang="zh-CN" altLang="en-US" dirty="0" smtClean="0"/>
-              <a:t>使用的内存</a:t>
-            </a:r>
-            <a:r>
-              <a:rPr lang="zh-CN" altLang="en-US" dirty="0" smtClean="0"/>
-              <a:t>空间更大，指令</a:t>
-            </a:r>
-            <a:r>
-              <a:rPr lang="zh-CN" altLang="en-US" dirty="0" smtClean="0"/>
-              <a:t>条数和硬件</a:t>
-            </a:r>
-            <a:r>
-              <a:rPr lang="zh-CN" altLang="en-US" dirty="0" smtClean="0"/>
-              <a:t>模块更多</a:t>
+              <a:t>内核态可使用的内存空间更大，指令条数和硬件模块更多</a:t>
             </a:r>
             <a:endParaRPr lang="en-US" altLang="zh-CN" dirty="0" smtClean="0"/>
           </a:p>
@@ -13891,11 +13566,7 @@
           <a:p>
             <a:r>
               <a:rPr lang="zh-CN" altLang="en-US" dirty="0" smtClean="0"/>
-              <a:t>内存</a:t>
-            </a:r>
-            <a:r>
-              <a:rPr lang="zh-CN" altLang="en-US" dirty="0" smtClean="0"/>
-              <a:t>管理：虚拟地址机制</a:t>
+              <a:t>内存管理：虚拟地址机制</a:t>
             </a:r>
             <a:endParaRPr lang="en-US" altLang="zh-CN" dirty="0" smtClean="0"/>
           </a:p>
@@ -13903,15 +13574,7 @@
             <a:pPr lvl="1"/>
             <a:r>
               <a:rPr lang="zh-CN" altLang="en-US" dirty="0" smtClean="0"/>
-              <a:t>设置</a:t>
-            </a:r>
-            <a:r>
-              <a:rPr lang="zh-CN" altLang="en-US" dirty="0" smtClean="0"/>
-              <a:t>权限，防止访问未经授权的资源而造成</a:t>
-            </a:r>
-            <a:r>
-              <a:rPr lang="zh-CN" altLang="en-US" dirty="0" smtClean="0"/>
-              <a:t>危险</a:t>
+              <a:t>设置权限，防止访问未经授权的资源而造成危险</a:t>
             </a:r>
             <a:endParaRPr lang="en-US" altLang="zh-CN" dirty="0" smtClean="0"/>
           </a:p>
@@ -13919,15 +13582,7 @@
             <a:pPr lvl="1"/>
             <a:r>
               <a:rPr lang="zh-CN" altLang="en-US" dirty="0" smtClean="0"/>
-              <a:t>使各个</a:t>
-            </a:r>
-            <a:r>
-              <a:rPr lang="zh-CN" altLang="en-US" dirty="0" smtClean="0"/>
-              <a:t>进程之间互不干扰，虚拟地址可以复用，大大简化了程序的</a:t>
-            </a:r>
-            <a:r>
-              <a:rPr lang="zh-CN" altLang="en-US" dirty="0" smtClean="0"/>
-              <a:t>设计</a:t>
+              <a:t>使各个进程之间互不干扰，虚拟地址可以复用，大大简化了程序的设计</a:t>
             </a:r>
             <a:endParaRPr lang="en-US" altLang="zh-CN" dirty="0" smtClean="0"/>
           </a:p>
@@ -13946,11 +13601,7 @@
             </a:r>
             <a:r>
               <a:rPr lang="zh-CN" altLang="en-US" dirty="0" smtClean="0"/>
-              <a:t>做成</a:t>
-            </a:r>
-            <a:r>
-              <a:rPr lang="zh-CN" altLang="en-US" dirty="0" smtClean="0"/>
-              <a:t>高速缓存</a:t>
+              <a:t>做成高速缓存</a:t>
             </a:r>
             <a:endParaRPr lang="en-US" altLang="zh-CN" dirty="0" smtClean="0"/>
           </a:p>
@@ -13965,11 +13616,7 @@
           <a:p>
             <a:r>
               <a:rPr lang="zh-CN" altLang="en-US" dirty="0" smtClean="0"/>
-              <a:t>访</a:t>
-            </a:r>
-            <a:r>
-              <a:rPr lang="zh-CN" altLang="en-US" dirty="0" smtClean="0"/>
-              <a:t>存：</a:t>
+              <a:t>访存：</a:t>
             </a:r>
             <a:r>
               <a:rPr lang="en-US" altLang="zh-CN" dirty="0" smtClean="0"/>
@@ -13977,23 +13624,7 @@
             </a:r>
             <a:r>
               <a:rPr lang="zh-CN" altLang="en-US" dirty="0" smtClean="0"/>
-              <a:t>和</a:t>
-            </a:r>
-            <a:r>
-              <a:rPr lang="zh-CN" altLang="en-US" dirty="0" smtClean="0"/>
-              <a:t>外界互动</a:t>
-            </a:r>
-            <a:r>
-              <a:rPr lang="zh-CN" altLang="en-US" dirty="0" smtClean="0"/>
-              <a:t>的</a:t>
-            </a:r>
-            <a:r>
-              <a:rPr lang="zh-CN" altLang="en-US" dirty="0" smtClean="0"/>
-              <a:t>统一</a:t>
-            </a:r>
-            <a:r>
-              <a:rPr lang="zh-CN" altLang="en-US" dirty="0" smtClean="0"/>
-              <a:t>接口</a:t>
+              <a:t>和外界互动的统一接口</a:t>
             </a:r>
             <a:endParaRPr lang="en-US" altLang="zh-CN" dirty="0" smtClean="0"/>
           </a:p>
@@ -14084,11 +13715,7 @@
           <a:p>
             <a:r>
               <a:rPr lang="zh-CN" altLang="en-US" dirty="0" smtClean="0"/>
-              <a:t>汇编指令的</a:t>
-            </a:r>
-            <a:r>
-              <a:rPr lang="zh-CN" altLang="en-US" dirty="0" smtClean="0"/>
-              <a:t>生成</a:t>
+              <a:t>汇编指令的生成</a:t>
             </a:r>
             <a:endParaRPr lang="en-US" altLang="zh-CN" dirty="0" smtClean="0"/>
           </a:p>
@@ -14194,11 +13821,7 @@
             </a:r>
             <a:r>
               <a:rPr lang="en-US" altLang="zh-CN" dirty="0" smtClean="0"/>
-              <a:t>calling </a:t>
-            </a:r>
-            <a:r>
-              <a:rPr lang="en-US" altLang="zh-CN" dirty="0" smtClean="0"/>
-              <a:t>convention</a:t>
+              <a:t>calling convention</a:t>
             </a:r>
           </a:p>
           <a:p>
@@ -14215,6 +13838,13 @@
   <p:clrMapOvr>
     <a:masterClrMapping/>
   </p:clrMapOvr>
+  <p:timing>
+    <p:tnLst>
+      <p:par>
+        <p:cTn id="1" dur="indefinite" restart="never" nodeType="tmRoot"/>
+      </p:par>
+    </p:tnLst>
+  </p:timing>
 </p:sld>
 </file>
 
@@ -14285,11 +13915,7 @@
           <a:p>
             <a:r>
               <a:rPr lang="zh-CN" altLang="en-US" dirty="0" smtClean="0"/>
-              <a:t>汇编指令的</a:t>
-            </a:r>
-            <a:r>
-              <a:rPr lang="zh-CN" altLang="en-US" dirty="0" smtClean="0"/>
-              <a:t>生成</a:t>
+              <a:t>汇编指令的生成</a:t>
             </a:r>
             <a:endParaRPr lang="en-US" altLang="zh-CN" dirty="0" smtClean="0"/>
           </a:p>
@@ -14300,11 +13926,7 @@
             </a:r>
             <a:r>
               <a:rPr lang="en-US" altLang="zh-CN" dirty="0" smtClean="0"/>
-              <a:t>calling </a:t>
-            </a:r>
-            <a:r>
-              <a:rPr lang="en-US" altLang="zh-CN" dirty="0" smtClean="0"/>
-              <a:t>convention</a:t>
+              <a:t>calling convention</a:t>
             </a:r>
           </a:p>
           <a:p>
@@ -14327,19 +13949,11 @@
             </a:r>
             <a:r>
               <a:rPr lang="zh-CN" altLang="en-US" dirty="0" smtClean="0"/>
-              <a:t>，函数调用的前四个参数</a:t>
-            </a:r>
-            <a:r>
-              <a:rPr lang="zh-CN" altLang="en-US" dirty="0" smtClean="0"/>
-              <a:t>通过</a:t>
-            </a:r>
-            <a:r>
-              <a:rPr lang="en-US" altLang="zh-CN" dirty="0" smtClean="0"/>
-              <a:t>$a0-$</a:t>
-            </a:r>
-            <a:r>
-              <a:rPr lang="en-US" altLang="zh-CN" dirty="0" smtClean="0"/>
-              <a:t>a3</a:t>
+              <a:t>，函数调用的前四个参数通过</a:t>
+            </a:r>
+            <a:r>
+              <a:rPr lang="en-US" altLang="zh-CN" dirty="0" smtClean="0"/>
+              <a:t>$a0-$a3</a:t>
             </a:r>
             <a:r>
               <a:rPr lang="zh-CN" altLang="en-US" dirty="0" smtClean="0"/>
@@ -14367,13 +13981,8 @@
             </a:r>
             <a:r>
               <a:rPr lang="zh-CN" altLang="en-US" dirty="0" smtClean="0"/>
-              <a:t>实现的库函数及操作系统交互的部分</a:t>
-            </a:r>
-            <a:r>
-              <a:rPr lang="zh-CN" altLang="en-US" dirty="0" smtClean="0"/>
-              <a:t>。</a:t>
-            </a:r>
-            <a:endParaRPr lang="zh-CN" altLang="en-US" dirty="0" smtClean="0"/>
+              <a:t>实现的库函数及操作系统交互的部分。</a:t>
+            </a:r>
           </a:p>
           <a:p>
             <a:pPr lvl="1"/>
@@ -14421,6 +14030,13 @@
   <p:clrMapOvr>
     <a:masterClrMapping/>
   </p:clrMapOvr>
+  <p:timing>
+    <p:tnLst>
+      <p:par>
+        <p:cTn id="1" dur="indefinite" restart="never" nodeType="tmRoot"/>
+      </p:par>
+    </p:tnLst>
+  </p:timing>
 </p:sld>
 </file>
 
@@ -14491,40 +14107,24 @@
           <a:p>
             <a:r>
               <a:rPr lang="zh-CN" altLang="en-US" dirty="0" smtClean="0"/>
-              <a:t>汇编指令的</a:t>
-            </a:r>
-            <a:r>
-              <a:rPr lang="zh-CN" altLang="en-US" dirty="0" smtClean="0"/>
-              <a:t>生成</a:t>
+              <a:t>汇编指令的生成</a:t>
             </a:r>
             <a:endParaRPr lang="en-US" altLang="zh-CN" dirty="0" smtClean="0"/>
           </a:p>
           <a:p>
             <a:r>
               <a:rPr lang="zh-CN" altLang="en-US" dirty="0" smtClean="0"/>
-              <a:t>库</a:t>
-            </a:r>
-            <a:r>
-              <a:rPr lang="zh-CN" altLang="en-US" dirty="0" smtClean="0"/>
-              <a:t>函数调用及</a:t>
-            </a:r>
-            <a:r>
-              <a:rPr lang="en-US" altLang="zh-CN" dirty="0" smtClean="0"/>
-              <a:t>calling </a:t>
-            </a:r>
-            <a:r>
-              <a:rPr lang="en-US" altLang="zh-CN" dirty="0" smtClean="0"/>
-              <a:t>convention</a:t>
-            </a:r>
-          </a:p>
-          <a:p>
-            <a:r>
-              <a:rPr lang="zh-CN" altLang="en-US" dirty="0" smtClean="0"/>
-              <a:t>程序入口及</a:t>
-            </a:r>
-            <a:r>
-              <a:rPr lang="zh-CN" altLang="en-US" dirty="0" smtClean="0"/>
-              <a:t>退出</a:t>
+              <a:t>库函数调用及</a:t>
+            </a:r>
+            <a:r>
+              <a:rPr lang="en-US" altLang="zh-CN" dirty="0" smtClean="0"/>
+              <a:t>calling convention</a:t>
+            </a:r>
+          </a:p>
+          <a:p>
+            <a:r>
+              <a:rPr lang="zh-CN" altLang="en-US" dirty="0" smtClean="0"/>
+              <a:t>程序入口及退出</a:t>
             </a:r>
             <a:endParaRPr lang="en-US" altLang="zh-CN" dirty="0" smtClean="0"/>
           </a:p>
@@ -14743,11 +14343,7 @@
             </a:r>
             <a:r>
               <a:rPr lang="zh-CN" altLang="en-US" dirty="0" smtClean="0"/>
-              <a:t>指令集与数据</a:t>
-            </a:r>
-            <a:r>
-              <a:rPr lang="zh-CN" altLang="en-US" dirty="0" smtClean="0"/>
-              <a:t>通路</a:t>
+              <a:t>指令集与数据通路</a:t>
             </a:r>
             <a:endParaRPr lang="zh-CN" altLang="en-US" dirty="0"/>
           </a:p>
@@ -14777,11 +14373,7 @@
           <a:p>
             <a:r>
               <a:rPr lang="zh-CN" altLang="en-US" sz="2000" dirty="0" smtClean="0"/>
-              <a:t>本实验</a:t>
-            </a:r>
-            <a:r>
-              <a:rPr lang="zh-CN" altLang="en-US" sz="2000" dirty="0" smtClean="0"/>
-              <a:t>需要实现的</a:t>
+              <a:t>本实验需要实现的</a:t>
             </a:r>
             <a:r>
               <a:rPr lang="en-US" altLang="zh-CN" sz="2000" dirty="0" smtClean="0"/>
@@ -14797,30 +14389,14 @@
             </a:r>
             <a:r>
               <a:rPr lang="zh-CN" altLang="en-US" sz="2000" dirty="0" smtClean="0"/>
-              <a:t>指令集详</a:t>
-            </a:r>
+              <a:t>指令集详见文档附录，在此不做列举。</a:t>
+            </a:r>
+            <a:endParaRPr lang="en-US" altLang="zh-CN" sz="2000" dirty="0" smtClean="0"/>
+          </a:p>
+          <a:p>
             <a:r>
               <a:rPr lang="zh-CN" altLang="en-US" sz="2000" dirty="0" smtClean="0"/>
-              <a:t>见文档附录，在此</a:t>
-            </a:r>
-            <a:r>
-              <a:rPr lang="zh-CN" altLang="en-US" sz="2000" dirty="0" smtClean="0"/>
-              <a:t>不做列举</a:t>
-            </a:r>
-            <a:r>
-              <a:rPr lang="zh-CN" altLang="en-US" sz="2000" dirty="0" smtClean="0"/>
-              <a:t>。</a:t>
-            </a:r>
-            <a:endParaRPr lang="en-US" altLang="zh-CN" sz="2000" dirty="0" smtClean="0"/>
-          </a:p>
-          <a:p>
-            <a:r>
-              <a:rPr lang="zh-CN" altLang="en-US" sz="2000" dirty="0" smtClean="0"/>
-              <a:t>基本</a:t>
-            </a:r>
-            <a:r>
-              <a:rPr lang="zh-CN" altLang="en-US" sz="2000" dirty="0" smtClean="0"/>
-              <a:t>数据通路图参照</a:t>
+              <a:t>基本数据通路图参照</a:t>
             </a:r>
             <a:r>
               <a:rPr lang="en-US" altLang="zh-CN" sz="2000" dirty="0" smtClean="0"/>
@@ -14922,22 +14498,14 @@
             </a:r>
             <a:r>
               <a:rPr lang="zh-CN" altLang="en-US" dirty="0" smtClean="0"/>
-              <a:t>，通过良好的内部设计使流水线各阶段的用时相当，以减少因某些指令带来整体延迟的情况</a:t>
-            </a:r>
-            <a:r>
-              <a:rPr lang="zh-CN" altLang="en-US" dirty="0" smtClean="0"/>
-              <a:t>。</a:t>
+              <a:t>，通过良好的内部设计使流水线各阶段的用时相当，以减少因某些指令带来整体延迟的情况。</a:t>
             </a:r>
             <a:endParaRPr lang="en-US" altLang="zh-CN" dirty="0" smtClean="0"/>
           </a:p>
           <a:p>
             <a:r>
               <a:rPr lang="zh-CN" altLang="en-US" dirty="0" smtClean="0"/>
-              <a:t>针对</a:t>
-            </a:r>
-            <a:r>
-              <a:rPr lang="zh-CN" altLang="en-US" dirty="0" smtClean="0"/>
-              <a:t>流水线</a:t>
+              <a:t>针对流水线</a:t>
             </a:r>
             <a:r>
               <a:rPr lang="en-US" altLang="zh-CN" dirty="0" smtClean="0"/>
@@ -15620,23 +15188,11 @@
             </a:pPr>
             <a:r>
               <a:rPr lang="en-US" altLang="zh-CN" dirty="0" smtClean="0"/>
-              <a:t>[1</a:t>
-            </a:r>
-            <a:r>
-              <a:rPr lang="en-US" altLang="zh-CN" dirty="0" smtClean="0"/>
-              <a:t>] </a:t>
-            </a:r>
-            <a:r>
-              <a:rPr lang="zh-CN" altLang="en-US" dirty="0" smtClean="0"/>
-              <a:t>实验</a:t>
-            </a:r>
-            <a:r>
-              <a:rPr lang="zh-CN" altLang="en-US" dirty="0" smtClean="0"/>
-              <a:t>指导</a:t>
-            </a:r>
-            <a:r>
-              <a:rPr lang="zh-CN" altLang="en-US" dirty="0" smtClean="0"/>
-              <a:t>文档</a:t>
+              <a:t>[1] </a:t>
+            </a:r>
+            <a:r>
+              <a:rPr lang="zh-CN" altLang="en-US" dirty="0" smtClean="0"/>
+              <a:t>实验指导文档</a:t>
             </a:r>
           </a:p>
           <a:p>
@@ -15655,13 +15211,8 @@
             </a:r>
             <a:r>
               <a:rPr lang="zh-CN" altLang="en-US" dirty="0" smtClean="0"/>
-              <a:t>实验参考</a:t>
-            </a:r>
-            <a:r>
-              <a:rPr lang="zh-CN" altLang="en-US" dirty="0" smtClean="0"/>
-              <a:t>文档</a:t>
-            </a:r>
-            <a:endParaRPr lang="zh-CN" altLang="en-US" dirty="0" smtClean="0"/>
+              <a:t>实验参考文档</a:t>
+            </a:r>
           </a:p>
           <a:p>
             <a:pPr>
@@ -15671,25 +15222,12 @@
             </a:pPr>
             <a:r>
               <a:rPr lang="en-US" altLang="zh-CN" dirty="0" smtClean="0"/>
-              <a:t>[3</a:t>
-            </a:r>
-            <a:r>
-              <a:rPr lang="en-US" altLang="zh-CN" dirty="0" smtClean="0"/>
-              <a:t>] </a:t>
-            </a:r>
-            <a:r>
-              <a:rPr lang="zh-CN" altLang="en-US" dirty="0" smtClean="0"/>
-              <a:t>计算</a:t>
-            </a:r>
-            <a:r>
-              <a:rPr lang="zh-CN" altLang="en-US" dirty="0" smtClean="0"/>
-              <a:t>机组成原理综合实验报告 贾</a:t>
-            </a:r>
-            <a:r>
-              <a:rPr lang="zh-CN" altLang="en-US" dirty="0" smtClean="0"/>
-              <a:t>开</a:t>
-            </a:r>
-            <a:endParaRPr lang="zh-CN" altLang="en-US" dirty="0" smtClean="0"/>
+              <a:t>[3] </a:t>
+            </a:r>
+            <a:r>
+              <a:rPr lang="zh-CN" altLang="en-US" dirty="0" smtClean="0"/>
+              <a:t>计算机组成原理综合实验报告 贾开</a:t>
+            </a:r>
           </a:p>
           <a:p>
             <a:pPr>
@@ -15699,19 +15237,11 @@
             </a:pPr>
             <a:r>
               <a:rPr lang="en-US" altLang="zh-CN" dirty="0" smtClean="0"/>
-              <a:t>[4</a:t>
-            </a:r>
-            <a:r>
-              <a:rPr lang="en-US" altLang="zh-CN" dirty="0" smtClean="0"/>
-              <a:t>] </a:t>
-            </a:r>
-            <a:r>
-              <a:rPr lang="zh-CN" altLang="en-US" dirty="0" smtClean="0"/>
-              <a:t>刘</a:t>
-            </a:r>
-            <a:r>
-              <a:rPr lang="zh-CN" altLang="en-US" dirty="0" smtClean="0"/>
-              <a:t>卫东</a:t>
+              <a:t>[4] </a:t>
+            </a:r>
+            <a:r>
+              <a:rPr lang="zh-CN" altLang="en-US" dirty="0" smtClean="0"/>
+              <a:t>刘卫东</a:t>
             </a:r>
             <a:r>
               <a:rPr lang="en-US" altLang="zh-CN" dirty="0" smtClean="0"/>
@@ -15755,13 +15285,8 @@
             </a:r>
             <a:r>
               <a:rPr lang="en-US" altLang="zh-CN" dirty="0" smtClean="0"/>
-              <a:t>, 2013</a:t>
-            </a:r>
-            <a:r>
-              <a:rPr lang="en-US" altLang="zh-CN" dirty="0" smtClean="0"/>
-              <a:t>.</a:t>
-            </a:r>
-            <a:endParaRPr lang="en-US" altLang="zh-CN" dirty="0" smtClean="0"/>
+              <a:t>, 2013.</a:t>
+            </a:r>
           </a:p>
           <a:p>
             <a:pPr>
@@ -15771,11 +15296,7 @@
             </a:pPr>
             <a:r>
               <a:rPr lang="en-US" altLang="zh-CN" dirty="0" smtClean="0"/>
-              <a:t>[5</a:t>
-            </a:r>
-            <a:r>
-              <a:rPr lang="en-US" altLang="zh-CN" dirty="0" smtClean="0"/>
-              <a:t>] </a:t>
+              <a:t>[5] </a:t>
             </a:r>
             <a:r>
               <a:rPr lang="zh-CN" altLang="en-US" dirty="0" smtClean="0"/>
@@ -15839,13 +15360,8 @@
             </a:r>
             <a:r>
               <a:rPr lang="en-US" altLang="zh-CN" dirty="0" smtClean="0"/>
-              <a:t>, 2012</a:t>
-            </a:r>
-            <a:r>
-              <a:rPr lang="en-US" altLang="zh-CN" dirty="0" smtClean="0"/>
-              <a:t>.</a:t>
-            </a:r>
-            <a:endParaRPr lang="en-US" altLang="zh-CN" dirty="0" smtClean="0"/>
+              <a:t>, 2012.</a:t>
+            </a:r>
           </a:p>
           <a:p>
             <a:pPr>
@@ -15855,11 +15371,7 @@
             </a:pPr>
             <a:r>
               <a:rPr lang="en-US" altLang="zh-CN" dirty="0" smtClean="0"/>
-              <a:t>[6</a:t>
-            </a:r>
-            <a:r>
-              <a:rPr lang="en-US" altLang="zh-CN" dirty="0" smtClean="0"/>
-              <a:t>] </a:t>
+              <a:t>[6] </a:t>
             </a:r>
             <a:r>
               <a:rPr lang="en-US" altLang="zh-CN" dirty="0" err="1" smtClean="0"/>
@@ -15867,15 +15379,7 @@
             </a:r>
             <a:r>
               <a:rPr lang="en-US" altLang="zh-CN" dirty="0" smtClean="0"/>
-              <a:t> </a:t>
-            </a:r>
-            <a:r>
-              <a:rPr lang="en-US" altLang="zh-CN" dirty="0" smtClean="0"/>
-              <a:t>D. See MIPS run[M]. Morgan Kaufmann, 2010</a:t>
-            </a:r>
-            <a:r>
-              <a:rPr lang="en-US" altLang="zh-CN" dirty="0" smtClean="0"/>
-              <a:t>.</a:t>
+              <a:t> D. See MIPS run[M]. Morgan Kaufmann, 2010.</a:t>
             </a:r>
           </a:p>
           <a:p>
@@ -16092,15 +15596,7 @@
             </a:r>
             <a:r>
               <a:rPr lang="zh-CN" altLang="en-US" dirty="0" smtClean="0"/>
-              <a:t>、</a:t>
-            </a:r>
-            <a:r>
-              <a:rPr lang="zh-CN" altLang="en-US" dirty="0" smtClean="0"/>
-              <a:t>外设</a:t>
-            </a:r>
-            <a:r>
-              <a:rPr lang="zh-CN" altLang="en-US" dirty="0" smtClean="0"/>
-              <a:t>、</a:t>
+              <a:t>、外设、</a:t>
             </a:r>
             <a:r>
               <a:rPr lang="en-US" altLang="zh-CN" dirty="0" smtClean="0"/>
@@ -16108,15 +15604,7 @@
             </a:r>
             <a:r>
               <a:rPr lang="zh-CN" altLang="en-US" dirty="0" smtClean="0"/>
-              <a:t>编译器</a:t>
-            </a:r>
-            <a:r>
-              <a:rPr lang="zh-CN" altLang="en-US" dirty="0" smtClean="0"/>
-              <a:t>、</a:t>
-            </a:r>
-            <a:r>
-              <a:rPr lang="zh-CN" altLang="en-US" dirty="0" smtClean="0"/>
-              <a:t>指令集与数据通路</a:t>
+              <a:t>编译器、指令集与数据通路</a:t>
             </a:r>
             <a:endParaRPr lang="en-US" altLang="zh-CN" dirty="0" smtClean="0"/>
           </a:p>
@@ -16212,11 +15700,7 @@
             </a:r>
             <a:r>
               <a:rPr lang="en-US" altLang="zh-CN" dirty="0" smtClean="0"/>
-              <a:t>——</a:t>
-            </a:r>
-            <a:r>
-              <a:rPr lang="en-US" altLang="zh-CN" dirty="0" smtClean="0"/>
-              <a:t>CPU</a:t>
+              <a:t>——CPU</a:t>
             </a:r>
             <a:r>
               <a:rPr lang="zh-CN" altLang="en-US" dirty="0" smtClean="0"/>
@@ -16256,11 +15740,7 @@
           <a:p>
             <a:r>
               <a:rPr lang="zh-CN" altLang="en-US" dirty="0" smtClean="0"/>
-              <a:t>寄存器</a:t>
-            </a:r>
-            <a:r>
-              <a:rPr lang="zh-CN" altLang="en-US" dirty="0" smtClean="0"/>
-              <a:t>堆</a:t>
+              <a:t>寄存器堆</a:t>
             </a:r>
             <a:endParaRPr lang="en-US" altLang="zh-CN" dirty="0" smtClean="0"/>
           </a:p>
@@ -16273,11 +15753,7 @@
           <a:p>
             <a:r>
               <a:rPr lang="zh-CN" altLang="en-US" dirty="0" smtClean="0"/>
-              <a:t>异常</a:t>
-            </a:r>
-            <a:r>
-              <a:rPr lang="zh-CN" altLang="en-US" dirty="0" smtClean="0"/>
-              <a:t>中断处理</a:t>
+              <a:t>异常中断处理</a:t>
             </a:r>
             <a:endParaRPr lang="en-US" altLang="zh-CN" dirty="0" smtClean="0"/>
           </a:p>
@@ -16415,11 +15891,7 @@
             </a:r>
             <a:r>
               <a:rPr lang="zh-CN" altLang="en-US" dirty="0" smtClean="0"/>
-              <a:t>等</a:t>
-            </a:r>
-            <a:r>
-              <a:rPr lang="zh-CN" altLang="en-US" dirty="0" smtClean="0"/>
-              <a:t>。</a:t>
+              <a:t>等。</a:t>
             </a:r>
             <a:endParaRPr lang="en-US" altLang="zh-CN" dirty="0" smtClean="0"/>
           </a:p>
@@ -17586,17 +17058,486 @@
 
 <file path=customXml/item1.xml><?xml version="1.0" encoding="utf-8"?>
 <Control xmlns="http://schemas.microsoft.com/VisualStudio/2011/storyboarding/control/v1.0">
+  <Id Name="System.Storyboard.Stencil.ColorPicker" RevisionId="00000000-0000-0000-0000-000000000000" Stencil="System.Media" StencilRevisionId="00000000-0000-0000-0000-000000000000" StencilVersion="1.0"/>
+</Control>
+</file>
+
+<file path=customXml/item10.xml><?xml version="1.0" encoding="utf-8"?>
+<Control xmlns="http://schemas.microsoft.com/VisualStudio/2011/storyboarding/control/v1.0">
+  <Id Name="System.Storyboarding.Common.Text" RevisionId="68ea164d-c1de-47a5-804f-d4d1290fa524" Stencil="System.Storyboarding.Common" StencilRevisionId="68ea164d-c1de-47a5-804f-d4d1290fa524" StencilVersion="0.1"/>
+</Control>
+</file>
+
+<file path=customXml/item11.xml><?xml version="1.0" encoding="utf-8"?>
+<Control xmlns="http://schemas.microsoft.com/VisualStudio/2011/storyboarding/control/v1.0">
+  <Id Name="System.Storyboard.Stencil.TabGroup" RevisionId="00000000-0000-0000-0000-000000000000" Stencil="System.Common" StencilRevisionId="00000000-0000-0000-0000-000000000000" StencilVersion="1.0"/>
+</Control>
+</file>
+
+<file path=customXml/item12.xml><?xml version="1.0" encoding="utf-8"?>
+<Control xmlns="http://schemas.microsoft.com/VisualStudio/2011/storyboarding/control/v1.0">
+  <Id Name="System.Storyboard.Stencil.Title" RevisionId="00000000-0000-0000-0000-000000000000" Stencil="System.Common" StencilRevisionId="00000000-0000-0000-0000-000000000000" StencilVersion="1.0"/>
+</Control>
+</file>
+
+<file path=customXml/item13.xml><?xml version="1.0" encoding="utf-8"?>
+<Control xmlns="http://schemas.microsoft.com/VisualStudio/2011/storyboarding/control/v1.0">
+  <Id Name="System.Storyboard.Stencil.PhoneNotification" RevisionId="00000000-0000-0000-0000-000000000000" Stencil="System.Windows_Phone_7" StencilRevisionId="00000000-0000-0000-0000-000000000000" StencilVersion="1.0"/>
+</Control>
+</file>
+
+<file path=customXml/item14.xml><?xml version="1.0" encoding="utf-8"?>
+<Control xmlns="http://schemas.microsoft.com/VisualStudio/2011/storyboarding/control/v1.0">
+  <Id Name="System.Storyboard.Stencil.PhoneTile" RevisionId="00000000-0000-0000-0000-000000000000" Stencil="System.Windows_Phone_7" StencilRevisionId="00000000-0000-0000-0000-000000000000" StencilVersion="1.0"/>
+</Control>
+</file>
+
+<file path=customXml/item15.xml><?xml version="1.0" encoding="utf-8"?>
+<Control xmlns="http://schemas.microsoft.com/VisualStudio/2011/storyboarding/control/v1.0">
+  <Id Name="System.Storyboarding.Icons.Help" RevisionId="05cd6d03-c0b2-488e-98a7-d68de69a2cfc" Stencil="System.Storyboarding.Icons" StencilRevisionId="05cd6d03-c0b2-488e-98a7-d68de69a2cfc" StencilVersion="0.1"/>
+</Control>
+</file>
+
+<file path=customXml/item16.xml><?xml version="1.0" encoding="utf-8"?>
+<Control xmlns="http://schemas.microsoft.com/VisualStudio/2011/storyboarding/control/v1.0">
+  <Id Name="System.Storyboard.Stencil.DropdownBox" RevisionId="00000000-0000-0000-0000-000000000000" Stencil="System.Common" StencilRevisionId="00000000-0000-0000-0000-000000000000" StencilVersion="1.0"/>
+</Control>
+</file>
+
+<file path=customXml/item17.xml><?xml version="1.0" encoding="utf-8"?>
+<Control xmlns="http://schemas.microsoft.com/VisualStudio/2011/storyboarding/control">
+  <Id Name="System.Storyboarding.Backgrounds.SharePoint" RevisionId="bdb52a43-f875-417f-a3f8-9b0259dd3051" Stencil="System.Storyboarding.Backgrounds" StencilRevisionId="bdb52a43-f875-417f-a3f8-9b0259dd3051" StencilVersion="0.1"/>
+</Control>
+</file>
+
+<file path=customXml/item18.xml><?xml version="1.0" encoding="utf-8"?>
+<Control xmlns="http://schemas.microsoft.com/VisualStudio/2011/storyboarding/control/v1.0">
+  <Id Name="System.Storyboarding.Common.Text" RevisionId="68ea164d-c1de-47a5-804f-d4d1290fa524" Stencil="System.Storyboarding.Common" StencilRevisionId="68ea164d-c1de-47a5-804f-d4d1290fa524" StencilVersion="0.1"/>
+</Control>
+</file>
+
+<file path=customXml/item19.xml><?xml version="1.0" encoding="utf-8"?>
+<Control xmlns="http://schemas.microsoft.com/VisualStudio/2011/storyboarding/control/v1.0">
+  <Id Name="System.Storyboard.Stencil.Title" RevisionId="00000000-0000-0000-0000-000000000000" Stencil="System.Common" StencilRevisionId="00000000-0000-0000-0000-000000000000" StencilVersion="1.0"/>
+</Control>
+</file>
+
+<file path=customXml/item2.xml><?xml version="1.0" encoding="utf-8"?>
+<Control xmlns="http://schemas.microsoft.com/VisualStudio/2011/storyboarding/control/v1.0">
+  <Id Name="System.Storyboard.Stencil.PieChart" RevisionId="00000000-0000-0000-0000-000000000000" Stencil="System.Media" StencilRevisionId="00000000-0000-0000-0000-000000000000" StencilVersion="1.0"/>
+</Control>
+</file>
+
+<file path=customXml/item20.xml><?xml version="1.0" encoding="utf-8"?>
+<Control xmlns="http://schemas.microsoft.com/VisualStudio/2011/storyboarding/control">
+  <Id Name="System.Storyboarding.Backgrounds.RibbonApplication" RevisionId="bdb52a43-f875-417f-a3f8-9b0259dd3051" Stencil="System.Storyboarding.Backgrounds" StencilRevisionId="bdb52a43-f875-417f-a3f8-9b0259dd3051" StencilVersion="0.1"/>
+</Control>
+</file>
+
+<file path=customXml/item21.xml><?xml version="1.0" encoding="utf-8"?>
+<Control xmlns="http://schemas.microsoft.com/VisualStudio/2011/storyboarding/control/v1.0">
+  <Id Name="System.Storyboarding.Common.SearchBox" RevisionId="68ea164d-c1de-47a5-804f-d4d1290fa524" Stencil="System.Storyboarding.Common" StencilRevisionId="68ea164d-c1de-47a5-804f-d4d1290fa524" StencilVersion="0.1"/>
+</Control>
+</file>
+
+<file path=customXml/item22.xml><?xml version="1.0" encoding="utf-8"?>
+<Control xmlns="http://schemas.microsoft.com/VisualStudio/2011/storyboarding/control/v1.0">
+  <Id Name="System.Storyboard.Stencil.HorizontalScrollbar" RevisionId="00000000-0000-0000-0000-000000000000" Stencil="System.Common" StencilRevisionId="00000000-0000-0000-0000-000000000000" StencilVersion="1.0"/>
+</Control>
+</file>
+
+<file path=customXml/item23.xml><?xml version="1.0" encoding="utf-8"?>
+<Control xmlns="http://schemas.microsoft.com/VisualStudio/2011/storyboarding/control/v1.0">
+  <Id Name="System.Storyboard.Stencil.Label" RevisionId="00000000-0000-0000-0000-000000000000" Stencil="System.Common" StencilRevisionId="00000000-0000-0000-0000-000000000000" StencilVersion="1.0"/>
+</Control>
+</file>
+
+<file path=customXml/item24.xml><?xml version="1.0" encoding="utf-8"?>
+<Control xmlns="http://schemas.microsoft.com/VisualStudio/2011/storyboarding/control/v1.0">
+  <Id Name="System.Storyboard.Stencil.PhoneTile" RevisionId="00000000-0000-0000-0000-000000000000" Stencil="System.Windows_Phone_7" StencilRevisionId="00000000-0000-0000-0000-000000000000" StencilVersion="1.0"/>
+</Control>
+</file>
+
+<file path=customXml/item25.xml><?xml version="1.0" encoding="utf-8"?>
+<Control xmlns="http://schemas.microsoft.com/VisualStudio/2011/storyboarding/control/v1.0">
+  <Id Name="System.Storyboarding.Media.Image" RevisionId="658c0869-8ded-44f2-a68a-f8e8fcb7d3bd" Stencil="System.Storyboarding.Media" StencilRevisionId="658c0869-8ded-44f2-a68a-f8e8fcb7d3bd" StencilVersion="0.1"/>
+</Control>
+</file>
+
+<file path=customXml/item26.xml><?xml version="1.0" encoding="utf-8"?>
+<Control xmlns="http://schemas.microsoft.com/VisualStudio/2011/storyboarding/control">
+  <Id Name="System.Storyboarding.Backgrounds.WebBrowser" RevisionId="bdb52a43-f875-417f-a3f8-9b0259dd3051" Stencil="System.Storyboarding.Backgrounds" StencilRevisionId="bdb52a43-f875-417f-a3f8-9b0259dd3051" StencilVersion="0.1"/>
+</Control>
+</file>
+
+<file path=customXml/item27.xml><?xml version="1.0" encoding="utf-8"?>
+<Control xmlns="http://schemas.microsoft.com/VisualStudio/2011/storyboarding/control/v1.0">
+  <Id Name="System.Storyboard.Stencil.PhoneTile" RevisionId="00000000-0000-0000-0000-000000000000" Stencil="System.Windows_Phone_7" StencilRevisionId="00000000-0000-0000-0000-000000000000" StencilVersion="1.0"/>
+</Control>
+</file>
+
+<file path=customXml/item28.xml><?xml version="1.0" encoding="utf-8"?>
+<Control xmlns="http://schemas.microsoft.com/VisualStudio/2011/storyboarding/control/v1.0">
+  <Id Name="System.Storyboard.Stencil.VideoPlayer" RevisionId="00000000-0000-0000-0000-000000000000" Stencil="System.Media" StencilRevisionId="00000000-0000-0000-0000-000000000000" StencilVersion="1.0"/>
+</Control>
+</file>
+
+<file path=customXml/item29.xml><?xml version="1.0" encoding="utf-8"?>
+<Control xmlns="http://schemas.microsoft.com/VisualStudio/2011/storyboarding/control/v1.0">
+  <Id Name="System.Storyboard.Stencil.LineChart" RevisionId="00000000-0000-0000-0000-000000000000" Stencil="System.Media" StencilRevisionId="00000000-0000-0000-0000-000000000000" StencilVersion="1.0"/>
+</Control>
+</file>
+
+<file path=customXml/item3.xml><?xml version="1.0" encoding="utf-8"?>
+<Control xmlns="http://schemas.microsoft.com/VisualStudio/2011/storyboarding/control/v1.0">
+  <Id Name="System.Storyboard.Stencil.TreeList" RevisionId="00000000-0000-0000-0000-000000000000" Stencil="System.Common" StencilRevisionId="00000000-0000-0000-0000-000000000000" StencilVersion="1.0"/>
+</Control>
+</file>
+
+<file path=customXml/item30.xml><?xml version="1.0" encoding="utf-8"?>
+<?mso-contentType ?>
+<FormTemplates xmlns="http://schemas.microsoft.com/sharepoint/v3/contenttype/forms">
+  <Display>DocumentLibraryForm</Display>
+  <Edit>DocumentLibraryForm</Edit>
+  <New>DocumentLibraryForm</New>
+</FormTemplates>
+</file>
+
+<file path=customXml/item31.xml><?xml version="1.0" encoding="utf-8"?>
+<Control xmlns="http://schemas.microsoft.com/VisualStudio/2011/storyboarding/control/v1.0">
+  <Id Name="System.Storyboard.Stencil.TreeList" RevisionId="00000000-0000-0000-0000-000000000000" Stencil="System.Common" StencilRevisionId="00000000-0000-0000-0000-000000000000" StencilVersion="1.0"/>
+</Control>
+</file>
+
+<file path=customXml/item32.xml><?xml version="1.0" encoding="utf-8"?>
+<Control xmlns="http://schemas.microsoft.com/VisualStudio/2011/storyboarding/control">
+  <Id Name="System.Storyboarding.WindowsPhoneIcons.Video" RevisionId="5814b1e0-0169-11e0-a976-0800200c9a66" Stencil="System.Storyboarding.WindowsPhoneIcons" StencilRevisionId="5814b1e0-0169-11e0-a976-0800200c9a66" StencilVersion="0.1"/>
+</Control>
+</file>
+
+<file path=customXml/item33.xml><?xml version="1.0" encoding="utf-8"?>
+<Control xmlns="http://schemas.microsoft.com/VisualStudio/2011/storyboarding/control/v1.0">
+  <Id Name="System.Storyboard.Stencil.PositionControl" RevisionId="00000000-0000-0000-0000-000000000000" Stencil="System.Media" StencilRevisionId="00000000-0000-0000-0000-000000000000" StencilVersion="1.0"/>
+</Control>
+</file>
+
+<file path=customXml/item34.xml><?xml version="1.0" encoding="utf-8"?>
+<Control xmlns="http://schemas.microsoft.com/VisualStudio/2011/storyboarding/control/v1.0">
+  <Id Name="System.Storyboard.Stencil.VerticalScrollbar" RevisionId="00000000-0000-0000-0000-000000000000" Stencil="System.Common" StencilRevisionId="00000000-0000-0000-0000-000000000000" StencilVersion="1.0"/>
+</Control>
+</file>
+
+<file path=customXml/item35.xml><?xml version="1.0" encoding="utf-8"?>
+<Control xmlns="http://schemas.microsoft.com/VisualStudio/2011/storyboarding/control/v1.0">
+  <Id Name="System.Storyboard.Stencil.PhoneTile" RevisionId="00000000-0000-0000-0000-000000000000" Stencil="System.Windows_Phone_7" StencilRevisionId="00000000-0000-0000-0000-000000000000" StencilVersion="1.0"/>
+</Control>
+</file>
+
+<file path=customXml/item36.xml><?xml version="1.0" encoding="utf-8"?>
+<Control xmlns="http://schemas.microsoft.com/VisualStudio/2011/storyboarding/control">
+  <Id Name="System.Storyboarding.Backgrounds.WindowsPhone" RevisionId="bdb52a43-f875-417f-a3f8-9b0259dd3051" Stencil="System.Storyboarding.Backgrounds" StencilRevisionId="bdb52a43-f875-417f-a3f8-9b0259dd3051" StencilVersion="0.1"/>
+</Control>
+</file>
+
+<file path=customXml/item37.xml><?xml version="1.0" encoding="utf-8"?>
+<Control xmlns="http://schemas.microsoft.com/VisualStudio/2011/storyboarding/control">
+  <Id Name="System.Storyboarding.Backgrounds.WindowsPhoneLandscape" RevisionId="bdb52a43-f875-417f-a3f8-9b0259dd3051" Stencil="System.Storyboarding.Backgrounds" StencilRevisionId="bdb52a43-f875-417f-a3f8-9b0259dd3051" StencilVersion="0.1"/>
+</Control>
+</file>
+
+<file path=customXml/item38.xml><?xml version="1.0" encoding="utf-8"?>
+<Control xmlns="http://schemas.microsoft.com/VisualStudio/2011/storyboarding/control/v1.0">
+  <Id Name="System.Storyboarding.Common.Text" RevisionId="68ea164d-c1de-47a5-804f-d4d1290fa524" Stencil="System.Storyboarding.Common" StencilRevisionId="68ea164d-c1de-47a5-804f-d4d1290fa524" StencilVersion="0.1"/>
+</Control>
+</file>
+
+<file path=customXml/item39.xml><?xml version="1.0" encoding="utf-8"?>
+<?mso-contentType ?>
+<spe:Receivers xmlns:spe="http://schemas.microsoft.com/sharepoint/events">
+  <Receiver>
+    <Name>Document ID Generator</Name>
+    <Synchronization>Synchronous</Synchronization>
+    <Type>10001</Type>
+    <SequenceNumber>1000</SequenceNumber>
+    <Assembly>Microsoft.Office.DocumentManagement, Version=14.0.0.0, Culture=neutral, PublicKeyToken=71e9bce111e9429c</Assembly>
+    <Class>Microsoft.Office.DocumentManagement.Internal.DocIdHandler</Class>
+    <Data/>
+    <Filter/>
+  </Receiver>
+  <Receiver>
+    <Name>Document ID Generator</Name>
+    <Synchronization>Synchronous</Synchronization>
+    <Type>10002</Type>
+    <SequenceNumber>1001</SequenceNumber>
+    <Assembly>Microsoft.Office.DocumentManagement, Version=14.0.0.0, Culture=neutral, PublicKeyToken=71e9bce111e9429c</Assembly>
+    <Class>Microsoft.Office.DocumentManagement.Internal.DocIdHandler</Class>
+    <Data/>
+    <Filter/>
+  </Receiver>
+  <Receiver>
+    <Name>Document ID Generator</Name>
+    <Synchronization>Synchronous</Synchronization>
+    <Type>10004</Type>
+    <SequenceNumber>1002</SequenceNumber>
+    <Assembly>Microsoft.Office.DocumentManagement, Version=14.0.0.0, Culture=neutral, PublicKeyToken=71e9bce111e9429c</Assembly>
+    <Class>Microsoft.Office.DocumentManagement.Internal.DocIdHandler</Class>
+    <Data/>
+    <Filter/>
+  </Receiver>
+  <Receiver>
+    <Name>Document ID Generator</Name>
+    <Synchronization>Synchronous</Synchronization>
+    <Type>10006</Type>
+    <SequenceNumber>1003</SequenceNumber>
+    <Assembly>Microsoft.Office.DocumentManagement, Version=14.0.0.0, Culture=neutral, PublicKeyToken=71e9bce111e9429c</Assembly>
+    <Class>Microsoft.Office.DocumentManagement.Internal.DocIdHandler</Class>
+    <Data/>
+    <Filter/>
+  </Receiver>
+</spe:Receivers>
+</file>
+
+<file path=customXml/item4.xml><?xml version="1.0" encoding="utf-8"?>
+<Control xmlns="http://schemas.microsoft.com/VisualStudio/2011/storyboarding/control">
+  <Id Name="System.Storyboarding.Backgrounds.Window" RevisionId="bdb52a43-f875-417f-a3f8-9b0259dd3051" Stencil="System.Storyboarding.Backgrounds" StencilRevisionId="bdb52a43-f875-417f-a3f8-9b0259dd3051" StencilVersion="0.1"/>
+</Control>
+</file>
+
+<file path=customXml/item40.xml><?xml version="1.0" encoding="utf-8"?>
+<Control xmlns="http://schemas.microsoft.com/VisualStudio/2011/storyboarding/control/v1.0">
+  <Id Name="System.Storyboard.Stencil.WidePhoneTile" RevisionId="00000000-0000-0000-0000-000000000000" Stencil="System.Windows_Phone_7" StencilRevisionId="00000000-0000-0000-0000-000000000000" StencilVersion="1.0"/>
+</Control>
+</file>
+
+<file path=customXml/item41.xml><?xml version="1.0" encoding="utf-8"?>
+<Control xmlns="http://schemas.microsoft.com/VisualStudio/2011/storyboarding/control/v1.0">
+  <Id Name="System.Storyboarding.Icons.FolderOpen" RevisionId="05cd6d03-c0b2-488e-98a7-d68de69a2cfc" Stencil="System.Storyboarding.Icons" StencilRevisionId="05cd6d03-c0b2-488e-98a7-d68de69a2cfc" StencilVersion="0.1"/>
+</Control>
+</file>
+
+<file path=customXml/item42.xml><?xml version="1.0" encoding="utf-8"?>
+<Control xmlns="http://schemas.microsoft.com/VisualStudio/2011/storyboarding/control/v1.0">
+  <Id Name="System.Storyboard.Stencil.Browser" RevisionId="bdb52a43-f875-417f-a3f8-9b0259dd3051" Stencil="System.Backgrounds" StencilRevisionId="bdb52a43-f875-417f-a3f8-9b0259dd3051" StencilVersion="1.0"/>
+</Control>
+</file>
+
+<file path=customXml/item43.xml><?xml version="1.0" encoding="utf-8"?>
+<Control xmlns="http://schemas.microsoft.com/VisualStudio/2011/storyboarding/control/v1.0">
   <Id Name="System.Storyboard.Stencil.VerticalSplitter" RevisionId="00000000-0000-0000-0000-000000000000" Stencil="System.Windows" StencilRevisionId="00000000-0000-0000-0000-000000000000" StencilVersion="1.0"/>
 </Control>
 </file>
 
-<file path=customXml/item10.xml><?xml version="1.0" encoding="utf-8"?>
+<file path=customXml/item44.xml><?xml version="1.0" encoding="utf-8"?>
+<Control xmlns="http://schemas.microsoft.com/VisualStudio/2011/storyboarding/control/v1.0">
+  <Id Name="System.Storyboard.Stencil.VerticalBarChart" RevisionId="00000000-0000-0000-0000-000000000000" Stencil="System.Media" StencilRevisionId="00000000-0000-0000-0000-000000000000" StencilVersion="1.0"/>
+</Control>
+</file>
+
+<file path=customXml/item45.xml><?xml version="1.0" encoding="utf-8"?>
+<Control xmlns="http://schemas.microsoft.com/VisualStudio/2011/storyboarding/control/v1.0">
+  <Id Name="System.Storyboard.Stencil.Breadcrumb" RevisionId="00000000-0000-0000-0000-000000000000" Stencil="System.Common" StencilRevisionId="00000000-0000-0000-0000-000000000000" StencilVersion="1.0"/>
+</Control>
+</file>
+
+<file path=customXml/item46.xml><?xml version="1.0" encoding="utf-8"?>
+<Control xmlns="http://schemas.microsoft.com/VisualStudio/2011/storyboarding/control/v1.0">
+  <Id Name="System.Storyboard.Stencil.PhoneTile" RevisionId="00000000-0000-0000-0000-000000000000" Stencil="System.Windows_Phone_7" StencilRevisionId="00000000-0000-0000-0000-000000000000" StencilVersion="1.0"/>
+</Control>
+</file>
+
+<file path=customXml/item47.xml><?xml version="1.0" encoding="utf-8"?>
+<Control xmlns="http://schemas.microsoft.com/VisualStudio/2011/storyboarding/control/v1.0">
+  <Id Name="System.Storyboard.Stencil.PhoneApplicationBar" RevisionId="00000000-0000-0000-0000-000000000000" Stencil="System.Windows_Phone_7" StencilRevisionId="00000000-0000-0000-0000-000000000000" StencilVersion="1.0"/>
+</Control>
+</file>
+
+<file path=customXml/item48.xml><?xml version="1.0" encoding="utf-8"?>
+<Control xmlns="http://schemas.microsoft.com/VisualStudio/2011/storyboarding/control/v1.0">
+  <Id Name="System.Storyboard.Stencil.Title" RevisionId="00000000-0000-0000-0000-000000000000" Stencil="System.Common" StencilRevisionId="00000000-0000-0000-0000-000000000000" StencilVersion="1.0"/>
+</Control>
+</file>
+
+<file path=customXml/item49.xml><?xml version="1.0" encoding="utf-8"?>
+<Control xmlns="http://schemas.microsoft.com/VisualStudio/2011/storyboarding/control/v1.0">
+  <Id Name="System.Storyboarding.Common.Text" RevisionId="68ea164d-c1de-47a5-804f-d4d1290fa524" Stencil="System.Storyboarding.Common" StencilRevisionId="68ea164d-c1de-47a5-804f-d4d1290fa524" StencilVersion="0.1"/>
+</Control>
+</file>
+
+<file path=customXml/item5.xml><?xml version="1.0" encoding="utf-8"?>
+<Control xmlns="http://schemas.microsoft.com/VisualStudio/2011/storyboarding/control/v1.0">
+  <Id Name="System.Storyboard.Stencil.PieChart" RevisionId="00000000-0000-0000-0000-000000000000" Stencil="System.Media" StencilRevisionId="00000000-0000-0000-0000-000000000000" StencilVersion="1.0"/>
+</Control>
+</file>
+
+<file path=customXml/item50.xml><?xml version="1.0" encoding="utf-8"?>
+<Control xmlns="http://schemas.microsoft.com/VisualStudio/2011/storyboarding/control/v1.0">
+  <Id Name="System.Storyboard.Stencil.Hyperlink" RevisionId="00000000-0000-0000-0000-000000000000" Stencil="System.Common" StencilRevisionId="00000000-0000-0000-0000-000000000000" StencilVersion="1.0"/>
+</Control>
+</file>
+
+<file path=customXml/item51.xml><?xml version="1.0" encoding="utf-8"?>
 <Control xmlns="http://schemas.microsoft.com/VisualStudio/2011/storyboarding/control/v1.0">
   <Id Name="System.Storyboard.Stencil.PhoneKeyboard" RevisionId="00000000-0000-0000-0000-000000000000" Stencil="System.Windows_Phone_7" StencilRevisionId="00000000-0000-0000-0000-000000000000" StencilVersion="1.0"/>
 </Control>
 </file>
 
-<file path=customXml/item11.xml><?xml version="1.0" encoding="utf-8"?>
+<file path=customXml/item52.xml><?xml version="1.0" encoding="utf-8"?>
+<Control xmlns="http://schemas.microsoft.com/VisualStudio/2011/storyboarding/control/v1.0">
+  <Id Name="System.Storyboard.Stencil.DropdownBox" RevisionId="00000000-0000-0000-0000-000000000000" Stencil="System.Common" StencilRevisionId="00000000-0000-0000-0000-000000000000" StencilVersion="1.0"/>
+</Control>
+</file>
+
+<file path=customXml/item53.xml><?xml version="1.0" encoding="utf-8"?>
+<Control xmlns="http://schemas.microsoft.com/VisualStudio/2011/storyboarding/control">
+  <Id Name="System.Storyboarding.Backgrounds.RibbonApplication" RevisionId="bdb52a43-f875-417f-a3f8-9b0259dd3051" Stencil="System.Storyboarding.Backgrounds" StencilRevisionId="bdb52a43-f875-417f-a3f8-9b0259dd3051" StencilVersion="0.1"/>
+</Control>
+</file>
+
+<file path=customXml/item54.xml><?xml version="1.0" encoding="utf-8"?>
+<Control xmlns="http://schemas.microsoft.com/VisualStudio/2011/storyboarding/control/v1.0">
+  <Id Name="System.Storyboard.Stencil.Image" RevisionId="00000000-0000-0000-0000-000000000000" Stencil="System.Media" StencilRevisionId="00000000-0000-0000-0000-000000000000" StencilVersion="1.0"/>
+</Control>
+</file>
+
+<file path=customXml/item55.xml><?xml version="1.0" encoding="utf-8"?>
+<Control xmlns="http://schemas.microsoft.com/VisualStudio/2011/storyboarding/control/v1.0">
+  <Id Name="System.Storyboard.Stencil.TextArea" RevisionId="00000000-0000-0000-0000-000000000000" Stencil="System.Common" StencilRevisionId="00000000-0000-0000-0000-000000000000" StencilVersion="1.0"/>
+</Control>
+</file>
+
+<file path=customXml/item56.xml><?xml version="1.0" encoding="utf-8"?>
+<Control xmlns="http://schemas.microsoft.com/VisualStudio/2011/storyboarding/control/v1.0">
+  <Id Name="System.Storyboard.Stencil.WidePhoneTile" RevisionId="00000000-0000-0000-0000-000000000000" Stencil="System.Windows_Phone_7" StencilRevisionId="00000000-0000-0000-0000-000000000000" StencilVersion="1.0"/>
+</Control>
+</file>
+
+<file path=customXml/item57.xml><?xml version="1.0" encoding="utf-8"?>
+<Control xmlns="http://schemas.microsoft.com/VisualStudio/2011/storyboarding/control/v1.0">
+  <Id Name="System.Storyboard.Stencil.PositionControl" RevisionId="00000000-0000-0000-0000-000000000000" Stencil="System.Media" StencilRevisionId="00000000-0000-0000-0000-000000000000" StencilVersion="1.0"/>
+</Control>
+</file>
+
+<file path=customXml/item58.xml><?xml version="1.0" encoding="utf-8"?>
+<Control xmlns="http://schemas.microsoft.com/VisualStudio/2011/storyboarding/control/v1.0">
+  <Id Name="System.Storyboarding.Common.Text" RevisionId="68ea164d-c1de-47a5-804f-d4d1290fa524" Stencil="System.Storyboarding.Common" StencilRevisionId="68ea164d-c1de-47a5-804f-d4d1290fa524" StencilVersion="0.1"/>
+</Control>
+</file>
+
+<file path=customXml/item59.xml><?xml version="1.0" encoding="utf-8"?>
+<Control xmlns="http://schemas.microsoft.com/VisualStudio/2011/storyboarding/control/v1.0">
+  <Id Name="System.Storyboard.Stencil.PhoneBrowserBar" RevisionId="00000000-0000-0000-0000-000000000000" Stencil="System.Windows_Phone_7" StencilRevisionId="00000000-0000-0000-0000-000000000000" StencilVersion="1.0"/>
+</Control>
+</file>
+
+<file path=customXml/item6.xml><?xml version="1.0" encoding="utf-8"?>
+<Control xmlns="http://schemas.microsoft.com/VisualStudio/2011/storyboarding/control/v1.0">
+  <Id Name="System.Storyboard.Stencil.Button" RevisionId="00000000-0000-0000-0000-000000000000" Stencil="System.Common" StencilRevisionId="00000000-0000-0000-0000-000000000000" StencilVersion="1.0"/>
+</Control>
+</file>
+
+<file path=customXml/item60.xml><?xml version="1.0" encoding="utf-8"?>
+<Control xmlns="http://schemas.microsoft.com/VisualStudio/2011/storyboarding/control/v1.0">
+  <Id Name="System.Storyboard.Stencil.PhoneTile" RevisionId="00000000-0000-0000-0000-000000000000" Stencil="System.Windows_Phone_7" StencilRevisionId="00000000-0000-0000-0000-000000000000" StencilVersion="1.0"/>
+</Control>
+</file>
+
+<file path=customXml/item61.xml><?xml version="1.0" encoding="utf-8"?>
+<Control xmlns="http://schemas.microsoft.com/VisualStudio/2011/storyboarding/control/v1.0">
+  <Id Name="System.Storyboard.Stencil.Title" RevisionId="00000000-0000-0000-0000-000000000000" Stencil="System.Common" StencilRevisionId="00000000-0000-0000-0000-000000000000" StencilVersion="1.0"/>
+</Control>
+</file>
+
+<file path=customXml/item62.xml><?xml version="1.0" encoding="utf-8"?>
+<Control xmlns="http://schemas.microsoft.com/VisualStudio/2011/storyboarding/control/v1.0">
+  <Id Name="System.Storyboard.Stencil.LineChart" RevisionId="00000000-0000-0000-0000-000000000000" Stencil="System.Media" StencilRevisionId="00000000-0000-0000-0000-000000000000" StencilVersion="1.0"/>
+</Control>
+</file>
+
+<file path=customXml/item63.xml><?xml version="1.0" encoding="utf-8"?>
+<Control xmlns="http://schemas.microsoft.com/VisualStudio/2011/storyboarding/control/v1.0">
+  <Id Name="System.Storyboard.Stencil.PlayControls" RevisionId="00000000-0000-0000-0000-000000000000" Stencil="System.Media" StencilRevisionId="00000000-0000-0000-0000-000000000000" StencilVersion="1.0"/>
+</Control>
+</file>
+
+<file path=customXml/item64.xml><?xml version="1.0" encoding="utf-8"?>
+<Control xmlns="http://schemas.microsoft.com/VisualStudio/2011/storyboarding/control/v1.0">
+  <Id Name="System.Storyboard.Stencil.Label" RevisionId="00000000-0000-0000-0000-000000000000" Stencil="System.Common" StencilRevisionId="00000000-0000-0000-0000-000000000000" StencilVersion="1.0"/>
+</Control>
+</file>
+
+<file path=customXml/item65.xml><?xml version="1.0" encoding="utf-8"?>
+<Control xmlns="http://schemas.microsoft.com/VisualStudio/2011/storyboarding/control/v1.0">
+  <Id Name="System.Storyboard.Stencil.FourItemList" RevisionId="00000000-0000-0000-0000-000000000000" Stencil="System.Common" StencilRevisionId="00000000-0000-0000-0000-000000000000" StencilVersion="1.0"/>
+</Control>
+</file>
+
+<file path=customXml/item66.xml><?xml version="1.0" encoding="utf-8"?>
+<Control xmlns="http://schemas.microsoft.com/VisualStudio/2011/storyboarding/control/v1.0">
+  <Id Name="System.Storyboard.Stencil.Slider" RevisionId="00000000-0000-0000-0000-000000000000" Stencil="System.Common" StencilRevisionId="00000000-0000-0000-0000-000000000000" StencilVersion="1.0"/>
+</Control>
+</file>
+
+<file path=customXml/item67.xml><?xml version="1.0" encoding="utf-8"?>
+<Control xmlns="http://schemas.microsoft.com/VisualStudio/2011/storyboarding/control/v1.0">
+  <Id Name="System.Storyboard.Stencil.ColorPicker" RevisionId="00000000-0000-0000-0000-000000000000" Stencil="System.Media" StencilRevisionId="00000000-0000-0000-0000-000000000000" StencilVersion="1.0"/>
+</Control>
+</file>
+
+<file path=customXml/item68.xml><?xml version="1.0" encoding="utf-8"?>
+<Control xmlns="http://schemas.microsoft.com/VisualStudio/2011/storyboarding/control/v1.0">
+  <Id Name="System.Storyboard.Stencil.Group" RevisionId="00000000-0000-0000-0000-000000000000" Stencil="System.Windows" StencilRevisionId="00000000-0000-0000-0000-000000000000" StencilVersion="1.0"/>
+</Control>
+</file>
+
+<file path=customXml/item69.xml><?xml version="1.0" encoding="utf-8"?>
+<Control xmlns="http://schemas.microsoft.com/VisualStudio/2011/storyboarding/control/v1.0">
+  <Id Name="System.Storyboard.Stencil.VerticalScrollbar" RevisionId="00000000-0000-0000-0000-000000000000" Stencil="System.Common" StencilRevisionId="00000000-0000-0000-0000-000000000000" StencilVersion="1.0"/>
+</Control>
+</file>
+
+<file path=customXml/item7.xml><?xml version="1.0" encoding="utf-8"?>
+<p:properties xmlns:p="http://schemas.microsoft.com/office/2006/metadata/properties" xmlns:xsi="http://www.w3.org/2001/XMLSchema-instance" xmlns:pc="http://schemas.microsoft.com/office/infopath/2007/PartnerControls">
+  <documentManagement>
+    <_dlc_DocId xmlns="b4ebf394-daf6-497a-96c5-a2f8c10b38cf">TT6HZDVJM2HV-178-540</_dlc_DocId>
+    <_dlc_DocIdUrl xmlns="b4ebf394-daf6-497a-96c5-a2f8c10b38cf">
+      <Url>http://vstsdfmoss/sites/VSTSDF/DevDiv/TFS/teams/rm/_layouts/DocIdRedir.aspx?ID=TT6HZDVJM2HV-178-540</Url>
+      <Description>TT6HZDVJM2HV-178-540</Description>
+    </_dlc_DocIdUrl>
+  </documentManagement>
+</p:properties>
+</file>
+
+<file path=customXml/item70.xml><?xml version="1.0" encoding="utf-8"?>
+<Control xmlns="http://schemas.microsoft.com/VisualStudio/2011/storyboarding/control/v1.0">
+  <Id Name="System.Storyboarding.Common.DropdownBox" RevisionId="68ea164d-c1de-47a5-804f-d4d1290fa524" Stencil="System.Storyboarding.Common" StencilRevisionId="68ea164d-c1de-47a5-804f-d4d1290fa524" StencilVersion="0.1"/>
+</Control>
+</file>
+
+<file path=customXml/item71.xml><?xml version="1.0" encoding="utf-8"?>
+<Control xmlns="http://schemas.microsoft.com/VisualStudio/2011/storyboarding/control/v1.0">
+  <Id Name="System.Storyboarding.Common.Text" RevisionId="68ea164d-c1de-47a5-804f-d4d1290fa524" Stencil="System.Storyboarding.Common" StencilRevisionId="68ea164d-c1de-47a5-804f-d4d1290fa524" StencilVersion="0.1"/>
+</Control>
+</file>
+
+<file path=customXml/item72.xml><?xml version="1.0" encoding="utf-8"?>
+<Control xmlns="http://schemas.microsoft.com/VisualStudio/2011/storyboarding/control/v1.0">
+  <Id Name="System.Storyboard.Stencil.Calendar" RevisionId="00000000-0000-0000-0000-000000000000" Stencil="System.Common" StencilRevisionId="00000000-0000-0000-0000-000000000000" StencilVersion="1.0"/>
+</Control>
+</file>
+
+<file path=customXml/item73.xml><?xml version="1.0" encoding="utf-8"?>
+<Control xmlns="http://schemas.microsoft.com/VisualStudio/2011/storyboarding/control/v1.0">
+  <Id Name="System.Storyboard.Stencil.StatusBar" RevisionId="00000000-0000-0000-0000-000000000000" Stencil="System.Windows" StencilRevisionId="00000000-0000-0000-0000-000000000000" StencilVersion="1.0"/>
+</Control>
+</file>
+
+<file path=customXml/item74.xml><?xml version="1.0" encoding="utf-8"?>
+<Control xmlns="http://schemas.microsoft.com/VisualStudio/2011/storyboarding/control/v1.0">
+  <Id Name="System.Storyboarding.Common.Breadcrumb" RevisionId="68ea164d-c1de-47a5-804f-d4d1290fa524" Stencil="System.Storyboarding.Common" StencilRevisionId="68ea164d-c1de-47a5-804f-d4d1290fa524" StencilVersion="0.1"/>
+</Control>
+</file>
+
+<file path=customXml/item8.xml><?xml version="1.0" encoding="utf-8"?>
 <ct:contentTypeSchema xmlns:ct="http://schemas.microsoft.com/office/2006/metadata/contentType" xmlns:ma="http://schemas.microsoft.com/office/2006/metadata/properties/metaAttributes" ct:_="" ma:_="" ma:contentTypeName="Document" ma:contentTypeID="0x01010022C9F813607D1D469674AAA3D24DC85B" ma:contentTypeVersion="0" ma:contentTypeDescription="Create a new document." ma:contentTypeScope="" ma:versionID="2370c695874a1292907530ead749c2be">
   <xsd:schema xmlns:xsd="http://www.w3.org/2001/XMLSchema" xmlns:xs="http://www.w3.org/2001/XMLSchema" xmlns:p="http://schemas.microsoft.com/office/2006/metadata/properties" xmlns:ns2="b4ebf394-daf6-497a-96c5-a2f8c10b38cf" targetNamespace="http://schemas.microsoft.com/office/2006/metadata/properties" ma:root="true" ma:fieldsID="9b19f9f2e3a2b2958cd8578711e95110" ns2:_="">
     <xsd:import namespace="b4ebf394-daf6-497a-96c5-a2f8c10b38cf"/>
@@ -17741,482 +17682,309 @@
 </ct:contentTypeSchema>
 </file>
 
-<file path=customXml/item12.xml><?xml version="1.0" encoding="utf-8"?>
-<?mso-contentType ?>
-<FormTemplates xmlns="http://schemas.microsoft.com/sharepoint/v3/contenttype/forms">
-  <Display>DocumentLibraryForm</Display>
-  <Edit>DocumentLibraryForm</Edit>
-  <New>DocumentLibraryForm</New>
-</FormTemplates>
-</file>
-
-<file path=customXml/item13.xml><?xml version="1.0" encoding="utf-8"?>
-<Control xmlns="http://schemas.microsoft.com/VisualStudio/2011/storyboarding/control/v1.0">
-  <Id Name="System.Storyboard.Stencil.PhoneTile" RevisionId="00000000-0000-0000-0000-000000000000" Stencil="System.Windows_Phone_7" StencilRevisionId="00000000-0000-0000-0000-000000000000" StencilVersion="1.0"/>
-</Control>
-</file>
-
-<file path=customXml/item14.xml><?xml version="1.0" encoding="utf-8"?>
-<Control xmlns="http://schemas.microsoft.com/VisualStudio/2011/storyboarding/control/v1.0">
-  <Id Name="System.Storyboard.Stencil.DropdownBox" RevisionId="00000000-0000-0000-0000-000000000000" Stencil="System.Common" StencilRevisionId="00000000-0000-0000-0000-000000000000" StencilVersion="1.0"/>
-</Control>
-</file>
-
-<file path=customXml/item15.xml><?xml version="1.0" encoding="utf-8"?>
-<Control xmlns="http://schemas.microsoft.com/VisualStudio/2011/storyboarding/control/v1.0">
-  <Id Name="System.Storyboard.Stencil.Breadcrumb" RevisionId="00000000-0000-0000-0000-000000000000" Stencil="System.Common" StencilRevisionId="00000000-0000-0000-0000-000000000000" StencilVersion="1.0"/>
-</Control>
-</file>
-
-<file path=customXml/item16.xml><?xml version="1.0" encoding="utf-8"?>
-<p:properties xmlns:p="http://schemas.microsoft.com/office/2006/metadata/properties" xmlns:xsi="http://www.w3.org/2001/XMLSchema-instance" xmlns:pc="http://schemas.microsoft.com/office/infopath/2007/PartnerControls">
-  <documentManagement>
-    <_dlc_DocId xmlns="b4ebf394-daf6-497a-96c5-a2f8c10b38cf">TT6HZDVJM2HV-178-540</_dlc_DocId>
-    <_dlc_DocIdUrl xmlns="b4ebf394-daf6-497a-96c5-a2f8c10b38cf">
-      <Url>http://vstsdfmoss/sites/VSTSDF/DevDiv/TFS/teams/rm/_layouts/DocIdRedir.aspx?ID=TT6HZDVJM2HV-178-540</Url>
-      <Description>TT6HZDVJM2HV-178-540</Description>
-    </_dlc_DocIdUrl>
-  </documentManagement>
-</p:properties>
-</file>
-
-<file path=customXml/item17.xml><?xml version="1.0" encoding="utf-8"?>
-<Control xmlns="http://schemas.microsoft.com/VisualStudio/2011/storyboarding/control/v1.0">
-  <Id Name="System.Storyboard.Stencil.TreeList" RevisionId="00000000-0000-0000-0000-000000000000" Stencil="System.Common" StencilRevisionId="00000000-0000-0000-0000-000000000000" StencilVersion="1.0"/>
-</Control>
-</file>
-
-<file path=customXml/item18.xml><?xml version="1.0" encoding="utf-8"?>
-<Control xmlns="http://schemas.microsoft.com/VisualStudio/2011/storyboarding/control/v1.0">
-  <Id Name="System.Storyboard.Stencil.Title" RevisionId="00000000-0000-0000-0000-000000000000" Stencil="System.Common" StencilRevisionId="00000000-0000-0000-0000-000000000000" StencilVersion="1.0"/>
-</Control>
-</file>
-
-<file path=customXml/item19.xml><?xml version="1.0" encoding="utf-8"?>
-<Control xmlns="http://schemas.microsoft.com/VisualStudio/2011/storyboarding/control/v1.0">
-  <Id Name="System.Storyboarding.Icons.Help" RevisionId="05cd6d03-c0b2-488e-98a7-d68de69a2cfc" Stencil="System.Storyboarding.Icons" StencilRevisionId="05cd6d03-c0b2-488e-98a7-d68de69a2cfc" StencilVersion="0.1"/>
-</Control>
-</file>
-
-<file path=customXml/item2.xml><?xml version="1.0" encoding="utf-8"?>
-<Control xmlns="http://schemas.microsoft.com/VisualStudio/2011/storyboarding/control/v1.0">
-  <Id Name="System.Storyboard.Stencil.Group" RevisionId="00000000-0000-0000-0000-000000000000" Stencil="System.Windows" StencilRevisionId="00000000-0000-0000-0000-000000000000" StencilVersion="1.0"/>
-</Control>
-</file>
-
-<file path=customXml/item20.xml><?xml version="1.0" encoding="utf-8"?>
-<Control xmlns="http://schemas.microsoft.com/VisualStudio/2011/storyboarding/control/v1.0">
-  <Id Name="System.Storyboarding.Common.Text" RevisionId="68ea164d-c1de-47a5-804f-d4d1290fa524" Stencil="System.Storyboarding.Common" StencilRevisionId="68ea164d-c1de-47a5-804f-d4d1290fa524" StencilVersion="0.1"/>
-</Control>
-</file>
-
-<file path=customXml/item21.xml><?xml version="1.0" encoding="utf-8"?>
-<Control xmlns="http://schemas.microsoft.com/VisualStudio/2011/storyboarding/control/v1.0">
-  <Id Name="System.Storyboard.Stencil.PieChart" RevisionId="00000000-0000-0000-0000-000000000000" Stencil="System.Media" StencilRevisionId="00000000-0000-0000-0000-000000000000" StencilVersion="1.0"/>
-</Control>
-</file>
-
-<file path=customXml/item22.xml><?xml version="1.0" encoding="utf-8"?>
-<Control xmlns="http://schemas.microsoft.com/VisualStudio/2011/storyboarding/control">
-  <Id Name="System.Storyboarding.Backgrounds.SharePoint" RevisionId="bdb52a43-f875-417f-a3f8-9b0259dd3051" Stencil="System.Storyboarding.Backgrounds" StencilRevisionId="bdb52a43-f875-417f-a3f8-9b0259dd3051" StencilVersion="0.1"/>
-</Control>
-</file>
-
-<file path=customXml/item23.xml><?xml version="1.0" encoding="utf-8"?>
-<Control xmlns="http://schemas.microsoft.com/VisualStudio/2011/storyboarding/control/v1.0">
-  <Id Name="System.Storyboard.Stencil.PhoneTile" RevisionId="00000000-0000-0000-0000-000000000000" Stencil="System.Windows_Phone_7" StencilRevisionId="00000000-0000-0000-0000-000000000000" StencilVersion="1.0"/>
-</Control>
-</file>
-
-<file path=customXml/item24.xml><?xml version="1.0" encoding="utf-8"?>
-<Control xmlns="http://schemas.microsoft.com/VisualStudio/2011/storyboarding/control/v1.0">
-  <Id Name="System.Storyboarding.Common.DropdownBox" RevisionId="68ea164d-c1de-47a5-804f-d4d1290fa524" Stencil="System.Storyboarding.Common" StencilRevisionId="68ea164d-c1de-47a5-804f-d4d1290fa524" StencilVersion="0.1"/>
-</Control>
-</file>
-
-<file path=customXml/item25.xml><?xml version="1.0" encoding="utf-8"?>
-<Control xmlns="http://schemas.microsoft.com/VisualStudio/2011/storyboarding/control">
-  <Id Name="System.Storyboarding.WindowsPhoneIcons.Video" RevisionId="5814b1e0-0169-11e0-a976-0800200c9a66" Stencil="System.Storyboarding.WindowsPhoneIcons" StencilRevisionId="5814b1e0-0169-11e0-a976-0800200c9a66" StencilVersion="0.1"/>
-</Control>
-</file>
-
-<file path=customXml/item26.xml><?xml version="1.0" encoding="utf-8"?>
-<Control xmlns="http://schemas.microsoft.com/VisualStudio/2011/storyboarding/control/v1.0">
-  <Id Name="System.Storyboard.Stencil.ColorPicker" RevisionId="00000000-0000-0000-0000-000000000000" Stencil="System.Media" StencilRevisionId="00000000-0000-0000-0000-000000000000" StencilVersion="1.0"/>
-</Control>
-</file>
-
-<file path=customXml/item27.xml><?xml version="1.0" encoding="utf-8"?>
-<Control xmlns="http://schemas.microsoft.com/VisualStudio/2011/storyboarding/control/v1.0">
-  <Id Name="System.Storyboarding.Common.Text" RevisionId="68ea164d-c1de-47a5-804f-d4d1290fa524" Stencil="System.Storyboarding.Common" StencilRevisionId="68ea164d-c1de-47a5-804f-d4d1290fa524" StencilVersion="0.1"/>
-</Control>
-</file>
-
-<file path=customXml/item28.xml><?xml version="1.0" encoding="utf-8"?>
-<Control xmlns="http://schemas.microsoft.com/VisualStudio/2011/storyboarding/control/v1.0">
-  <Id Name="System.Storyboard.Stencil.PhoneApplicationBar" RevisionId="00000000-0000-0000-0000-000000000000" Stencil="System.Windows_Phone_7" StencilRevisionId="00000000-0000-0000-0000-000000000000" StencilVersion="1.0"/>
-</Control>
-</file>
-
-<file path=customXml/item29.xml><?xml version="1.0" encoding="utf-8"?>
-<Control xmlns="http://schemas.microsoft.com/VisualStudio/2011/storyboarding/control/v1.0">
-  <Id Name="System.Storyboard.Stencil.VerticalScrollbar" RevisionId="00000000-0000-0000-0000-000000000000" Stencil="System.Common" StencilRevisionId="00000000-0000-0000-0000-000000000000" StencilVersion="1.0"/>
-</Control>
-</file>
-
-<file path=customXml/item3.xml><?xml version="1.0" encoding="utf-8"?>
-<Control xmlns="http://schemas.microsoft.com/VisualStudio/2011/storyboarding/control/v1.0">
-  <Id Name="System.Storyboard.Stencil.LineChart" RevisionId="00000000-0000-0000-0000-000000000000" Stencil="System.Media" StencilRevisionId="00000000-0000-0000-0000-000000000000" StencilVersion="1.0"/>
-</Control>
-</file>
-
-<file path=customXml/item30.xml><?xml version="1.0" encoding="utf-8"?>
-<Control xmlns="http://schemas.microsoft.com/VisualStudio/2011/storyboarding/control/v1.0">
-  <Id Name="System.Storyboard.Stencil.Title" RevisionId="00000000-0000-0000-0000-000000000000" Stencil="System.Common" StencilRevisionId="00000000-0000-0000-0000-000000000000" StencilVersion="1.0"/>
-</Control>
-</file>
-
-<file path=customXml/item31.xml><?xml version="1.0" encoding="utf-8"?>
-<Control xmlns="http://schemas.microsoft.com/VisualStudio/2011/storyboarding/control/v1.0">
-  <Id Name="System.Storyboard.Stencil.DropdownBox" RevisionId="00000000-0000-0000-0000-000000000000" Stencil="System.Common" StencilRevisionId="00000000-0000-0000-0000-000000000000" StencilVersion="1.0"/>
-</Control>
-</file>
-
-<file path=customXml/item32.xml><?xml version="1.0" encoding="utf-8"?>
+<file path=customXml/item9.xml><?xml version="1.0" encoding="utf-8"?>
 <Control xmlns="http://schemas.microsoft.com/VisualStudio/2011/storyboarding/control/v1.0">
   <Id Name="System.Storyboard.Stencil.DatePicker" RevisionId="00000000-0000-0000-0000-000000000000" Stencil="System.Common" StencilRevisionId="00000000-0000-0000-0000-000000000000" StencilVersion="1.0"/>
 </Control>
 </file>
 
-<file path=customXml/item33.xml><?xml version="1.0" encoding="utf-8"?>
-<Control xmlns="http://schemas.microsoft.com/VisualStudio/2011/storyboarding/control/v1.0">
-  <Id Name="System.Storyboard.Stencil.PositionControl" RevisionId="00000000-0000-0000-0000-000000000000" Stencil="System.Media" StencilRevisionId="00000000-0000-0000-0000-000000000000" StencilVersion="1.0"/>
-</Control>
-</file>
-
-<file path=customXml/item34.xml><?xml version="1.0" encoding="utf-8"?>
-<Control xmlns="http://schemas.microsoft.com/VisualStudio/2011/storyboarding/control/v1.0">
-  <Id Name="System.Storyboard.Stencil.PlayControls" RevisionId="00000000-0000-0000-0000-000000000000" Stencil="System.Media" StencilRevisionId="00000000-0000-0000-0000-000000000000" StencilVersion="1.0"/>
-</Control>
-</file>
-
-<file path=customXml/item35.xml><?xml version="1.0" encoding="utf-8"?>
-<Control xmlns="http://schemas.microsoft.com/VisualStudio/2011/storyboarding/control">
-  <Id Name="System.Storyboarding.Backgrounds.RibbonApplication" RevisionId="bdb52a43-f875-417f-a3f8-9b0259dd3051" Stencil="System.Storyboarding.Backgrounds" StencilRevisionId="bdb52a43-f875-417f-a3f8-9b0259dd3051" StencilVersion="0.1"/>
-</Control>
-</file>
-
-<file path=customXml/item36.xml><?xml version="1.0" encoding="utf-8"?>
-<Control xmlns="http://schemas.microsoft.com/VisualStudio/2011/storyboarding/control/v1.0">
-  <Id Name="System.Storyboard.Stencil.Title" RevisionId="00000000-0000-0000-0000-000000000000" Stencil="System.Common" StencilRevisionId="00000000-0000-0000-0000-000000000000" StencilVersion="1.0"/>
-</Control>
-</file>
-
-<file path=customXml/item37.xml><?xml version="1.0" encoding="utf-8"?>
-<Control xmlns="http://schemas.microsoft.com/VisualStudio/2011/storyboarding/control/v1.0">
-  <Id Name="System.Storyboarding.Common.Text" RevisionId="68ea164d-c1de-47a5-804f-d4d1290fa524" Stencil="System.Storyboarding.Common" StencilRevisionId="68ea164d-c1de-47a5-804f-d4d1290fa524" StencilVersion="0.1"/>
-</Control>
-</file>
-
-<file path=customXml/item38.xml><?xml version="1.0" encoding="utf-8"?>
-<Control xmlns="http://schemas.microsoft.com/VisualStudio/2011/storyboarding/control/v1.0">
-  <Id Name="System.Storyboard.Stencil.VerticalScrollbar" RevisionId="00000000-0000-0000-0000-000000000000" Stencil="System.Common" StencilRevisionId="00000000-0000-0000-0000-000000000000" StencilVersion="1.0"/>
-</Control>
-</file>
-
-<file path=customXml/item39.xml><?xml version="1.0" encoding="utf-8"?>
-<Control xmlns="http://schemas.microsoft.com/VisualStudio/2011/storyboarding/control/v1.0">
-  <Id Name="System.Storyboard.Stencil.LineChart" RevisionId="00000000-0000-0000-0000-000000000000" Stencil="System.Media" StencilRevisionId="00000000-0000-0000-0000-000000000000" StencilVersion="1.0"/>
-</Control>
-</file>
-
-<file path=customXml/item4.xml><?xml version="1.0" encoding="utf-8"?>
-<Control xmlns="http://schemas.microsoft.com/VisualStudio/2011/storyboarding/control/v1.0">
-  <Id Name="System.Storyboarding.Common.Text" RevisionId="68ea164d-c1de-47a5-804f-d4d1290fa524" Stencil="System.Storyboarding.Common" StencilRevisionId="68ea164d-c1de-47a5-804f-d4d1290fa524" StencilVersion="0.1"/>
-</Control>
-</file>
-
-<file path=customXml/item40.xml><?xml version="1.0" encoding="utf-8"?>
-<Control xmlns="http://schemas.microsoft.com/VisualStudio/2011/storyboarding/control/v1.0">
-  <Id Name="System.Storyboarding.Common.Text" RevisionId="68ea164d-c1de-47a5-804f-d4d1290fa524" Stencil="System.Storyboarding.Common" StencilRevisionId="68ea164d-c1de-47a5-804f-d4d1290fa524" StencilVersion="0.1"/>
-</Control>
-</file>
-
-<file path=customXml/item41.xml><?xml version="1.0" encoding="utf-8"?>
-<?mso-contentType ?>
-<spe:Receivers xmlns:spe="http://schemas.microsoft.com/sharepoint/events">
-  <Receiver>
-    <Name>Document ID Generator</Name>
-    <Synchronization>Synchronous</Synchronization>
-    <Type>10001</Type>
-    <SequenceNumber>1000</SequenceNumber>
-    <Assembly>Microsoft.Office.DocumentManagement, Version=14.0.0.0, Culture=neutral, PublicKeyToken=71e9bce111e9429c</Assembly>
-    <Class>Microsoft.Office.DocumentManagement.Internal.DocIdHandler</Class>
-    <Data/>
-    <Filter/>
-  </Receiver>
-  <Receiver>
-    <Name>Document ID Generator</Name>
-    <Synchronization>Synchronous</Synchronization>
-    <Type>10002</Type>
-    <SequenceNumber>1001</SequenceNumber>
-    <Assembly>Microsoft.Office.DocumentManagement, Version=14.0.0.0, Culture=neutral, PublicKeyToken=71e9bce111e9429c</Assembly>
-    <Class>Microsoft.Office.DocumentManagement.Internal.DocIdHandler</Class>
-    <Data/>
-    <Filter/>
-  </Receiver>
-  <Receiver>
-    <Name>Document ID Generator</Name>
-    <Synchronization>Synchronous</Synchronization>
-    <Type>10004</Type>
-    <SequenceNumber>1002</SequenceNumber>
-    <Assembly>Microsoft.Office.DocumentManagement, Version=14.0.0.0, Culture=neutral, PublicKeyToken=71e9bce111e9429c</Assembly>
-    <Class>Microsoft.Office.DocumentManagement.Internal.DocIdHandler</Class>
-    <Data/>
-    <Filter/>
-  </Receiver>
-  <Receiver>
-    <Name>Document ID Generator</Name>
-    <Synchronization>Synchronous</Synchronization>
-    <Type>10006</Type>
-    <SequenceNumber>1003</SequenceNumber>
-    <Assembly>Microsoft.Office.DocumentManagement, Version=14.0.0.0, Culture=neutral, PublicKeyToken=71e9bce111e9429c</Assembly>
-    <Class>Microsoft.Office.DocumentManagement.Internal.DocIdHandler</Class>
-    <Data/>
-    <Filter/>
-  </Receiver>
-</spe:Receivers>
-</file>
-
-<file path=customXml/item42.xml><?xml version="1.0" encoding="utf-8"?>
-<Control xmlns="http://schemas.microsoft.com/VisualStudio/2011/storyboarding/control/v1.0">
-  <Id Name="System.Storyboard.Stencil.TreeList" RevisionId="00000000-0000-0000-0000-000000000000" Stencil="System.Common" StencilRevisionId="00000000-0000-0000-0000-000000000000" StencilVersion="1.0"/>
-</Control>
-</file>
-
-<file path=customXml/item43.xml><?xml version="1.0" encoding="utf-8"?>
-<Control xmlns="http://schemas.microsoft.com/VisualStudio/2011/storyboarding/control/v1.0">
-  <Id Name="System.Storyboarding.Common.SearchBox" RevisionId="68ea164d-c1de-47a5-804f-d4d1290fa524" Stencil="System.Storyboarding.Common" StencilRevisionId="68ea164d-c1de-47a5-804f-d4d1290fa524" StencilVersion="0.1"/>
-</Control>
-</file>
-
-<file path=customXml/item44.xml><?xml version="1.0" encoding="utf-8"?>
-<Control xmlns="http://schemas.microsoft.com/VisualStudio/2011/storyboarding/control">
-  <Id Name="System.Storyboarding.Backgrounds.RibbonApplication" RevisionId="bdb52a43-f875-417f-a3f8-9b0259dd3051" Stencil="System.Storyboarding.Backgrounds" StencilRevisionId="bdb52a43-f875-417f-a3f8-9b0259dd3051" StencilVersion="0.1"/>
-</Control>
-</file>
-
-<file path=customXml/item45.xml><?xml version="1.0" encoding="utf-8"?>
-<Control xmlns="http://schemas.microsoft.com/VisualStudio/2011/storyboarding/control/v1.0">
-  <Id Name="System.Storyboard.Stencil.Calendar" RevisionId="00000000-0000-0000-0000-000000000000" Stencil="System.Common" StencilRevisionId="00000000-0000-0000-0000-000000000000" StencilVersion="1.0"/>
-</Control>
-</file>
-
-<file path=customXml/item46.xml><?xml version="1.0" encoding="utf-8"?>
-<Control xmlns="http://schemas.microsoft.com/VisualStudio/2011/storyboarding/control/v1.0">
-  <Id Name="System.Storyboard.Stencil.PhoneTile" RevisionId="00000000-0000-0000-0000-000000000000" Stencil="System.Windows_Phone_7" StencilRevisionId="00000000-0000-0000-0000-000000000000" StencilVersion="1.0"/>
-</Control>
-</file>
-
-<file path=customXml/item47.xml><?xml version="1.0" encoding="utf-8"?>
-<Control xmlns="http://schemas.microsoft.com/VisualStudio/2011/storyboarding/control">
-  <Id Name="System.Storyboarding.Backgrounds.Window" RevisionId="bdb52a43-f875-417f-a3f8-9b0259dd3051" Stencil="System.Storyboarding.Backgrounds" StencilRevisionId="bdb52a43-f875-417f-a3f8-9b0259dd3051" StencilVersion="0.1"/>
-</Control>
-</file>
-
-<file path=customXml/item48.xml><?xml version="1.0" encoding="utf-8"?>
-<Control xmlns="http://schemas.microsoft.com/VisualStudio/2011/storyboarding/control/v1.0">
-  <Id Name="System.Storyboard.Stencil.HorizontalScrollbar" RevisionId="00000000-0000-0000-0000-000000000000" Stencil="System.Common" StencilRevisionId="00000000-0000-0000-0000-000000000000" StencilVersion="1.0"/>
-</Control>
-</file>
-
-<file path=customXml/item49.xml><?xml version="1.0" encoding="utf-8"?>
-<Control xmlns="http://schemas.microsoft.com/VisualStudio/2011/storyboarding/control/v1.0">
-  <Id Name="System.Storyboarding.Common.Text" RevisionId="68ea164d-c1de-47a5-804f-d4d1290fa524" Stencil="System.Storyboarding.Common" StencilRevisionId="68ea164d-c1de-47a5-804f-d4d1290fa524" StencilVersion="0.1"/>
-</Control>
-</file>
-
-<file path=customXml/item5.xml><?xml version="1.0" encoding="utf-8"?>
-<Control xmlns="http://schemas.microsoft.com/VisualStudio/2011/storyboarding/control/v1.0">
-  <Id Name="System.Storyboard.Stencil.PhoneTile" RevisionId="00000000-0000-0000-0000-000000000000" Stencil="System.Windows_Phone_7" StencilRevisionId="00000000-0000-0000-0000-000000000000" StencilVersion="1.0"/>
-</Control>
-</file>
-
-<file path=customXml/item50.xml><?xml version="1.0" encoding="utf-8"?>
-<Control xmlns="http://schemas.microsoft.com/VisualStudio/2011/storyboarding/control/v1.0">
-  <Id Name="System.Storyboard.Stencil.Label" RevisionId="00000000-0000-0000-0000-000000000000" Stencil="System.Common" StencilRevisionId="00000000-0000-0000-0000-000000000000" StencilVersion="1.0"/>
-</Control>
-</file>
-
-<file path=customXml/item51.xml><?xml version="1.0" encoding="utf-8"?>
-<Control xmlns="http://schemas.microsoft.com/VisualStudio/2011/storyboarding/control/v1.0">
-  <Id Name="System.Storyboard.Stencil.PhoneTile" RevisionId="00000000-0000-0000-0000-000000000000" Stencil="System.Windows_Phone_7" StencilRevisionId="00000000-0000-0000-0000-000000000000" StencilVersion="1.0"/>
-</Control>
-</file>
-
-<file path=customXml/item52.xml><?xml version="1.0" encoding="utf-8"?>
-<Control xmlns="http://schemas.microsoft.com/VisualStudio/2011/storyboarding/control/v1.0">
-  <Id Name="System.Storyboard.Stencil.Image" RevisionId="00000000-0000-0000-0000-000000000000" Stencil="System.Media" StencilRevisionId="00000000-0000-0000-0000-000000000000" StencilVersion="1.0"/>
-</Control>
-</file>
-
-<file path=customXml/item53.xml><?xml version="1.0" encoding="utf-8"?>
-<Control xmlns="http://schemas.microsoft.com/VisualStudio/2011/storyboarding/control/v1.0">
-  <Id Name="System.Storyboard.Stencil.TabGroup" RevisionId="00000000-0000-0000-0000-000000000000" Stencil="System.Common" StencilRevisionId="00000000-0000-0000-0000-000000000000" StencilVersion="1.0"/>
-</Control>
-</file>
-
-<file path=customXml/item54.xml><?xml version="1.0" encoding="utf-8"?>
-<Control xmlns="http://schemas.microsoft.com/VisualStudio/2011/storyboarding/control/v1.0">
-  <Id Name="System.Storyboard.Stencil.WidePhoneTile" RevisionId="00000000-0000-0000-0000-000000000000" Stencil="System.Windows_Phone_7" StencilRevisionId="00000000-0000-0000-0000-000000000000" StencilVersion="1.0"/>
-</Control>
-</file>
-
-<file path=customXml/item55.xml><?xml version="1.0" encoding="utf-8"?>
-<Control xmlns="http://schemas.microsoft.com/VisualStudio/2011/storyboarding/control/v1.0">
-  <Id Name="System.Storyboard.Stencil.FourItemList" RevisionId="00000000-0000-0000-0000-000000000000" Stencil="System.Common" StencilRevisionId="00000000-0000-0000-0000-000000000000" StencilVersion="1.0"/>
-</Control>
-</file>
-
-<file path=customXml/item56.xml><?xml version="1.0" encoding="utf-8"?>
-<Control xmlns="http://schemas.microsoft.com/VisualStudio/2011/storyboarding/control/v1.0">
-  <Id Name="System.Storyboard.Stencil.Label" RevisionId="00000000-0000-0000-0000-000000000000" Stencil="System.Common" StencilRevisionId="00000000-0000-0000-0000-000000000000" StencilVersion="1.0"/>
-</Control>
-</file>
-
-<file path=customXml/item57.xml><?xml version="1.0" encoding="utf-8"?>
-<Control xmlns="http://schemas.microsoft.com/VisualStudio/2011/storyboarding/control/v1.0">
-  <Id Name="System.Storyboard.Stencil.Hyperlink" RevisionId="00000000-0000-0000-0000-000000000000" Stencil="System.Common" StencilRevisionId="00000000-0000-0000-0000-000000000000" StencilVersion="1.0"/>
-</Control>
-</file>
-
-<file path=customXml/item58.xml><?xml version="1.0" encoding="utf-8"?>
-<Control xmlns="http://schemas.microsoft.com/VisualStudio/2011/storyboarding/control/v1.0">
-  <Id Name="System.Storyboard.Stencil.Title" RevisionId="00000000-0000-0000-0000-000000000000" Stencil="System.Common" StencilRevisionId="00000000-0000-0000-0000-000000000000" StencilVersion="1.0"/>
-</Control>
-</file>
-
-<file path=customXml/item59.xml><?xml version="1.0" encoding="utf-8"?>
-<Control xmlns="http://schemas.microsoft.com/VisualStudio/2011/storyboarding/control">
-  <Id Name="System.Storyboarding.Backgrounds.WindowsPhone" RevisionId="bdb52a43-f875-417f-a3f8-9b0259dd3051" Stencil="System.Storyboarding.Backgrounds" StencilRevisionId="bdb52a43-f875-417f-a3f8-9b0259dd3051" StencilVersion="0.1"/>
-</Control>
-</file>
-
-<file path=customXml/item6.xml><?xml version="1.0" encoding="utf-8"?>
-<Control xmlns="http://schemas.microsoft.com/VisualStudio/2011/storyboarding/control/v1.0">
-  <Id Name="System.Storyboard.Stencil.VerticalBarChart" RevisionId="00000000-0000-0000-0000-000000000000" Stencil="System.Media" StencilRevisionId="00000000-0000-0000-0000-000000000000" StencilVersion="1.0"/>
-</Control>
-</file>
-
-<file path=customXml/item60.xml><?xml version="1.0" encoding="utf-8"?>
-<Control xmlns="http://schemas.microsoft.com/VisualStudio/2011/storyboarding/control/v1.0">
-  <Id Name="System.Storyboard.Stencil.TextArea" RevisionId="00000000-0000-0000-0000-000000000000" Stencil="System.Common" StencilRevisionId="00000000-0000-0000-0000-000000000000" StencilVersion="1.0"/>
-</Control>
-</file>
-
-<file path=customXml/item61.xml><?xml version="1.0" encoding="utf-8"?>
-<Control xmlns="http://schemas.microsoft.com/VisualStudio/2011/storyboarding/control/v1.0">
-  <Id Name="System.Storyboarding.Common.Breadcrumb" RevisionId="68ea164d-c1de-47a5-804f-d4d1290fa524" Stencil="System.Storyboarding.Common" StencilRevisionId="68ea164d-c1de-47a5-804f-d4d1290fa524" StencilVersion="0.1"/>
-</Control>
-</file>
-
-<file path=customXml/item62.xml><?xml version="1.0" encoding="utf-8"?>
-<Control xmlns="http://schemas.microsoft.com/VisualStudio/2011/storyboarding/control/v1.0">
-  <Id Name="System.Storyboarding.Icons.FolderOpen" RevisionId="05cd6d03-c0b2-488e-98a7-d68de69a2cfc" Stencil="System.Storyboarding.Icons" StencilRevisionId="05cd6d03-c0b2-488e-98a7-d68de69a2cfc" StencilVersion="0.1"/>
-</Control>
-</file>
-
-<file path=customXml/item63.xml><?xml version="1.0" encoding="utf-8"?>
-<Control xmlns="http://schemas.microsoft.com/VisualStudio/2011/storyboarding/control/v1.0">
-  <Id Name="System.Storyboard.Stencil.PieChart" RevisionId="00000000-0000-0000-0000-000000000000" Stencil="System.Media" StencilRevisionId="00000000-0000-0000-0000-000000000000" StencilVersion="1.0"/>
-</Control>
-</file>
-
-<file path=customXml/item64.xml><?xml version="1.0" encoding="utf-8"?>
-<Control xmlns="http://schemas.microsoft.com/VisualStudio/2011/storyboarding/control/v1.0">
-  <Id Name="System.Storyboard.Stencil.PhoneTile" RevisionId="00000000-0000-0000-0000-000000000000" Stencil="System.Windows_Phone_7" StencilRevisionId="00000000-0000-0000-0000-000000000000" StencilVersion="1.0"/>
-</Control>
-</file>
-
-<file path=customXml/item65.xml><?xml version="1.0" encoding="utf-8"?>
-<Control xmlns="http://schemas.microsoft.com/VisualStudio/2011/storyboarding/control/v1.0">
-  <Id Name="System.Storyboard.Stencil.WidePhoneTile" RevisionId="00000000-0000-0000-0000-000000000000" Stencil="System.Windows_Phone_7" StencilRevisionId="00000000-0000-0000-0000-000000000000" StencilVersion="1.0"/>
-</Control>
-</file>
-
-<file path=customXml/item66.xml><?xml version="1.0" encoding="utf-8"?>
-<Control xmlns="http://schemas.microsoft.com/VisualStudio/2011/storyboarding/control/v1.0">
-  <Id Name="System.Storyboard.Stencil.StatusBar" RevisionId="00000000-0000-0000-0000-000000000000" Stencil="System.Windows" StencilRevisionId="00000000-0000-0000-0000-000000000000" StencilVersion="1.0"/>
-</Control>
-</file>
-
-<file path=customXml/item67.xml><?xml version="1.0" encoding="utf-8"?>
-<Control xmlns="http://schemas.microsoft.com/VisualStudio/2011/storyboarding/control">
-  <Id Name="System.Storyboarding.Backgrounds.WindowsPhoneLandscape" RevisionId="bdb52a43-f875-417f-a3f8-9b0259dd3051" Stencil="System.Storyboarding.Backgrounds" StencilRevisionId="bdb52a43-f875-417f-a3f8-9b0259dd3051" StencilVersion="0.1"/>
-</Control>
-</file>
-
-<file path=customXml/item68.xml><?xml version="1.0" encoding="utf-8"?>
-<Control xmlns="http://schemas.microsoft.com/VisualStudio/2011/storyboarding/control/v1.0">
-  <Id Name="System.Storyboard.Stencil.Button" RevisionId="00000000-0000-0000-0000-000000000000" Stencil="System.Common" StencilRevisionId="00000000-0000-0000-0000-000000000000" StencilVersion="1.0"/>
-</Control>
-</file>
-
-<file path=customXml/item69.xml><?xml version="1.0" encoding="utf-8"?>
-<Control xmlns="http://schemas.microsoft.com/VisualStudio/2011/storyboarding/control/v1.0">
-  <Id Name="System.Storyboarding.Media.Image" RevisionId="658c0869-8ded-44f2-a68a-f8e8fcb7d3bd" Stencil="System.Storyboarding.Media" StencilRevisionId="658c0869-8ded-44f2-a68a-f8e8fcb7d3bd" StencilVersion="0.1"/>
-</Control>
-</file>
-
-<file path=customXml/item7.xml><?xml version="1.0" encoding="utf-8"?>
-<Control xmlns="http://schemas.microsoft.com/VisualStudio/2011/storyboarding/control/v1.0">
-  <Id Name="System.Storyboard.Stencil.Slider" RevisionId="00000000-0000-0000-0000-000000000000" Stencil="System.Common" StencilRevisionId="00000000-0000-0000-0000-000000000000" StencilVersion="1.0"/>
-</Control>
-</file>
-
-<file path=customXml/item70.xml><?xml version="1.0" encoding="utf-8"?>
-<Control xmlns="http://schemas.microsoft.com/VisualStudio/2011/storyboarding/control/v1.0">
-  <Id Name="System.Storyboard.Stencil.Browser" RevisionId="bdb52a43-f875-417f-a3f8-9b0259dd3051" Stencil="System.Backgrounds" StencilRevisionId="bdb52a43-f875-417f-a3f8-9b0259dd3051" StencilVersion="1.0"/>
-</Control>
-</file>
-
-<file path=customXml/item71.xml><?xml version="1.0" encoding="utf-8"?>
-<Control xmlns="http://schemas.microsoft.com/VisualStudio/2011/storyboarding/control/v1.0">
-  <Id Name="System.Storyboard.Stencil.ColorPicker" RevisionId="00000000-0000-0000-0000-000000000000" Stencil="System.Media" StencilRevisionId="00000000-0000-0000-0000-000000000000" StencilVersion="1.0"/>
-</Control>
-</file>
-
-<file path=customXml/item72.xml><?xml version="1.0" encoding="utf-8"?>
-<Control xmlns="http://schemas.microsoft.com/VisualStudio/2011/storyboarding/control/v1.0">
-  <Id Name="System.Storyboard.Stencil.VideoPlayer" RevisionId="00000000-0000-0000-0000-000000000000" Stencil="System.Media" StencilRevisionId="00000000-0000-0000-0000-000000000000" StencilVersion="1.0"/>
-</Control>
-</file>
-
-<file path=customXml/item73.xml><?xml version="1.0" encoding="utf-8"?>
-<Control xmlns="http://schemas.microsoft.com/VisualStudio/2011/storyboarding/control/v1.0">
-  <Id Name="System.Storyboard.Stencil.PositionControl" RevisionId="00000000-0000-0000-0000-000000000000" Stencil="System.Media" StencilRevisionId="00000000-0000-0000-0000-000000000000" StencilVersion="1.0"/>
-</Control>
-</file>
-
-<file path=customXml/item74.xml><?xml version="1.0" encoding="utf-8"?>
-<Control xmlns="http://schemas.microsoft.com/VisualStudio/2011/storyboarding/control/v1.0">
-  <Id Name="System.Storyboard.Stencil.PhoneNotification" RevisionId="00000000-0000-0000-0000-000000000000" Stencil="System.Windows_Phone_7" StencilRevisionId="00000000-0000-0000-0000-000000000000" StencilVersion="1.0"/>
-</Control>
-</file>
-
-<file path=customXml/item8.xml><?xml version="1.0" encoding="utf-8"?>
-<Control xmlns="http://schemas.microsoft.com/VisualStudio/2011/storyboarding/control">
-  <Id Name="System.Storyboarding.Backgrounds.WebBrowser" RevisionId="bdb52a43-f875-417f-a3f8-9b0259dd3051" Stencil="System.Storyboarding.Backgrounds" StencilRevisionId="bdb52a43-f875-417f-a3f8-9b0259dd3051" StencilVersion="0.1"/>
-</Control>
-</file>
-
-<file path=customXml/item9.xml><?xml version="1.0" encoding="utf-8"?>
-<Control xmlns="http://schemas.microsoft.com/VisualStudio/2011/storyboarding/control/v1.0">
-  <Id Name="System.Storyboard.Stencil.PhoneBrowserBar" RevisionId="00000000-0000-0000-0000-000000000000" Stencil="System.Windows_Phone_7" StencilRevisionId="00000000-0000-0000-0000-000000000000" StencilVersion="1.0"/>
-</Control>
-</file>
-
 <file path=customXml/itemProps1.xml><?xml version="1.0" encoding="utf-8"?>
+<ds:datastoreItem xmlns:ds="http://schemas.openxmlformats.org/officeDocument/2006/customXml" ds:itemID="{CC419530-796D-4DBE-BBEE-9A6630A896E1}">
+  <ds:schemaRefs>
+    <ds:schemaRef ds:uri="http://schemas.microsoft.com/VisualStudio/2011/storyboarding/control/v1.0"/>
+  </ds:schemaRefs>
+</ds:datastoreItem>
+</file>
+
+<file path=customXml/itemProps10.xml><?xml version="1.0" encoding="utf-8"?>
+<ds:datastoreItem xmlns:ds="http://schemas.openxmlformats.org/officeDocument/2006/customXml" ds:itemID="{20EE139D-44C7-4192-A8B7-E25390148E28}">
+  <ds:schemaRefs>
+    <ds:schemaRef ds:uri="http://schemas.microsoft.com/VisualStudio/2011/storyboarding/control/v1.0"/>
+  </ds:schemaRefs>
+</ds:datastoreItem>
+</file>
+
+<file path=customXml/itemProps11.xml><?xml version="1.0" encoding="utf-8"?>
+<ds:datastoreItem xmlns:ds="http://schemas.openxmlformats.org/officeDocument/2006/customXml" ds:itemID="{63E5DE85-F05E-4507-B223-806D8F49F058}">
+  <ds:schemaRefs>
+    <ds:schemaRef ds:uri="http://schemas.microsoft.com/VisualStudio/2011/storyboarding/control/v1.0"/>
+  </ds:schemaRefs>
+</ds:datastoreItem>
+</file>
+
+<file path=customXml/itemProps12.xml><?xml version="1.0" encoding="utf-8"?>
+<ds:datastoreItem xmlns:ds="http://schemas.openxmlformats.org/officeDocument/2006/customXml" ds:itemID="{D356E6DB-54C9-4389-B932-0F583366BD4B}">
+  <ds:schemaRefs>
+    <ds:schemaRef ds:uri="http://schemas.microsoft.com/VisualStudio/2011/storyboarding/control/v1.0"/>
+  </ds:schemaRefs>
+</ds:datastoreItem>
+</file>
+
+<file path=customXml/itemProps13.xml><?xml version="1.0" encoding="utf-8"?>
+<ds:datastoreItem xmlns:ds="http://schemas.openxmlformats.org/officeDocument/2006/customXml" ds:itemID="{4EE14C2A-AD9F-4617-A8CC-4057921BFCA8}">
+  <ds:schemaRefs>
+    <ds:schemaRef ds:uri="http://schemas.microsoft.com/VisualStudio/2011/storyboarding/control/v1.0"/>
+  </ds:schemaRefs>
+</ds:datastoreItem>
+</file>
+
+<file path=customXml/itemProps14.xml><?xml version="1.0" encoding="utf-8"?>
+<ds:datastoreItem xmlns:ds="http://schemas.openxmlformats.org/officeDocument/2006/customXml" ds:itemID="{416D00B5-FBFE-483F-BE84-520287240459}">
+  <ds:schemaRefs>
+    <ds:schemaRef ds:uri="http://schemas.microsoft.com/VisualStudio/2011/storyboarding/control/v1.0"/>
+  </ds:schemaRefs>
+</ds:datastoreItem>
+</file>
+
+<file path=customXml/itemProps15.xml><?xml version="1.0" encoding="utf-8"?>
+<ds:datastoreItem xmlns:ds="http://schemas.openxmlformats.org/officeDocument/2006/customXml" ds:itemID="{63E54A0C-A919-4747-87DB-6EB5DB41F719}">
+  <ds:schemaRefs>
+    <ds:schemaRef ds:uri="http://schemas.microsoft.com/VisualStudio/2011/storyboarding/control/v1.0"/>
+  </ds:schemaRefs>
+</ds:datastoreItem>
+</file>
+
+<file path=customXml/itemProps16.xml><?xml version="1.0" encoding="utf-8"?>
+<ds:datastoreItem xmlns:ds="http://schemas.openxmlformats.org/officeDocument/2006/customXml" ds:itemID="{6B22741B-5AC6-4A2C-A57A-E4BDF22E0A90}">
+  <ds:schemaRefs>
+    <ds:schemaRef ds:uri="http://schemas.microsoft.com/VisualStudio/2011/storyboarding/control/v1.0"/>
+  </ds:schemaRefs>
+</ds:datastoreItem>
+</file>
+
+<file path=customXml/itemProps17.xml><?xml version="1.0" encoding="utf-8"?>
+<ds:datastoreItem xmlns:ds="http://schemas.openxmlformats.org/officeDocument/2006/customXml" ds:itemID="{379BFC32-51F7-4218-B2AD-CFD6564CE11F}">
+  <ds:schemaRefs>
+    <ds:schemaRef ds:uri="http://schemas.microsoft.com/VisualStudio/2011/storyboarding/control"/>
+  </ds:schemaRefs>
+</ds:datastoreItem>
+</file>
+
+<file path=customXml/itemProps18.xml><?xml version="1.0" encoding="utf-8"?>
+<ds:datastoreItem xmlns:ds="http://schemas.openxmlformats.org/officeDocument/2006/customXml" ds:itemID="{6574190A-3D9E-42C1-B276-38E33156AA99}">
+  <ds:schemaRefs>
+    <ds:schemaRef ds:uri="http://schemas.microsoft.com/VisualStudio/2011/storyboarding/control/v1.0"/>
+  </ds:schemaRefs>
+</ds:datastoreItem>
+</file>
+
+<file path=customXml/itemProps19.xml><?xml version="1.0" encoding="utf-8"?>
+<ds:datastoreItem xmlns:ds="http://schemas.openxmlformats.org/officeDocument/2006/customXml" ds:itemID="{9C57ED54-5F7A-476D-BFE2-C46C7230CC6B}">
+  <ds:schemaRefs>
+    <ds:schemaRef ds:uri="http://schemas.microsoft.com/VisualStudio/2011/storyboarding/control/v1.0"/>
+  </ds:schemaRefs>
+</ds:datastoreItem>
+</file>
+
+<file path=customXml/itemProps2.xml><?xml version="1.0" encoding="utf-8"?>
+<ds:datastoreItem xmlns:ds="http://schemas.openxmlformats.org/officeDocument/2006/customXml" ds:itemID="{B2C9D19C-4878-43E0-A5AD-CB76AB49D960}">
+  <ds:schemaRefs>
+    <ds:schemaRef ds:uri="http://schemas.microsoft.com/VisualStudio/2011/storyboarding/control/v1.0"/>
+  </ds:schemaRefs>
+</ds:datastoreItem>
+</file>
+
+<file path=customXml/itemProps20.xml><?xml version="1.0" encoding="utf-8"?>
+<ds:datastoreItem xmlns:ds="http://schemas.openxmlformats.org/officeDocument/2006/customXml" ds:itemID="{E9C4CBB0-7D2F-42EC-9ED0-589327F3DDE1}">
+  <ds:schemaRefs>
+    <ds:schemaRef ds:uri="http://schemas.microsoft.com/VisualStudio/2011/storyboarding/control"/>
+  </ds:schemaRefs>
+</ds:datastoreItem>
+</file>
+
+<file path=customXml/itemProps21.xml><?xml version="1.0" encoding="utf-8"?>
+<ds:datastoreItem xmlns:ds="http://schemas.openxmlformats.org/officeDocument/2006/customXml" ds:itemID="{7BF16C54-4775-4FA7-AF88-98AF6D5E8CA6}">
+  <ds:schemaRefs>
+    <ds:schemaRef ds:uri="http://schemas.microsoft.com/VisualStudio/2011/storyboarding/control/v1.0"/>
+  </ds:schemaRefs>
+</ds:datastoreItem>
+</file>
+
+<file path=customXml/itemProps22.xml><?xml version="1.0" encoding="utf-8"?>
+<ds:datastoreItem xmlns:ds="http://schemas.openxmlformats.org/officeDocument/2006/customXml" ds:itemID="{CB953D38-E965-4BB2-94FE-DF647E85A654}">
+  <ds:schemaRefs>
+    <ds:schemaRef ds:uri="http://schemas.microsoft.com/VisualStudio/2011/storyboarding/control/v1.0"/>
+  </ds:schemaRefs>
+</ds:datastoreItem>
+</file>
+
+<file path=customXml/itemProps23.xml><?xml version="1.0" encoding="utf-8"?>
+<ds:datastoreItem xmlns:ds="http://schemas.openxmlformats.org/officeDocument/2006/customXml" ds:itemID="{253B000D-0B23-420C-B5B5-11B6002E5391}">
+  <ds:schemaRefs>
+    <ds:schemaRef ds:uri="http://schemas.microsoft.com/VisualStudio/2011/storyboarding/control/v1.0"/>
+  </ds:schemaRefs>
+</ds:datastoreItem>
+</file>
+
+<file path=customXml/itemProps24.xml><?xml version="1.0" encoding="utf-8"?>
+<ds:datastoreItem xmlns:ds="http://schemas.openxmlformats.org/officeDocument/2006/customXml" ds:itemID="{9C4C7B07-3AE3-46A1-A54D-2BDFAB93A8EF}">
+  <ds:schemaRefs>
+    <ds:schemaRef ds:uri="http://schemas.microsoft.com/VisualStudio/2011/storyboarding/control/v1.0"/>
+  </ds:schemaRefs>
+</ds:datastoreItem>
+</file>
+
+<file path=customXml/itemProps25.xml><?xml version="1.0" encoding="utf-8"?>
+<ds:datastoreItem xmlns:ds="http://schemas.openxmlformats.org/officeDocument/2006/customXml" ds:itemID="{0BD21A30-063A-4397-97B8-0121D45BD9D6}">
+  <ds:schemaRefs>
+    <ds:schemaRef ds:uri="http://schemas.microsoft.com/VisualStudio/2011/storyboarding/control/v1.0"/>
+  </ds:schemaRefs>
+</ds:datastoreItem>
+</file>
+
+<file path=customXml/itemProps26.xml><?xml version="1.0" encoding="utf-8"?>
+<ds:datastoreItem xmlns:ds="http://schemas.openxmlformats.org/officeDocument/2006/customXml" ds:itemID="{387838C4-29F2-40AB-9647-8346D39956AB}">
+  <ds:schemaRefs>
+    <ds:schemaRef ds:uri="http://schemas.microsoft.com/VisualStudio/2011/storyboarding/control"/>
+  </ds:schemaRefs>
+</ds:datastoreItem>
+</file>
+
+<file path=customXml/itemProps27.xml><?xml version="1.0" encoding="utf-8"?>
+<ds:datastoreItem xmlns:ds="http://schemas.openxmlformats.org/officeDocument/2006/customXml" ds:itemID="{A2DAA52B-5F52-4A8E-B601-7BF162CD738F}">
+  <ds:schemaRefs>
+    <ds:schemaRef ds:uri="http://schemas.microsoft.com/VisualStudio/2011/storyboarding/control/v1.0"/>
+  </ds:schemaRefs>
+</ds:datastoreItem>
+</file>
+
+<file path=customXml/itemProps28.xml><?xml version="1.0" encoding="utf-8"?>
+<ds:datastoreItem xmlns:ds="http://schemas.openxmlformats.org/officeDocument/2006/customXml" ds:itemID="{156ACD54-663F-4146-A83C-D39B7758E090}">
+  <ds:schemaRefs>
+    <ds:schemaRef ds:uri="http://schemas.microsoft.com/VisualStudio/2011/storyboarding/control/v1.0"/>
+  </ds:schemaRefs>
+</ds:datastoreItem>
+</file>
+
+<file path=customXml/itemProps29.xml><?xml version="1.0" encoding="utf-8"?>
+<ds:datastoreItem xmlns:ds="http://schemas.openxmlformats.org/officeDocument/2006/customXml" ds:itemID="{188F6680-9EB8-4B03-8D3B-773D66FC777A}">
+  <ds:schemaRefs>
+    <ds:schemaRef ds:uri="http://schemas.microsoft.com/VisualStudio/2011/storyboarding/control/v1.0"/>
+  </ds:schemaRefs>
+</ds:datastoreItem>
+</file>
+
+<file path=customXml/itemProps3.xml><?xml version="1.0" encoding="utf-8"?>
+<ds:datastoreItem xmlns:ds="http://schemas.openxmlformats.org/officeDocument/2006/customXml" ds:itemID="{C1E8400F-CB83-4A16-AF3D-36FAF22BDD23}">
+  <ds:schemaRefs>
+    <ds:schemaRef ds:uri="http://schemas.microsoft.com/VisualStudio/2011/storyboarding/control/v1.0"/>
+  </ds:schemaRefs>
+</ds:datastoreItem>
+</file>
+
+<file path=customXml/itemProps30.xml><?xml version="1.0" encoding="utf-8"?>
+<ds:datastoreItem xmlns:ds="http://schemas.openxmlformats.org/officeDocument/2006/customXml" ds:itemID="{B7BD4F34-B154-4D92-BE87-C557EB1B7EFB}">
+  <ds:schemaRefs>
+    <ds:schemaRef ds:uri="http://schemas.microsoft.com/sharepoint/v3/contenttype/forms"/>
+  </ds:schemaRefs>
+</ds:datastoreItem>
+</file>
+
+<file path=customXml/itemProps31.xml><?xml version="1.0" encoding="utf-8"?>
+<ds:datastoreItem xmlns:ds="http://schemas.openxmlformats.org/officeDocument/2006/customXml" ds:itemID="{5E2E8CE4-298D-499A-B8B4-4A593AC844A5}">
+  <ds:schemaRefs>
+    <ds:schemaRef ds:uri="http://schemas.microsoft.com/VisualStudio/2011/storyboarding/control/v1.0"/>
+  </ds:schemaRefs>
+</ds:datastoreItem>
+</file>
+
+<file path=customXml/itemProps32.xml><?xml version="1.0" encoding="utf-8"?>
+<ds:datastoreItem xmlns:ds="http://schemas.openxmlformats.org/officeDocument/2006/customXml" ds:itemID="{70C23831-7801-40F8-9A53-4E9925562CBE}">
+  <ds:schemaRefs>
+    <ds:schemaRef ds:uri="http://schemas.microsoft.com/VisualStudio/2011/storyboarding/control"/>
+  </ds:schemaRefs>
+</ds:datastoreItem>
+</file>
+
+<file path=customXml/itemProps33.xml><?xml version="1.0" encoding="utf-8"?>
+<ds:datastoreItem xmlns:ds="http://schemas.openxmlformats.org/officeDocument/2006/customXml" ds:itemID="{A1B88D5F-41A7-488A-960C-6D819000899D}">
+  <ds:schemaRefs>
+    <ds:schemaRef ds:uri="http://schemas.microsoft.com/VisualStudio/2011/storyboarding/control/v1.0"/>
+  </ds:schemaRefs>
+</ds:datastoreItem>
+</file>
+
+<file path=customXml/itemProps34.xml><?xml version="1.0" encoding="utf-8"?>
+<ds:datastoreItem xmlns:ds="http://schemas.openxmlformats.org/officeDocument/2006/customXml" ds:itemID="{B41892D7-DF8B-4D5A-8AD2-983048A35AA0}">
+  <ds:schemaRefs>
+    <ds:schemaRef ds:uri="http://schemas.microsoft.com/VisualStudio/2011/storyboarding/control/v1.0"/>
+  </ds:schemaRefs>
+</ds:datastoreItem>
+</file>
+
+<file path=customXml/itemProps35.xml><?xml version="1.0" encoding="utf-8"?>
+<ds:datastoreItem xmlns:ds="http://schemas.openxmlformats.org/officeDocument/2006/customXml" ds:itemID="{E4A0845B-41B6-4256-8FB3-E31EA581BF55}">
+  <ds:schemaRefs>
+    <ds:schemaRef ds:uri="http://schemas.microsoft.com/VisualStudio/2011/storyboarding/control/v1.0"/>
+  </ds:schemaRefs>
+</ds:datastoreItem>
+</file>
+
+<file path=customXml/itemProps36.xml><?xml version="1.0" encoding="utf-8"?>
+<ds:datastoreItem xmlns:ds="http://schemas.openxmlformats.org/officeDocument/2006/customXml" ds:itemID="{A6ECB6E0-BD84-4681-8699-56A1B3F36A60}">
+  <ds:schemaRefs>
+    <ds:schemaRef ds:uri="http://schemas.microsoft.com/VisualStudio/2011/storyboarding/control"/>
+  </ds:schemaRefs>
+</ds:datastoreItem>
+</file>
+
+<file path=customXml/itemProps37.xml><?xml version="1.0" encoding="utf-8"?>
+<ds:datastoreItem xmlns:ds="http://schemas.openxmlformats.org/officeDocument/2006/customXml" ds:itemID="{E2EFB470-892C-4F70-98FA-B53F970592A9}">
+  <ds:schemaRefs>
+    <ds:schemaRef ds:uri="http://schemas.microsoft.com/VisualStudio/2011/storyboarding/control"/>
+  </ds:schemaRefs>
+</ds:datastoreItem>
+</file>
+
+<file path=customXml/itemProps38.xml><?xml version="1.0" encoding="utf-8"?>
+<ds:datastoreItem xmlns:ds="http://schemas.openxmlformats.org/officeDocument/2006/customXml" ds:itemID="{E4D924B8-E923-4751-87E1-B31AA64A9F7B}">
+  <ds:schemaRefs>
+    <ds:schemaRef ds:uri="http://schemas.microsoft.com/VisualStudio/2011/storyboarding/control/v1.0"/>
+  </ds:schemaRefs>
+</ds:datastoreItem>
+</file>
+
+<file path=customXml/itemProps39.xml><?xml version="1.0" encoding="utf-8"?>
+<ds:datastoreItem xmlns:ds="http://schemas.openxmlformats.org/officeDocument/2006/customXml" ds:itemID="{18A6A270-A75C-4D7E-86E4-765FF07C5144}">
+  <ds:schemaRefs>
+    <ds:schemaRef ds:uri="http://schemas.microsoft.com/sharepoint/events"/>
+  </ds:schemaRefs>
+</ds:datastoreItem>
+</file>
+
+<file path=customXml/itemProps4.xml><?xml version="1.0" encoding="utf-8"?>
+<ds:datastoreItem xmlns:ds="http://schemas.openxmlformats.org/officeDocument/2006/customXml" ds:itemID="{1AF31726-A62F-4331-8622-ED351D5149B7}">
+  <ds:schemaRefs>
+    <ds:schemaRef ds:uri="http://schemas.microsoft.com/VisualStudio/2011/storyboarding/control"/>
+  </ds:schemaRefs>
+</ds:datastoreItem>
+</file>
+
+<file path=customXml/itemProps40.xml><?xml version="1.0" encoding="utf-8"?>
+<ds:datastoreItem xmlns:ds="http://schemas.openxmlformats.org/officeDocument/2006/customXml" ds:itemID="{AECE9E1B-E7C1-46F6-9945-164C1E49BE74}">
+  <ds:schemaRefs>
+    <ds:schemaRef ds:uri="http://schemas.microsoft.com/VisualStudio/2011/storyboarding/control/v1.0"/>
+  </ds:schemaRefs>
+</ds:datastoreItem>
+</file>
+
+<file path=customXml/itemProps41.xml><?xml version="1.0" encoding="utf-8"?>
+<ds:datastoreItem xmlns:ds="http://schemas.openxmlformats.org/officeDocument/2006/customXml" ds:itemID="{19CB1DF2-8822-4520-A56A-045D340F0C71}">
+  <ds:schemaRefs>
+    <ds:schemaRef ds:uri="http://schemas.microsoft.com/VisualStudio/2011/storyboarding/control/v1.0"/>
+  </ds:schemaRefs>
+</ds:datastoreItem>
+</file>
+
+<file path=customXml/itemProps42.xml><?xml version="1.0" encoding="utf-8"?>
+<ds:datastoreItem xmlns:ds="http://schemas.openxmlformats.org/officeDocument/2006/customXml" ds:itemID="{53BC856C-B486-437D-A7B4-612AE9417D7A}">
+  <ds:schemaRefs>
+    <ds:schemaRef ds:uri="http://schemas.microsoft.com/VisualStudio/2011/storyboarding/control/v1.0"/>
+  </ds:schemaRefs>
+</ds:datastoreItem>
+</file>
+
+<file path=customXml/itemProps43.xml><?xml version="1.0" encoding="utf-8"?>
 <ds:datastoreItem xmlns:ds="http://schemas.openxmlformats.org/officeDocument/2006/customXml" ds:itemID="{DDEEC505-9111-44CE-9DED-8A454ABEC272}">
   <ds:schemaRefs>
     <ds:schemaRef ds:uri="http://schemas.microsoft.com/VisualStudio/2011/storyboarding/control/v1.0"/>
@@ -18224,7 +17992,71 @@
 </ds:datastoreItem>
 </file>
 
-<file path=customXml/itemProps10.xml><?xml version="1.0" encoding="utf-8"?>
+<file path=customXml/itemProps44.xml><?xml version="1.0" encoding="utf-8"?>
+<ds:datastoreItem xmlns:ds="http://schemas.openxmlformats.org/officeDocument/2006/customXml" ds:itemID="{16772130-8F5D-442B-AA11-39D4F229ACC6}">
+  <ds:schemaRefs>
+    <ds:schemaRef ds:uri="http://schemas.microsoft.com/VisualStudio/2011/storyboarding/control/v1.0"/>
+  </ds:schemaRefs>
+</ds:datastoreItem>
+</file>
+
+<file path=customXml/itemProps45.xml><?xml version="1.0" encoding="utf-8"?>
+<ds:datastoreItem xmlns:ds="http://schemas.openxmlformats.org/officeDocument/2006/customXml" ds:itemID="{4CFA599C-9F1C-4AB4-AB4F-10CF77B58F79}">
+  <ds:schemaRefs>
+    <ds:schemaRef ds:uri="http://schemas.microsoft.com/VisualStudio/2011/storyboarding/control/v1.0"/>
+  </ds:schemaRefs>
+</ds:datastoreItem>
+</file>
+
+<file path=customXml/itemProps46.xml><?xml version="1.0" encoding="utf-8"?>
+<ds:datastoreItem xmlns:ds="http://schemas.openxmlformats.org/officeDocument/2006/customXml" ds:itemID="{07B11A95-7731-4379-9E1B-32BC87FA2B56}">
+  <ds:schemaRefs>
+    <ds:schemaRef ds:uri="http://schemas.microsoft.com/VisualStudio/2011/storyboarding/control/v1.0"/>
+  </ds:schemaRefs>
+</ds:datastoreItem>
+</file>
+
+<file path=customXml/itemProps47.xml><?xml version="1.0" encoding="utf-8"?>
+<ds:datastoreItem xmlns:ds="http://schemas.openxmlformats.org/officeDocument/2006/customXml" ds:itemID="{E6C688DD-065A-4726-BCE5-E5AFDA3F5641}">
+  <ds:schemaRefs>
+    <ds:schemaRef ds:uri="http://schemas.microsoft.com/VisualStudio/2011/storyboarding/control/v1.0"/>
+  </ds:schemaRefs>
+</ds:datastoreItem>
+</file>
+
+<file path=customXml/itemProps48.xml><?xml version="1.0" encoding="utf-8"?>
+<ds:datastoreItem xmlns:ds="http://schemas.openxmlformats.org/officeDocument/2006/customXml" ds:itemID="{699689A1-427B-4DEA-8FDB-0058CB4B38D8}">
+  <ds:schemaRefs>
+    <ds:schemaRef ds:uri="http://schemas.microsoft.com/VisualStudio/2011/storyboarding/control/v1.0"/>
+  </ds:schemaRefs>
+</ds:datastoreItem>
+</file>
+
+<file path=customXml/itemProps49.xml><?xml version="1.0" encoding="utf-8"?>
+<ds:datastoreItem xmlns:ds="http://schemas.openxmlformats.org/officeDocument/2006/customXml" ds:itemID="{3C6220BE-0F2A-49C6-BFB2-C458479F3F62}">
+  <ds:schemaRefs>
+    <ds:schemaRef ds:uri="http://schemas.microsoft.com/VisualStudio/2011/storyboarding/control/v1.0"/>
+  </ds:schemaRefs>
+</ds:datastoreItem>
+</file>
+
+<file path=customXml/itemProps5.xml><?xml version="1.0" encoding="utf-8"?>
+<ds:datastoreItem xmlns:ds="http://schemas.openxmlformats.org/officeDocument/2006/customXml" ds:itemID="{B4BE880E-F71A-4C21-A1C3-8A2437E3C677}">
+  <ds:schemaRefs>
+    <ds:schemaRef ds:uri="http://schemas.microsoft.com/VisualStudio/2011/storyboarding/control/v1.0"/>
+  </ds:schemaRefs>
+</ds:datastoreItem>
+</file>
+
+<file path=customXml/itemProps50.xml><?xml version="1.0" encoding="utf-8"?>
+<ds:datastoreItem xmlns:ds="http://schemas.openxmlformats.org/officeDocument/2006/customXml" ds:itemID="{C4783010-23AB-4BDC-BABF-F6576658A2B0}">
+  <ds:schemaRefs>
+    <ds:schemaRef ds:uri="http://schemas.microsoft.com/VisualStudio/2011/storyboarding/control/v1.0"/>
+  </ds:schemaRefs>
+</ds:datastoreItem>
+</file>
+
+<file path=customXml/itemProps51.xml><?xml version="1.0" encoding="utf-8"?>
 <ds:datastoreItem xmlns:ds="http://schemas.openxmlformats.org/officeDocument/2006/customXml" ds:itemID="{288CEDBF-3F9B-47CF-AF84-2B8486359159}">
   <ds:schemaRefs>
     <ds:schemaRef ds:uri="http://schemas.microsoft.com/VisualStudio/2011/storyboarding/control/v1.0"/>
@@ -18232,7 +18064,215 @@
 </ds:datastoreItem>
 </file>
 
-<file path=customXml/itemProps11.xml><?xml version="1.0" encoding="utf-8"?>
+<file path=customXml/itemProps52.xml><?xml version="1.0" encoding="utf-8"?>
+<ds:datastoreItem xmlns:ds="http://schemas.openxmlformats.org/officeDocument/2006/customXml" ds:itemID="{D8E0912A-795B-4916-9114-34B4F28A0EE3}">
+  <ds:schemaRefs>
+    <ds:schemaRef ds:uri="http://schemas.microsoft.com/VisualStudio/2011/storyboarding/control/v1.0"/>
+  </ds:schemaRefs>
+</ds:datastoreItem>
+</file>
+
+<file path=customXml/itemProps53.xml><?xml version="1.0" encoding="utf-8"?>
+<ds:datastoreItem xmlns:ds="http://schemas.openxmlformats.org/officeDocument/2006/customXml" ds:itemID="{574C0546-69B0-4850-A983-CDA8017CD4CE}">
+  <ds:schemaRefs>
+    <ds:schemaRef ds:uri="http://schemas.microsoft.com/VisualStudio/2011/storyboarding/control"/>
+  </ds:schemaRefs>
+</ds:datastoreItem>
+</file>
+
+<file path=customXml/itemProps54.xml><?xml version="1.0" encoding="utf-8"?>
+<ds:datastoreItem xmlns:ds="http://schemas.openxmlformats.org/officeDocument/2006/customXml" ds:itemID="{D705ACE5-FAF8-44EC-9622-845721B4A44D}">
+  <ds:schemaRefs>
+    <ds:schemaRef ds:uri="http://schemas.microsoft.com/VisualStudio/2011/storyboarding/control/v1.0"/>
+  </ds:schemaRefs>
+</ds:datastoreItem>
+</file>
+
+<file path=customXml/itemProps55.xml><?xml version="1.0" encoding="utf-8"?>
+<ds:datastoreItem xmlns:ds="http://schemas.openxmlformats.org/officeDocument/2006/customXml" ds:itemID="{7C4FADB9-82C5-46C4-AD0E-6B60B5C6AEAE}">
+  <ds:schemaRefs>
+    <ds:schemaRef ds:uri="http://schemas.microsoft.com/VisualStudio/2011/storyboarding/control/v1.0"/>
+  </ds:schemaRefs>
+</ds:datastoreItem>
+</file>
+
+<file path=customXml/itemProps56.xml><?xml version="1.0" encoding="utf-8"?>
+<ds:datastoreItem xmlns:ds="http://schemas.openxmlformats.org/officeDocument/2006/customXml" ds:itemID="{39536A02-E179-4A1C-9FA7-86EF40631969}">
+  <ds:schemaRefs>
+    <ds:schemaRef ds:uri="http://schemas.microsoft.com/VisualStudio/2011/storyboarding/control/v1.0"/>
+  </ds:schemaRefs>
+</ds:datastoreItem>
+</file>
+
+<file path=customXml/itemProps57.xml><?xml version="1.0" encoding="utf-8"?>
+<ds:datastoreItem xmlns:ds="http://schemas.openxmlformats.org/officeDocument/2006/customXml" ds:itemID="{F17D5AF6-3BD9-4DFF-AE9B-2E10D3430779}">
+  <ds:schemaRefs>
+    <ds:schemaRef ds:uri="http://schemas.microsoft.com/VisualStudio/2011/storyboarding/control/v1.0"/>
+  </ds:schemaRefs>
+</ds:datastoreItem>
+</file>
+
+<file path=customXml/itemProps58.xml><?xml version="1.0" encoding="utf-8"?>
+<ds:datastoreItem xmlns:ds="http://schemas.openxmlformats.org/officeDocument/2006/customXml" ds:itemID="{729DB56D-F542-4709-9AE0-E83CD92BA163}">
+  <ds:schemaRefs>
+    <ds:schemaRef ds:uri="http://schemas.microsoft.com/VisualStudio/2011/storyboarding/control/v1.0"/>
+  </ds:schemaRefs>
+</ds:datastoreItem>
+</file>
+
+<file path=customXml/itemProps59.xml><?xml version="1.0" encoding="utf-8"?>
+<ds:datastoreItem xmlns:ds="http://schemas.openxmlformats.org/officeDocument/2006/customXml" ds:itemID="{CD17C18B-5B11-471F-97AA-CE2EA822BB97}">
+  <ds:schemaRefs>
+    <ds:schemaRef ds:uri="http://schemas.microsoft.com/VisualStudio/2011/storyboarding/control/v1.0"/>
+  </ds:schemaRefs>
+</ds:datastoreItem>
+</file>
+
+<file path=customXml/itemProps6.xml><?xml version="1.0" encoding="utf-8"?>
+<ds:datastoreItem xmlns:ds="http://schemas.openxmlformats.org/officeDocument/2006/customXml" ds:itemID="{A84BE01C-E91B-4A90-8E7F-25887EF8E061}">
+  <ds:schemaRefs>
+    <ds:schemaRef ds:uri="http://schemas.microsoft.com/VisualStudio/2011/storyboarding/control/v1.0"/>
+  </ds:schemaRefs>
+</ds:datastoreItem>
+</file>
+
+<file path=customXml/itemProps60.xml><?xml version="1.0" encoding="utf-8"?>
+<ds:datastoreItem xmlns:ds="http://schemas.openxmlformats.org/officeDocument/2006/customXml" ds:itemID="{BA2C55E9-BDE8-41FC-B02F-EBA8C07A01F8}">
+  <ds:schemaRefs>
+    <ds:schemaRef ds:uri="http://schemas.microsoft.com/VisualStudio/2011/storyboarding/control/v1.0"/>
+  </ds:schemaRefs>
+</ds:datastoreItem>
+</file>
+
+<file path=customXml/itemProps61.xml><?xml version="1.0" encoding="utf-8"?>
+<ds:datastoreItem xmlns:ds="http://schemas.openxmlformats.org/officeDocument/2006/customXml" ds:itemID="{AA5E4F96-8C72-44F9-A0C5-FB007B246D91}">
+  <ds:schemaRefs>
+    <ds:schemaRef ds:uri="http://schemas.microsoft.com/VisualStudio/2011/storyboarding/control/v1.0"/>
+  </ds:schemaRefs>
+</ds:datastoreItem>
+</file>
+
+<file path=customXml/itemProps62.xml><?xml version="1.0" encoding="utf-8"?>
+<ds:datastoreItem xmlns:ds="http://schemas.openxmlformats.org/officeDocument/2006/customXml" ds:itemID="{F395D8ED-A0D3-4F6E-91F3-A29EC16A8083}">
+  <ds:schemaRefs>
+    <ds:schemaRef ds:uri="http://schemas.microsoft.com/VisualStudio/2011/storyboarding/control/v1.0"/>
+  </ds:schemaRefs>
+</ds:datastoreItem>
+</file>
+
+<file path=customXml/itemProps63.xml><?xml version="1.0" encoding="utf-8"?>
+<ds:datastoreItem xmlns:ds="http://schemas.openxmlformats.org/officeDocument/2006/customXml" ds:itemID="{4BCB20A2-9850-49DA-9BD6-A5D2B0ABF72F}">
+  <ds:schemaRefs>
+    <ds:schemaRef ds:uri="http://schemas.microsoft.com/VisualStudio/2011/storyboarding/control/v1.0"/>
+  </ds:schemaRefs>
+</ds:datastoreItem>
+</file>
+
+<file path=customXml/itemProps64.xml><?xml version="1.0" encoding="utf-8"?>
+<ds:datastoreItem xmlns:ds="http://schemas.openxmlformats.org/officeDocument/2006/customXml" ds:itemID="{5423C7C4-EE26-4ED2-9F11-C9ABAA081BA5}">
+  <ds:schemaRefs>
+    <ds:schemaRef ds:uri="http://schemas.microsoft.com/VisualStudio/2011/storyboarding/control/v1.0"/>
+  </ds:schemaRefs>
+</ds:datastoreItem>
+</file>
+
+<file path=customXml/itemProps65.xml><?xml version="1.0" encoding="utf-8"?>
+<ds:datastoreItem xmlns:ds="http://schemas.openxmlformats.org/officeDocument/2006/customXml" ds:itemID="{AB006AED-D3B6-450F-A436-759E490055A5}">
+  <ds:schemaRefs>
+    <ds:schemaRef ds:uri="http://schemas.microsoft.com/VisualStudio/2011/storyboarding/control/v1.0"/>
+  </ds:schemaRefs>
+</ds:datastoreItem>
+</file>
+
+<file path=customXml/itemProps66.xml><?xml version="1.0" encoding="utf-8"?>
+<ds:datastoreItem xmlns:ds="http://schemas.openxmlformats.org/officeDocument/2006/customXml" ds:itemID="{E2968586-6EB5-4B3C-A2E1-82E35F695B75}">
+  <ds:schemaRefs>
+    <ds:schemaRef ds:uri="http://schemas.microsoft.com/VisualStudio/2011/storyboarding/control/v1.0"/>
+  </ds:schemaRefs>
+</ds:datastoreItem>
+</file>
+
+<file path=customXml/itemProps67.xml><?xml version="1.0" encoding="utf-8"?>
+<ds:datastoreItem xmlns:ds="http://schemas.openxmlformats.org/officeDocument/2006/customXml" ds:itemID="{B571350C-23C3-4B5A-8F49-FBEB6CF22964}">
+  <ds:schemaRefs>
+    <ds:schemaRef ds:uri="http://schemas.microsoft.com/VisualStudio/2011/storyboarding/control/v1.0"/>
+  </ds:schemaRefs>
+</ds:datastoreItem>
+</file>
+
+<file path=customXml/itemProps68.xml><?xml version="1.0" encoding="utf-8"?>
+<ds:datastoreItem xmlns:ds="http://schemas.openxmlformats.org/officeDocument/2006/customXml" ds:itemID="{6772C88A-36A0-4EAC-86A3-BB16EEADAB3E}">
+  <ds:schemaRefs>
+    <ds:schemaRef ds:uri="http://schemas.microsoft.com/VisualStudio/2011/storyboarding/control/v1.0"/>
+  </ds:schemaRefs>
+</ds:datastoreItem>
+</file>
+
+<file path=customXml/itemProps69.xml><?xml version="1.0" encoding="utf-8"?>
+<ds:datastoreItem xmlns:ds="http://schemas.openxmlformats.org/officeDocument/2006/customXml" ds:itemID="{814432F2-7AE9-411E-9F7B-EBBF16C4666D}">
+  <ds:schemaRefs>
+    <ds:schemaRef ds:uri="http://schemas.microsoft.com/VisualStudio/2011/storyboarding/control/v1.0"/>
+  </ds:schemaRefs>
+</ds:datastoreItem>
+</file>
+
+<file path=customXml/itemProps7.xml><?xml version="1.0" encoding="utf-8"?>
+<ds:datastoreItem xmlns:ds="http://schemas.openxmlformats.org/officeDocument/2006/customXml" ds:itemID="{A9E9510A-02AF-4564-9E17-46676C80E84C}">
+  <ds:schemaRefs>
+    <ds:schemaRef ds:uri="http://purl.org/dc/dcmitype/"/>
+    <ds:schemaRef ds:uri="http://www.w3.org/XML/1998/namespace"/>
+    <ds:schemaRef ds:uri="b4ebf394-daf6-497a-96c5-a2f8c10b38cf"/>
+    <ds:schemaRef ds:uri="http://purl.org/dc/terms/"/>
+    <ds:schemaRef ds:uri="http://schemas.microsoft.com/office/2006/documentManagement/types"/>
+    <ds:schemaRef ds:uri="http://schemas.openxmlformats.org/package/2006/metadata/core-properties"/>
+    <ds:schemaRef ds:uri="http://purl.org/dc/elements/1.1/"/>
+    <ds:schemaRef ds:uri="http://schemas.microsoft.com/office/2006/metadata/properties"/>
+    <ds:schemaRef ds:uri="http://schemas.microsoft.com/office/infopath/2007/PartnerControls"/>
+  </ds:schemaRefs>
+</ds:datastoreItem>
+</file>
+
+<file path=customXml/itemProps70.xml><?xml version="1.0" encoding="utf-8"?>
+<ds:datastoreItem xmlns:ds="http://schemas.openxmlformats.org/officeDocument/2006/customXml" ds:itemID="{2B6243A2-99B5-42ED-B049-93E27D774527}">
+  <ds:schemaRefs>
+    <ds:schemaRef ds:uri="http://schemas.microsoft.com/VisualStudio/2011/storyboarding/control/v1.0"/>
+  </ds:schemaRefs>
+</ds:datastoreItem>
+</file>
+
+<file path=customXml/itemProps71.xml><?xml version="1.0" encoding="utf-8"?>
+<ds:datastoreItem xmlns:ds="http://schemas.openxmlformats.org/officeDocument/2006/customXml" ds:itemID="{EDE713BE-A567-491C-902D-E6087D824056}">
+  <ds:schemaRefs>
+    <ds:schemaRef ds:uri="http://schemas.microsoft.com/VisualStudio/2011/storyboarding/control/v1.0"/>
+  </ds:schemaRefs>
+</ds:datastoreItem>
+</file>
+
+<file path=customXml/itemProps72.xml><?xml version="1.0" encoding="utf-8"?>
+<ds:datastoreItem xmlns:ds="http://schemas.openxmlformats.org/officeDocument/2006/customXml" ds:itemID="{B0DBD337-FDC5-4C36-BF85-C09756391AA1}">
+  <ds:schemaRefs>
+    <ds:schemaRef ds:uri="http://schemas.microsoft.com/VisualStudio/2011/storyboarding/control/v1.0"/>
+  </ds:schemaRefs>
+</ds:datastoreItem>
+</file>
+
+<file path=customXml/itemProps73.xml><?xml version="1.0" encoding="utf-8"?>
+<ds:datastoreItem xmlns:ds="http://schemas.openxmlformats.org/officeDocument/2006/customXml" ds:itemID="{359B13B5-DE77-48C2-859A-70355A1B9D90}">
+  <ds:schemaRefs>
+    <ds:schemaRef ds:uri="http://schemas.microsoft.com/VisualStudio/2011/storyboarding/control/v1.0"/>
+  </ds:schemaRefs>
+</ds:datastoreItem>
+</file>
+
+<file path=customXml/itemProps74.xml><?xml version="1.0" encoding="utf-8"?>
+<ds:datastoreItem xmlns:ds="http://schemas.openxmlformats.org/officeDocument/2006/customXml" ds:itemID="{08904217-40E1-4558-95D8-8D709CA82866}">
+  <ds:schemaRefs>
+    <ds:schemaRef ds:uri="http://schemas.microsoft.com/VisualStudio/2011/storyboarding/control/v1.0"/>
+  </ds:schemaRefs>
+</ds:datastoreItem>
+</file>
+
+<file path=customXml/itemProps8.xml><?xml version="1.0" encoding="utf-8"?>
 <ds:datastoreItem xmlns:ds="http://schemas.openxmlformats.org/officeDocument/2006/customXml" ds:itemID="{2FEB3A16-E640-4049-92BF-229BF3B54149}">
   <ds:schemaRefs>
     <ds:schemaRef ds:uri="http://schemas.microsoft.com/office/2006/metadata/contentType"/>
@@ -18250,578 +18290,10 @@
 </ds:datastoreItem>
 </file>
 
-<file path=customXml/itemProps12.xml><?xml version="1.0" encoding="utf-8"?>
-<ds:datastoreItem xmlns:ds="http://schemas.openxmlformats.org/officeDocument/2006/customXml" ds:itemID="{B7BD4F34-B154-4D92-BE87-C557EB1B7EFB}">
-  <ds:schemaRefs>
-    <ds:schemaRef ds:uri="http://schemas.microsoft.com/sharepoint/v3/contenttype/forms"/>
-  </ds:schemaRefs>
-</ds:datastoreItem>
-</file>
-
-<file path=customXml/itemProps13.xml><?xml version="1.0" encoding="utf-8"?>
-<ds:datastoreItem xmlns:ds="http://schemas.openxmlformats.org/officeDocument/2006/customXml" ds:itemID="{BA2C55E9-BDE8-41FC-B02F-EBA8C07A01F8}">
-  <ds:schemaRefs>
-    <ds:schemaRef ds:uri="http://schemas.microsoft.com/VisualStudio/2011/storyboarding/control/v1.0"/>
-  </ds:schemaRefs>
-</ds:datastoreItem>
-</file>
-
-<file path=customXml/itemProps14.xml><?xml version="1.0" encoding="utf-8"?>
-<ds:datastoreItem xmlns:ds="http://schemas.openxmlformats.org/officeDocument/2006/customXml" ds:itemID="{6B22741B-5AC6-4A2C-A57A-E4BDF22E0A90}">
-  <ds:schemaRefs>
-    <ds:schemaRef ds:uri="http://schemas.microsoft.com/VisualStudio/2011/storyboarding/control/v1.0"/>
-  </ds:schemaRefs>
-</ds:datastoreItem>
-</file>
-
-<file path=customXml/itemProps15.xml><?xml version="1.0" encoding="utf-8"?>
-<ds:datastoreItem xmlns:ds="http://schemas.openxmlformats.org/officeDocument/2006/customXml" ds:itemID="{4CFA599C-9F1C-4AB4-AB4F-10CF77B58F79}">
-  <ds:schemaRefs>
-    <ds:schemaRef ds:uri="http://schemas.microsoft.com/VisualStudio/2011/storyboarding/control/v1.0"/>
-  </ds:schemaRefs>
-</ds:datastoreItem>
-</file>
-
-<file path=customXml/itemProps16.xml><?xml version="1.0" encoding="utf-8"?>
-<ds:datastoreItem xmlns:ds="http://schemas.openxmlformats.org/officeDocument/2006/customXml" ds:itemID="{A9E9510A-02AF-4564-9E17-46676C80E84C}">
-  <ds:schemaRefs>
-    <ds:schemaRef ds:uri="http://purl.org/dc/dcmitype/"/>
-    <ds:schemaRef ds:uri="http://www.w3.org/XML/1998/namespace"/>
-    <ds:schemaRef ds:uri="b4ebf394-daf6-497a-96c5-a2f8c10b38cf"/>
-    <ds:schemaRef ds:uri="http://purl.org/dc/terms/"/>
-    <ds:schemaRef ds:uri="http://schemas.microsoft.com/office/2006/documentManagement/types"/>
-    <ds:schemaRef ds:uri="http://schemas.openxmlformats.org/package/2006/metadata/core-properties"/>
-    <ds:schemaRef ds:uri="http://purl.org/dc/elements/1.1/"/>
-    <ds:schemaRef ds:uri="http://schemas.microsoft.com/office/2006/metadata/properties"/>
-    <ds:schemaRef ds:uri="http://schemas.microsoft.com/office/infopath/2007/PartnerControls"/>
-  </ds:schemaRefs>
-</ds:datastoreItem>
-</file>
-
-<file path=customXml/itemProps17.xml><?xml version="1.0" encoding="utf-8"?>
-<ds:datastoreItem xmlns:ds="http://schemas.openxmlformats.org/officeDocument/2006/customXml" ds:itemID="{5E2E8CE4-298D-499A-B8B4-4A593AC844A5}">
-  <ds:schemaRefs>
-    <ds:schemaRef ds:uri="http://schemas.microsoft.com/VisualStudio/2011/storyboarding/control/v1.0"/>
-  </ds:schemaRefs>
-</ds:datastoreItem>
-</file>
-
-<file path=customXml/itemProps18.xml><?xml version="1.0" encoding="utf-8"?>
-<ds:datastoreItem xmlns:ds="http://schemas.openxmlformats.org/officeDocument/2006/customXml" ds:itemID="{AA5E4F96-8C72-44F9-A0C5-FB007B246D91}">
-  <ds:schemaRefs>
-    <ds:schemaRef ds:uri="http://schemas.microsoft.com/VisualStudio/2011/storyboarding/control/v1.0"/>
-  </ds:schemaRefs>
-</ds:datastoreItem>
-</file>
-
-<file path=customXml/itemProps19.xml><?xml version="1.0" encoding="utf-8"?>
-<ds:datastoreItem xmlns:ds="http://schemas.openxmlformats.org/officeDocument/2006/customXml" ds:itemID="{63E54A0C-A919-4747-87DB-6EB5DB41F719}">
-  <ds:schemaRefs>
-    <ds:schemaRef ds:uri="http://schemas.microsoft.com/VisualStudio/2011/storyboarding/control/v1.0"/>
-  </ds:schemaRefs>
-</ds:datastoreItem>
-</file>
-
-<file path=customXml/itemProps2.xml><?xml version="1.0" encoding="utf-8"?>
-<ds:datastoreItem xmlns:ds="http://schemas.openxmlformats.org/officeDocument/2006/customXml" ds:itemID="{6772C88A-36A0-4EAC-86A3-BB16EEADAB3E}">
-  <ds:schemaRefs>
-    <ds:schemaRef ds:uri="http://schemas.microsoft.com/VisualStudio/2011/storyboarding/control/v1.0"/>
-  </ds:schemaRefs>
-</ds:datastoreItem>
-</file>
-
-<file path=customXml/itemProps20.xml><?xml version="1.0" encoding="utf-8"?>
-<ds:datastoreItem xmlns:ds="http://schemas.openxmlformats.org/officeDocument/2006/customXml" ds:itemID="{E4D924B8-E923-4751-87E1-B31AA64A9F7B}">
-  <ds:schemaRefs>
-    <ds:schemaRef ds:uri="http://schemas.microsoft.com/VisualStudio/2011/storyboarding/control/v1.0"/>
-  </ds:schemaRefs>
-</ds:datastoreItem>
-</file>
-
-<file path=customXml/itemProps21.xml><?xml version="1.0" encoding="utf-8"?>
-<ds:datastoreItem xmlns:ds="http://schemas.openxmlformats.org/officeDocument/2006/customXml" ds:itemID="{B2C9D19C-4878-43E0-A5AD-CB76AB49D960}">
-  <ds:schemaRefs>
-    <ds:schemaRef ds:uri="http://schemas.microsoft.com/VisualStudio/2011/storyboarding/control/v1.0"/>
-  </ds:schemaRefs>
-</ds:datastoreItem>
-</file>
-
-<file path=customXml/itemProps22.xml><?xml version="1.0" encoding="utf-8"?>
-<ds:datastoreItem xmlns:ds="http://schemas.openxmlformats.org/officeDocument/2006/customXml" ds:itemID="{379BFC32-51F7-4218-B2AD-CFD6564CE11F}">
-  <ds:schemaRefs>
-    <ds:schemaRef ds:uri="http://schemas.microsoft.com/VisualStudio/2011/storyboarding/control"/>
-  </ds:schemaRefs>
-</ds:datastoreItem>
-</file>
-
-<file path=customXml/itemProps23.xml><?xml version="1.0" encoding="utf-8"?>
-<ds:datastoreItem xmlns:ds="http://schemas.openxmlformats.org/officeDocument/2006/customXml" ds:itemID="{07B11A95-7731-4379-9E1B-32BC87FA2B56}">
-  <ds:schemaRefs>
-    <ds:schemaRef ds:uri="http://schemas.microsoft.com/VisualStudio/2011/storyboarding/control/v1.0"/>
-  </ds:schemaRefs>
-</ds:datastoreItem>
-</file>
-
-<file path=customXml/itemProps24.xml><?xml version="1.0" encoding="utf-8"?>
-<ds:datastoreItem xmlns:ds="http://schemas.openxmlformats.org/officeDocument/2006/customXml" ds:itemID="{2B6243A2-99B5-42ED-B049-93E27D774527}">
-  <ds:schemaRefs>
-    <ds:schemaRef ds:uri="http://schemas.microsoft.com/VisualStudio/2011/storyboarding/control/v1.0"/>
-  </ds:schemaRefs>
-</ds:datastoreItem>
-</file>
-
-<file path=customXml/itemProps25.xml><?xml version="1.0" encoding="utf-8"?>
-<ds:datastoreItem xmlns:ds="http://schemas.openxmlformats.org/officeDocument/2006/customXml" ds:itemID="{70C23831-7801-40F8-9A53-4E9925562CBE}">
-  <ds:schemaRefs>
-    <ds:schemaRef ds:uri="http://schemas.microsoft.com/VisualStudio/2011/storyboarding/control"/>
-  </ds:schemaRefs>
-</ds:datastoreItem>
-</file>
-
-<file path=customXml/itemProps26.xml><?xml version="1.0" encoding="utf-8"?>
-<ds:datastoreItem xmlns:ds="http://schemas.openxmlformats.org/officeDocument/2006/customXml" ds:itemID="{CC419530-796D-4DBE-BBEE-9A6630A896E1}">
-  <ds:schemaRefs>
-    <ds:schemaRef ds:uri="http://schemas.microsoft.com/VisualStudio/2011/storyboarding/control/v1.0"/>
-  </ds:schemaRefs>
-</ds:datastoreItem>
-</file>
-
-<file path=customXml/itemProps27.xml><?xml version="1.0" encoding="utf-8"?>
-<ds:datastoreItem xmlns:ds="http://schemas.openxmlformats.org/officeDocument/2006/customXml" ds:itemID="{6574190A-3D9E-42C1-B276-38E33156AA99}">
-  <ds:schemaRefs>
-    <ds:schemaRef ds:uri="http://schemas.microsoft.com/VisualStudio/2011/storyboarding/control/v1.0"/>
-  </ds:schemaRefs>
-</ds:datastoreItem>
-</file>
-
-<file path=customXml/itemProps28.xml><?xml version="1.0" encoding="utf-8"?>
-<ds:datastoreItem xmlns:ds="http://schemas.openxmlformats.org/officeDocument/2006/customXml" ds:itemID="{E6C688DD-065A-4726-BCE5-E5AFDA3F5641}">
-  <ds:schemaRefs>
-    <ds:schemaRef ds:uri="http://schemas.microsoft.com/VisualStudio/2011/storyboarding/control/v1.0"/>
-  </ds:schemaRefs>
-</ds:datastoreItem>
-</file>
-
-<file path=customXml/itemProps29.xml><?xml version="1.0" encoding="utf-8"?>
-<ds:datastoreItem xmlns:ds="http://schemas.openxmlformats.org/officeDocument/2006/customXml" ds:itemID="{814432F2-7AE9-411E-9F7B-EBBF16C4666D}">
-  <ds:schemaRefs>
-    <ds:schemaRef ds:uri="http://schemas.microsoft.com/VisualStudio/2011/storyboarding/control/v1.0"/>
-  </ds:schemaRefs>
-</ds:datastoreItem>
-</file>
-
-<file path=customXml/itemProps3.xml><?xml version="1.0" encoding="utf-8"?>
-<ds:datastoreItem xmlns:ds="http://schemas.openxmlformats.org/officeDocument/2006/customXml" ds:itemID="{188F6680-9EB8-4B03-8D3B-773D66FC777A}">
-  <ds:schemaRefs>
-    <ds:schemaRef ds:uri="http://schemas.microsoft.com/VisualStudio/2011/storyboarding/control/v1.0"/>
-  </ds:schemaRefs>
-</ds:datastoreItem>
-</file>
-
-<file path=customXml/itemProps30.xml><?xml version="1.0" encoding="utf-8"?>
-<ds:datastoreItem xmlns:ds="http://schemas.openxmlformats.org/officeDocument/2006/customXml" ds:itemID="{9C57ED54-5F7A-476D-BFE2-C46C7230CC6B}">
-  <ds:schemaRefs>
-    <ds:schemaRef ds:uri="http://schemas.microsoft.com/VisualStudio/2011/storyboarding/control/v1.0"/>
-  </ds:schemaRefs>
-</ds:datastoreItem>
-</file>
-
-<file path=customXml/itemProps31.xml><?xml version="1.0" encoding="utf-8"?>
-<ds:datastoreItem xmlns:ds="http://schemas.openxmlformats.org/officeDocument/2006/customXml" ds:itemID="{D8E0912A-795B-4916-9114-34B4F28A0EE3}">
-  <ds:schemaRefs>
-    <ds:schemaRef ds:uri="http://schemas.microsoft.com/VisualStudio/2011/storyboarding/control/v1.0"/>
-  </ds:schemaRefs>
-</ds:datastoreItem>
-</file>
-
-<file path=customXml/itemProps32.xml><?xml version="1.0" encoding="utf-8"?>
+<file path=customXml/itemProps9.xml><?xml version="1.0" encoding="utf-8"?>
 <ds:datastoreItem xmlns:ds="http://schemas.openxmlformats.org/officeDocument/2006/customXml" ds:itemID="{AD9C1405-6371-400D-A0E2-389A1557BE20}">
   <ds:schemaRefs>
     <ds:schemaRef ds:uri="http://schemas.microsoft.com/VisualStudio/2011/storyboarding/control/v1.0"/>
   </ds:schemaRefs>
 </ds:datastoreItem>
-</file>
-
-<file path=customXml/itemProps33.xml><?xml version="1.0" encoding="utf-8"?>
-<ds:datastoreItem xmlns:ds="http://schemas.openxmlformats.org/officeDocument/2006/customXml" ds:itemID="{A1B88D5F-41A7-488A-960C-6D819000899D}">
-  <ds:schemaRefs>
-    <ds:schemaRef ds:uri="http://schemas.microsoft.com/VisualStudio/2011/storyboarding/control/v1.0"/>
-  </ds:schemaRefs>
-</ds:datastoreItem>
-</file>
-
-<file path=customXml/itemProps34.xml><?xml version="1.0" encoding="utf-8"?>
-<ds:datastoreItem xmlns:ds="http://schemas.openxmlformats.org/officeDocument/2006/customXml" ds:itemID="{4BCB20A2-9850-49DA-9BD6-A5D2B0ABF72F}">
-  <ds:schemaRefs>
-    <ds:schemaRef ds:uri="http://schemas.microsoft.com/VisualStudio/2011/storyboarding/control/v1.0"/>
-  </ds:schemaRefs>
-</ds:datastoreItem>
-</file>
-
-<file path=customXml/itemProps35.xml><?xml version="1.0" encoding="utf-8"?>
-<ds:datastoreItem xmlns:ds="http://schemas.openxmlformats.org/officeDocument/2006/customXml" ds:itemID="{E9C4CBB0-7D2F-42EC-9ED0-589327F3DDE1}">
-  <ds:schemaRefs>
-    <ds:schemaRef ds:uri="http://schemas.microsoft.com/VisualStudio/2011/storyboarding/control"/>
-  </ds:schemaRefs>
-</ds:datastoreItem>
-</file>
-
-<file path=customXml/itemProps36.xml><?xml version="1.0" encoding="utf-8"?>
-<ds:datastoreItem xmlns:ds="http://schemas.openxmlformats.org/officeDocument/2006/customXml" ds:itemID="{699689A1-427B-4DEA-8FDB-0058CB4B38D8}">
-  <ds:schemaRefs>
-    <ds:schemaRef ds:uri="http://schemas.microsoft.com/VisualStudio/2011/storyboarding/control/v1.0"/>
-  </ds:schemaRefs>
-</ds:datastoreItem>
-</file>
-
-<file path=customXml/itemProps37.xml><?xml version="1.0" encoding="utf-8"?>
-<ds:datastoreItem xmlns:ds="http://schemas.openxmlformats.org/officeDocument/2006/customXml" ds:itemID="{20EE139D-44C7-4192-A8B7-E25390148E28}">
-  <ds:schemaRefs>
-    <ds:schemaRef ds:uri="http://schemas.microsoft.com/VisualStudio/2011/storyboarding/control/v1.0"/>
-  </ds:schemaRefs>
-</ds:datastoreItem>
-</file>
-
-<file path=customXml/itemProps38.xml><?xml version="1.0" encoding="utf-8"?>
-<ds:datastoreItem xmlns:ds="http://schemas.openxmlformats.org/officeDocument/2006/customXml" ds:itemID="{B41892D7-DF8B-4D5A-8AD2-983048A35AA0}">
-  <ds:schemaRefs>
-    <ds:schemaRef ds:uri="http://schemas.microsoft.com/VisualStudio/2011/storyboarding/control/v1.0"/>
-  </ds:schemaRefs>
-</ds:datastoreItem>
-</file>
-
-<file path=customXml/itemProps39.xml><?xml version="1.0" encoding="utf-8"?>
-<ds:datastoreItem xmlns:ds="http://schemas.openxmlformats.org/officeDocument/2006/customXml" ds:itemID="{F395D8ED-A0D3-4F6E-91F3-A29EC16A8083}">
-  <ds:schemaRefs>
-    <ds:schemaRef ds:uri="http://schemas.microsoft.com/VisualStudio/2011/storyboarding/control/v1.0"/>
-  </ds:schemaRefs>
-</ds:datastoreItem>
-</file>
-
-<file path=customXml/itemProps4.xml><?xml version="1.0" encoding="utf-8"?>
-<ds:datastoreItem xmlns:ds="http://schemas.openxmlformats.org/officeDocument/2006/customXml" ds:itemID="{729DB56D-F542-4709-9AE0-E83CD92BA163}">
-  <ds:schemaRefs>
-    <ds:schemaRef ds:uri="http://schemas.microsoft.com/VisualStudio/2011/storyboarding/control/v1.0"/>
-  </ds:schemaRefs>
-</ds:datastoreItem>
-</file>
-
-<file path=customXml/itemProps40.xml><?xml version="1.0" encoding="utf-8"?>
-<ds:datastoreItem xmlns:ds="http://schemas.openxmlformats.org/officeDocument/2006/customXml" ds:itemID="{EDE713BE-A567-491C-902D-E6087D824056}">
-  <ds:schemaRefs>
-    <ds:schemaRef ds:uri="http://schemas.microsoft.com/VisualStudio/2011/storyboarding/control/v1.0"/>
-  </ds:schemaRefs>
-</ds:datastoreItem>
-</file>
-
-<file path=customXml/itemProps41.xml><?xml version="1.0" encoding="utf-8"?>
-<ds:datastoreItem xmlns:ds="http://schemas.openxmlformats.org/officeDocument/2006/customXml" ds:itemID="{18A6A270-A75C-4D7E-86E4-765FF07C5144}">
-  <ds:schemaRefs>
-    <ds:schemaRef ds:uri="http://schemas.microsoft.com/sharepoint/events"/>
-  </ds:schemaRefs>
-</ds:datastoreItem>
-</file>
-
-<file path=customXml/itemProps42.xml><?xml version="1.0" encoding="utf-8"?>
-<ds:datastoreItem xmlns:ds="http://schemas.openxmlformats.org/officeDocument/2006/customXml" ds:itemID="{C1E8400F-CB83-4A16-AF3D-36FAF22BDD23}">
-  <ds:schemaRefs>
-    <ds:schemaRef ds:uri="http://schemas.microsoft.com/VisualStudio/2011/storyboarding/control/v1.0"/>
-  </ds:schemaRefs>
-</ds:datastoreItem>
-</file>
-
-<file path=customXml/itemProps43.xml><?xml version="1.0" encoding="utf-8"?>
-<ds:datastoreItem xmlns:ds="http://schemas.openxmlformats.org/officeDocument/2006/customXml" ds:itemID="{7BF16C54-4775-4FA7-AF88-98AF6D5E8CA6}">
-  <ds:schemaRefs>
-    <ds:schemaRef ds:uri="http://schemas.microsoft.com/VisualStudio/2011/storyboarding/control/v1.0"/>
-  </ds:schemaRefs>
-</ds:datastoreItem>
-</file>
-
-<file path=customXml/itemProps44.xml><?xml version="1.0" encoding="utf-8"?>
-<ds:datastoreItem xmlns:ds="http://schemas.openxmlformats.org/officeDocument/2006/customXml" ds:itemID="{574C0546-69B0-4850-A983-CDA8017CD4CE}">
-  <ds:schemaRefs>
-    <ds:schemaRef ds:uri="http://schemas.microsoft.com/VisualStudio/2011/storyboarding/control"/>
-  </ds:schemaRefs>
-</ds:datastoreItem>
-</file>
-
-<file path=customXml/itemProps45.xml><?xml version="1.0" encoding="utf-8"?>
-<ds:datastoreItem xmlns:ds="http://schemas.openxmlformats.org/officeDocument/2006/customXml" ds:itemID="{B0DBD337-FDC5-4C36-BF85-C09756391AA1}">
-  <ds:schemaRefs>
-    <ds:schemaRef ds:uri="http://schemas.microsoft.com/VisualStudio/2011/storyboarding/control/v1.0"/>
-  </ds:schemaRefs>
-</ds:datastoreItem>
-</file>
-
-<file path=customXml/itemProps46.xml><?xml version="1.0" encoding="utf-8"?>
-<ds:datastoreItem xmlns:ds="http://schemas.openxmlformats.org/officeDocument/2006/customXml" ds:itemID="{E4A0845B-41B6-4256-8FB3-E31EA581BF55}">
-  <ds:schemaRefs>
-    <ds:schemaRef ds:uri="http://schemas.microsoft.com/VisualStudio/2011/storyboarding/control/v1.0"/>
-  </ds:schemaRefs>
-</ds:datastoreItem>
-</file>
-
-<file path=customXml/itemProps47.xml><?xml version="1.0" encoding="utf-8"?>
-<ds:datastoreItem xmlns:ds="http://schemas.openxmlformats.org/officeDocument/2006/customXml" ds:itemID="{1AF31726-A62F-4331-8622-ED351D5149B7}">
-  <ds:schemaRefs>
-    <ds:schemaRef ds:uri="http://schemas.microsoft.com/VisualStudio/2011/storyboarding/control"/>
-  </ds:schemaRefs>
-</ds:datastoreItem>
-</file>
-
-<file path=customXml/itemProps48.xml><?xml version="1.0" encoding="utf-8"?>
-<ds:datastoreItem xmlns:ds="http://schemas.openxmlformats.org/officeDocument/2006/customXml" ds:itemID="{CB953D38-E965-4BB2-94FE-DF647E85A654}">
-  <ds:schemaRefs>
-    <ds:schemaRef ds:uri="http://schemas.microsoft.com/VisualStudio/2011/storyboarding/control/v1.0"/>
-  </ds:schemaRefs>
-</ds:datastoreItem>
-</file>
-
-<file path=customXml/itemProps49.xml><?xml version="1.0" encoding="utf-8"?>
-<ds:datastoreItem xmlns:ds="http://schemas.openxmlformats.org/officeDocument/2006/customXml" ds:itemID="{3C6220BE-0F2A-49C6-BFB2-C458479F3F62}">
-  <ds:schemaRefs>
-    <ds:schemaRef ds:uri="http://schemas.microsoft.com/VisualStudio/2011/storyboarding/control/v1.0"/>
-  </ds:schemaRefs>
-</ds:datastoreItem>
-</file>
-
-<file path=customXml/itemProps5.xml><?xml version="1.0" encoding="utf-8"?>
-<ds:datastoreItem xmlns:ds="http://schemas.openxmlformats.org/officeDocument/2006/customXml" ds:itemID="{416D00B5-FBFE-483F-BE84-520287240459}">
-  <ds:schemaRefs>
-    <ds:schemaRef ds:uri="http://schemas.microsoft.com/VisualStudio/2011/storyboarding/control/v1.0"/>
-  </ds:schemaRefs>
-</ds:datastoreItem>
-</file>
-
-<file path=customXml/itemProps50.xml><?xml version="1.0" encoding="utf-8"?>
-<ds:datastoreItem xmlns:ds="http://schemas.openxmlformats.org/officeDocument/2006/customXml" ds:itemID="{5423C7C4-EE26-4ED2-9F11-C9ABAA081BA5}">
-  <ds:schemaRefs>
-    <ds:schemaRef ds:uri="http://schemas.microsoft.com/VisualStudio/2011/storyboarding/control/v1.0"/>
-  </ds:schemaRefs>
-</ds:datastoreItem>
-</file>
-
-<file path=customXml/itemProps51.xml><?xml version="1.0" encoding="utf-8"?>
-<ds:datastoreItem xmlns:ds="http://schemas.openxmlformats.org/officeDocument/2006/customXml" ds:itemID="{A2DAA52B-5F52-4A8E-B601-7BF162CD738F}">
-  <ds:schemaRefs>
-    <ds:schemaRef ds:uri="http://schemas.microsoft.com/VisualStudio/2011/storyboarding/control/v1.0"/>
-  </ds:schemaRefs>
-</ds:datastoreItem>
-</file>
-
-<file path=customXml/itemProps52.xml><?xml version="1.0" encoding="utf-8"?>
-<ds:datastoreItem xmlns:ds="http://schemas.openxmlformats.org/officeDocument/2006/customXml" ds:itemID="{D705ACE5-FAF8-44EC-9622-845721B4A44D}">
-  <ds:schemaRefs>
-    <ds:schemaRef ds:uri="http://schemas.microsoft.com/VisualStudio/2011/storyboarding/control/v1.0"/>
-  </ds:schemaRefs>
-</ds:datastoreItem>
-</file>
-
-<file path=customXml/itemProps53.xml><?xml version="1.0" encoding="utf-8"?>
-<ds:datastoreItem xmlns:ds="http://schemas.openxmlformats.org/officeDocument/2006/customXml" ds:itemID="{63E5DE85-F05E-4507-B223-806D8F49F058}">
-  <ds:schemaRefs>
-    <ds:schemaRef ds:uri="http://schemas.microsoft.com/VisualStudio/2011/storyboarding/control/v1.0"/>
-  </ds:schemaRefs>
-</ds:datastoreItem>
-</file>
-
-<file path=customXml/itemProps54.xml><?xml version="1.0" encoding="utf-8"?>
-<ds:datastoreItem xmlns:ds="http://schemas.openxmlformats.org/officeDocument/2006/customXml" ds:itemID="{AECE9E1B-E7C1-46F6-9945-164C1E49BE74}">
-  <ds:schemaRefs>
-    <ds:schemaRef ds:uri="http://schemas.microsoft.com/VisualStudio/2011/storyboarding/control/v1.0"/>
-  </ds:schemaRefs>
-</ds:datastoreItem>
-</file>
-
-<file path=customXml/itemProps55.xml><?xml version="1.0" encoding="utf-8"?>
-<ds:datastoreItem xmlns:ds="http://schemas.openxmlformats.org/officeDocument/2006/customXml" ds:itemID="{AB006AED-D3B6-450F-A436-759E490055A5}">
-  <ds:schemaRefs>
-    <ds:schemaRef ds:uri="http://schemas.microsoft.com/VisualStudio/2011/storyboarding/control/v1.0"/>
-  </ds:schemaRefs>
-</ds:datastoreItem>
-</file>
-
-<file path=customXml/itemProps56.xml><?xml version="1.0" encoding="utf-8"?>
-<ds:datastoreItem xmlns:ds="http://schemas.openxmlformats.org/officeDocument/2006/customXml" ds:itemID="{253B000D-0B23-420C-B5B5-11B6002E5391}">
-  <ds:schemaRefs>
-    <ds:schemaRef ds:uri="http://schemas.microsoft.com/VisualStudio/2011/storyboarding/control/v1.0"/>
-  </ds:schemaRefs>
-</ds:datastoreItem>
-</file>
-
-<file path=customXml/itemProps57.xml><?xml version="1.0" encoding="utf-8"?>
-<ds:datastoreItem xmlns:ds="http://schemas.openxmlformats.org/officeDocument/2006/customXml" ds:itemID="{C4783010-23AB-4BDC-BABF-F6576658A2B0}">
-  <ds:schemaRefs>
-    <ds:schemaRef ds:uri="http://schemas.microsoft.com/VisualStudio/2011/storyboarding/control/v1.0"/>
-  </ds:schemaRefs>
-</ds:datastoreItem>
-</file>
-
-<file path=customXml/itemProps58.xml><?xml version="1.0" encoding="utf-8"?>
-<ds:datastoreItem xmlns:ds="http://schemas.openxmlformats.org/officeDocument/2006/customXml" ds:itemID="{D356E6DB-54C9-4389-B932-0F583366BD4B}">
-  <ds:schemaRefs>
-    <ds:schemaRef ds:uri="http://schemas.microsoft.com/VisualStudio/2011/storyboarding/control/v1.0"/>
-  </ds:schemaRefs>
-</ds:datastoreItem>
-</file>
-
-<file path=customXml/itemProps59.xml><?xml version="1.0" encoding="utf-8"?>
-<ds:datastoreItem xmlns:ds="http://schemas.openxmlformats.org/officeDocument/2006/customXml" ds:itemID="{A6ECB6E0-BD84-4681-8699-56A1B3F36A60}">
-  <ds:schemaRefs>
-    <ds:schemaRef ds:uri="http://schemas.microsoft.com/VisualStudio/2011/storyboarding/control"/>
-  </ds:schemaRefs>
-</ds:datastoreItem>
-</file>
-
-<file path=customXml/itemProps6.xml><?xml version="1.0" encoding="utf-8"?>
-<ds:datastoreItem xmlns:ds="http://schemas.openxmlformats.org/officeDocument/2006/customXml" ds:itemID="{16772130-8F5D-442B-AA11-39D4F229ACC6}">
-  <ds:schemaRefs>
-    <ds:schemaRef ds:uri="http://schemas.microsoft.com/VisualStudio/2011/storyboarding/control/v1.0"/>
-  </ds:schemaRefs>
-</ds:datastoreItem>
-</file>
-
-<file path=customXml/itemProps60.xml><?xml version="1.0" encoding="utf-8"?>
-<ds:datastoreItem xmlns:ds="http://schemas.openxmlformats.org/officeDocument/2006/customXml" ds:itemID="{7C4FADB9-82C5-46C4-AD0E-6B60B5C6AEAE}">
-  <ds:schemaRefs>
-    <ds:schemaRef ds:uri="http://schemas.microsoft.com/VisualStudio/2011/storyboarding/control/v1.0"/>
-  </ds:schemaRefs>
-</ds:datastoreItem>
-</file>
-
-<file path=customXml/itemProps61.xml><?xml version="1.0" encoding="utf-8"?>
-<ds:datastoreItem xmlns:ds="http://schemas.openxmlformats.org/officeDocument/2006/customXml" ds:itemID="{08904217-40E1-4558-95D8-8D709CA82866}">
-  <ds:schemaRefs>
-    <ds:schemaRef ds:uri="http://schemas.microsoft.com/VisualStudio/2011/storyboarding/control/v1.0"/>
-  </ds:schemaRefs>
-</ds:datastoreItem>
-</file>
-
-<file path=customXml/itemProps62.xml><?xml version="1.0" encoding="utf-8"?>
-<ds:datastoreItem xmlns:ds="http://schemas.openxmlformats.org/officeDocument/2006/customXml" ds:itemID="{19CB1DF2-8822-4520-A56A-045D340F0C71}">
-  <ds:schemaRefs>
-    <ds:schemaRef ds:uri="http://schemas.microsoft.com/VisualStudio/2011/storyboarding/control/v1.0"/>
-  </ds:schemaRefs>
-</ds:datastoreItem>
-</file>
-
-<file path=customXml/itemProps63.xml><?xml version="1.0" encoding="utf-8"?>
-<ds:datastoreItem xmlns:ds="http://schemas.openxmlformats.org/officeDocument/2006/customXml" ds:itemID="{B4BE880E-F71A-4C21-A1C3-8A2437E3C677}">
-  <ds:schemaRefs>
-    <ds:schemaRef ds:uri="http://schemas.microsoft.com/VisualStudio/2011/storyboarding/control/v1.0"/>
-  </ds:schemaRefs>
-</ds:datastoreItem>
-</file>
-
-<file path=customXml/itemProps64.xml><?xml version="1.0" encoding="utf-8"?>
-<ds:datastoreItem xmlns:ds="http://schemas.openxmlformats.org/officeDocument/2006/customXml" ds:itemID="{9C4C7B07-3AE3-46A1-A54D-2BDFAB93A8EF}">
-  <ds:schemaRefs>
-    <ds:schemaRef ds:uri="http://schemas.microsoft.com/VisualStudio/2011/storyboarding/control/v1.0"/>
-  </ds:schemaRefs>
-</ds:datastoreItem>
-</file>
-
-<file path=customXml/itemProps65.xml><?xml version="1.0" encoding="utf-8"?>
-<ds:datastoreItem xmlns:ds="http://schemas.openxmlformats.org/officeDocument/2006/customXml" ds:itemID="{39536A02-E179-4A1C-9FA7-86EF40631969}">
-  <ds:schemaRefs>
-    <ds:schemaRef ds:uri="http://schemas.microsoft.com/VisualStudio/2011/storyboarding/control/v1.0"/>
-  </ds:schemaRefs>
-</ds:datastoreItem>
-</file>
-
-<file path=customXml/itemProps66.xml><?xml version="1.0" encoding="utf-8"?>
-<ds:datastoreItem xmlns:ds="http://schemas.openxmlformats.org/officeDocument/2006/customXml" ds:itemID="{359B13B5-DE77-48C2-859A-70355A1B9D90}">
-  <ds:schemaRefs>
-    <ds:schemaRef ds:uri="http://schemas.microsoft.com/VisualStudio/2011/storyboarding/control/v1.0"/>
-  </ds:schemaRefs>
-</ds:datastoreItem>
-</file>
-
-<file path=customXml/itemProps67.xml><?xml version="1.0" encoding="utf-8"?>
-<ds:datastoreItem xmlns:ds="http://schemas.openxmlformats.org/officeDocument/2006/customXml" ds:itemID="{E2EFB470-892C-4F70-98FA-B53F970592A9}">
-  <ds:schemaRefs>
-    <ds:schemaRef ds:uri="http://schemas.microsoft.com/VisualStudio/2011/storyboarding/control"/>
-  </ds:schemaRefs>
-</ds:datastoreItem>
-</file>
-
-<file path=customXml/itemProps68.xml><?xml version="1.0" encoding="utf-8"?>
-<ds:datastoreItem xmlns:ds="http://schemas.openxmlformats.org/officeDocument/2006/customXml" ds:itemID="{A84BE01C-E91B-4A90-8E7F-25887EF8E061}">
-  <ds:schemaRefs>
-    <ds:schemaRef ds:uri="http://schemas.microsoft.com/VisualStudio/2011/storyboarding/control/v1.0"/>
-  </ds:schemaRefs>
-</ds:datastoreItem>
-</file>
-
-<file path=customXml/itemProps69.xml><?xml version="1.0" encoding="utf-8"?>
-<ds:datastoreItem xmlns:ds="http://schemas.openxmlformats.org/officeDocument/2006/customXml" ds:itemID="{0BD21A30-063A-4397-97B8-0121D45BD9D6}">
-  <ds:schemaRefs>
-    <ds:schemaRef ds:uri="http://schemas.microsoft.com/VisualStudio/2011/storyboarding/control/v1.0"/>
-  </ds:schemaRefs>
-</ds:datastoreItem>
-</file>
-
-<file path=customXml/itemProps7.xml><?xml version="1.0" encoding="utf-8"?>
-<ds:datastoreItem xmlns:ds="http://schemas.openxmlformats.org/officeDocument/2006/customXml" ds:itemID="{E2968586-6EB5-4B3C-A2E1-82E35F695B75}">
-  <ds:schemaRefs>
-    <ds:schemaRef ds:uri="http://schemas.microsoft.com/VisualStudio/2011/storyboarding/control/v1.0"/>
-  </ds:schemaRefs>
-</ds:datastoreItem>
-</file>
-
-<file path=customXml/itemProps70.xml><?xml version="1.0" encoding="utf-8"?>
-<ds:datastoreItem xmlns:ds="http://schemas.openxmlformats.org/officeDocument/2006/customXml" ds:itemID="{53BC856C-B486-437D-A7B4-612AE9417D7A}">
-  <ds:schemaRefs>
-    <ds:schemaRef ds:uri="http://schemas.microsoft.com/VisualStudio/2011/storyboarding/control/v1.0"/>
-  </ds:schemaRefs>
-</ds:datastoreItem>
-</file>
-
-<file path=customXml/itemProps71.xml><?xml version="1.0" encoding="utf-8"?>
-<ds:datastoreItem xmlns:ds="http://schemas.openxmlformats.org/officeDocument/2006/customXml" ds:itemID="{B571350C-23C3-4B5A-8F49-FBEB6CF22964}">
-  <ds:schemaRefs>
-    <ds:schemaRef ds:uri="http://schemas.microsoft.com/VisualStudio/2011/storyboarding/control/v1.0"/>
-  </ds:schemaRefs>
-</ds:datastoreItem>
-</file>
-
-<file path=customXml/itemProps72.xml><?xml version="1.0" encoding="utf-8"?>
-<ds:datastoreItem xmlns:ds="http://schemas.openxmlformats.org/officeDocument/2006/customXml" ds:itemID="{156ACD54-663F-4146-A83C-D39B7758E090}">
-  <ds:schemaRefs>
-    <ds:schemaRef ds:uri="http://schemas.microsoft.com/VisualStudio/2011/storyboarding/control/v1.0"/>
-  </ds:schemaRefs>
-</ds:datastoreItem>
-</file>
-
-<file path=customXml/itemProps73.xml><?xml version="1.0" encoding="utf-8"?>
-<ds:datastoreItem xmlns:ds="http://schemas.openxmlformats.org/officeDocument/2006/customXml" ds:itemID="{F17D5AF6-3BD9-4DFF-AE9B-2E10D3430779}">
-  <ds:schemaRefs>
-    <ds:schemaRef ds:uri="http://schemas.microsoft.com/VisualStudio/2011/storyboarding/control/v1.0"/>
-  </ds:schemaRefs>
-</ds:datastoreItem>
-</file>
-
-<file path=customXml/itemProps74.xml><?xml version="1.0" encoding="utf-8"?>
-<ds:datastoreItem xmlns:ds="http://schemas.openxmlformats.org/officeDocument/2006/customXml" ds:itemID="{4EE14C2A-AD9F-4617-A8CC-4057921BFCA8}">
-  <ds:schemaRefs>
-    <ds:schemaRef ds:uri="http://schemas.microsoft.com/VisualStudio/2011/storyboarding/control/v1.0"/>
-  </ds:schemaRefs>
-</ds:datastoreItem>
-</file>
-
-<file path=customXml/itemProps8.xml><?xml version="1.0" encoding="utf-8"?>
-<ds:datastoreItem xmlns:ds="http://schemas.openxmlformats.org/officeDocument/2006/customXml" ds:itemID="{387838C4-29F2-40AB-9647-8346D39956AB}">
-  <ds:schemaRefs>
-    <ds:schemaRef ds:uri="http://schemas.microsoft.com/VisualStudio/2011/storyboarding/control"/>
-  </ds:schemaRefs>
-</ds:datastoreItem>
-</file>
-
-<file path=customXml/itemProps9.xml><?xml version="1.0" encoding="utf-8"?>
-<ds:datastoreItem xmlns:ds="http://schemas.openxmlformats.org/officeDocument/2006/customXml" ds:itemID="{CD17C18B-5B11-471F-97AA-CE2EA822BB97}">
-  <ds:schemaRefs>
-    <ds:schemaRef ds:uri="http://schemas.microsoft.com/VisualStudio/2011/storyboarding/control/v1.0"/>
-  </ds:schemaRefs>
-</ds:datastoreItem>
 </file>